--- a/fuentes/contenidos/grado08/guion10/MapaConceptual_MA_08_10_CO_Aprovechado(3°ESO-MatemáticasAcadémicas-LosPoliedrosylosCuerposdeRevolucion.pptx
+++ b/fuentes/contenidos/grado08/guion10/MapaConceptual_MA_08_10_CO_Aprovechado(3°ESO-MatemáticasAcadémicas-LosPoliedrosylosCuerposdeRevolucion.pptx
@@ -450,7 +450,7 @@
           <a:p>
             <a:fld id="{5001C876-01F7-4317-94B9-1AE222133113}" type="datetimeFigureOut">
               <a:rPr lang="es-ES" smtClean="0"/>
-              <a:t>11/02/2016</a:t>
+              <a:t>11/04/2016</a:t>
             </a:fld>
             <a:endParaRPr lang="es-ES" dirty="0"/>
           </a:p>
@@ -3558,16 +3558,1465 @@
           </a:p>
         </p:txBody>
       </p:sp>
+      <p:sp>
+        <p:nvSpPr>
+          <p:cNvPr id="208" name="Rectángulo 207" descr="Nodo de séptimo nivel" title="Nodo07"/>
+          <p:cNvSpPr/>
+          <p:nvPr/>
+        </p:nvSpPr>
+        <p:spPr>
+          <a:xfrm>
+            <a:off x="2147533" y="6460120"/>
+            <a:ext cx="979298" cy="353519"/>
+          </a:xfrm>
+          <a:prstGeom prst="rect">
+            <a:avLst/>
+          </a:prstGeom>
+          <a:noFill/>
+          <a:ln>
+            <a:solidFill>
+              <a:schemeClr val="tx1"/>
+            </a:solidFill>
+          </a:ln>
+        </p:spPr>
+        <p:style>
+          <a:lnRef idx="2">
+            <a:schemeClr val="accent6"/>
+          </a:lnRef>
+          <a:fillRef idx="1">
+            <a:schemeClr val="lt1"/>
+          </a:fillRef>
+          <a:effectRef idx="0">
+            <a:schemeClr val="accent6"/>
+          </a:effectRef>
+          <a:fontRef idx="minor">
+            <a:schemeClr val="dk1"/>
+          </a:fontRef>
+        </p:style>
+        <p:txBody>
+          <a:bodyPr rtlCol="0" anchor="ctr"/>
+          <a:lstStyle/>
+          <a:p>
+            <a:pPr algn="ctr"/>
+            <a:endParaRPr lang="es-ES" sz="900" dirty="0">
+              <a:solidFill>
+                <a:schemeClr val="tx1"/>
+              </a:solidFill>
+              <a:latin typeface="Arial" panose="020B0604020202020204" pitchFamily="34" charset="0"/>
+              <a:cs typeface="Arial" panose="020B0604020202020204" pitchFamily="34" charset="0"/>
+            </a:endParaRPr>
+          </a:p>
+        </p:txBody>
+      </p:sp>
+      <p:cxnSp>
+        <p:nvCxnSpPr>
+          <p:cNvPr id="213" name="Conector angular 212"/>
+          <p:cNvCxnSpPr>
+            <a:stCxn id="205" idx="2"/>
+            <a:endCxn id="208" idx="0"/>
+          </p:cNvCxnSpPr>
+          <p:nvPr/>
+        </p:nvCxnSpPr>
+        <p:spPr>
+          <a:xfrm rot="16200000" flipH="1">
+            <a:off x="2592546" y="6415484"/>
+            <a:ext cx="87564" cy="1707"/>
+          </a:xfrm>
+          <a:prstGeom prst="bentConnector3">
+            <a:avLst>
+              <a:gd name="adj1" fmla="val 50000"/>
+            </a:avLst>
+          </a:prstGeom>
+          <a:ln w="12700">
+            <a:solidFill>
+              <a:schemeClr val="tx1"/>
+            </a:solidFill>
+          </a:ln>
+        </p:spPr>
+        <p:style>
+          <a:lnRef idx="1">
+            <a:schemeClr val="accent1"/>
+          </a:lnRef>
+          <a:fillRef idx="0">
+            <a:schemeClr val="accent1"/>
+          </a:fillRef>
+          <a:effectRef idx="0">
+            <a:schemeClr val="accent1"/>
+          </a:effectRef>
+          <a:fontRef idx="minor">
+            <a:schemeClr val="tx1"/>
+          </a:fontRef>
+        </p:style>
+      </p:cxnSp>
+      <p:sp>
+        <p:nvSpPr>
+          <p:cNvPr id="214" name="Rectángulo 213" descr="Nodo de séptimo nivel" title="Nodo07"/>
+          <p:cNvSpPr/>
+          <p:nvPr/>
+        </p:nvSpPr>
+        <p:spPr>
+          <a:xfrm>
+            <a:off x="3167320" y="6458904"/>
+            <a:ext cx="583678" cy="353519"/>
+          </a:xfrm>
+          <a:prstGeom prst="rect">
+            <a:avLst/>
+          </a:prstGeom>
+          <a:noFill/>
+          <a:ln>
+            <a:solidFill>
+              <a:schemeClr val="tx1"/>
+            </a:solidFill>
+          </a:ln>
+        </p:spPr>
+        <p:style>
+          <a:lnRef idx="2">
+            <a:schemeClr val="accent6"/>
+          </a:lnRef>
+          <a:fillRef idx="1">
+            <a:schemeClr val="lt1"/>
+          </a:fillRef>
+          <a:effectRef idx="0">
+            <a:schemeClr val="accent6"/>
+          </a:effectRef>
+          <a:fontRef idx="minor">
+            <a:schemeClr val="dk1"/>
+          </a:fontRef>
+        </p:style>
+        <p:txBody>
+          <a:bodyPr rtlCol="0" anchor="ctr"/>
+          <a:lstStyle/>
+          <a:p>
+            <a:pPr algn="ctr"/>
+            <a:endParaRPr lang="es-ES" sz="900" dirty="0">
+              <a:solidFill>
+                <a:schemeClr val="tx1"/>
+              </a:solidFill>
+              <a:latin typeface="Arial" panose="020B0604020202020204" pitchFamily="34" charset="0"/>
+              <a:cs typeface="Arial" panose="020B0604020202020204" pitchFamily="34" charset="0"/>
+            </a:endParaRPr>
+          </a:p>
+        </p:txBody>
+      </p:sp>
+      <p:cxnSp>
+        <p:nvCxnSpPr>
+          <p:cNvPr id="215" name="Conector angular 214"/>
+          <p:cNvCxnSpPr>
+            <a:stCxn id="206" idx="2"/>
+            <a:endCxn id="214" idx="0"/>
+          </p:cNvCxnSpPr>
+          <p:nvPr/>
+        </p:nvCxnSpPr>
+        <p:spPr>
+          <a:xfrm rot="5400000">
+            <a:off x="3409276" y="6408311"/>
+            <a:ext cx="100477" cy="709"/>
+          </a:xfrm>
+          <a:prstGeom prst="bentConnector3">
+            <a:avLst>
+              <a:gd name="adj1" fmla="val 50000"/>
+            </a:avLst>
+          </a:prstGeom>
+          <a:ln w="12700">
+            <a:solidFill>
+              <a:schemeClr val="tx1"/>
+            </a:solidFill>
+          </a:ln>
+        </p:spPr>
+        <p:style>
+          <a:lnRef idx="1">
+            <a:schemeClr val="accent1"/>
+          </a:lnRef>
+          <a:fillRef idx="0">
+            <a:schemeClr val="accent1"/>
+          </a:fillRef>
+          <a:effectRef idx="0">
+            <a:schemeClr val="accent1"/>
+          </a:effectRef>
+          <a:fontRef idx="minor">
+            <a:schemeClr val="tx1"/>
+          </a:fontRef>
+        </p:style>
+      </p:cxnSp>
+      <p:cxnSp>
+        <p:nvCxnSpPr>
+          <p:cNvPr id="276" name="Conector angular 275"/>
+          <p:cNvCxnSpPr>
+            <a:stCxn id="366" idx="2"/>
+            <a:endCxn id="278" idx="0"/>
+          </p:cNvCxnSpPr>
+          <p:nvPr/>
+        </p:nvCxnSpPr>
+        <p:spPr>
+          <a:xfrm rot="5400000">
+            <a:off x="3879344" y="3980506"/>
+            <a:ext cx="316824" cy="397971"/>
+          </a:xfrm>
+          <a:prstGeom prst="bentConnector3">
+            <a:avLst>
+              <a:gd name="adj1" fmla="val 50000"/>
+            </a:avLst>
+          </a:prstGeom>
+          <a:ln w="12700">
+            <a:solidFill>
+              <a:schemeClr val="tx1"/>
+            </a:solidFill>
+          </a:ln>
+        </p:spPr>
+        <p:style>
+          <a:lnRef idx="1">
+            <a:schemeClr val="accent1"/>
+          </a:lnRef>
+          <a:fillRef idx="0">
+            <a:schemeClr val="accent1"/>
+          </a:fillRef>
+          <a:effectRef idx="0">
+            <a:schemeClr val="accent1"/>
+          </a:effectRef>
+          <a:fontRef idx="minor">
+            <a:schemeClr val="tx1"/>
+          </a:fontRef>
+        </p:style>
+      </p:cxnSp>
+      <p:sp>
+        <p:nvSpPr>
+          <p:cNvPr id="278" name="CuadroTexto 277" descr="Conector entre nodos" title="conector"/>
+          <p:cNvSpPr txBox="1"/>
+          <p:nvPr/>
+        </p:nvSpPr>
+        <p:spPr>
+          <a:xfrm>
+            <a:off x="3467413" y="4337903"/>
+            <a:ext cx="742714" cy="230832"/>
+          </a:xfrm>
+          <a:prstGeom prst="rect">
+            <a:avLst/>
+          </a:prstGeom>
+          <a:noFill/>
+        </p:spPr>
+        <p:txBody>
+          <a:bodyPr wrap="square" rtlCol="0">
+            <a:spAutoFit/>
+          </a:bodyPr>
+          <a:lstStyle/>
+          <a:p>
+            <a:pPr algn="ctr"/>
+            <a:r>
+              <a:rPr lang="es-ES" sz="850" dirty="0" smtClean="0">
+                <a:latin typeface="Arial" panose="020B0604020202020204" pitchFamily="34" charset="0"/>
+                <a:cs typeface="Arial" panose="020B0604020202020204" pitchFamily="34" charset="0"/>
+              </a:rPr>
+              <a:t>elementos</a:t>
+            </a:r>
+            <a:endParaRPr lang="es-ES" sz="850" dirty="0">
+              <a:latin typeface="Arial" panose="020B0604020202020204" pitchFamily="34" charset="0"/>
+              <a:cs typeface="Arial" panose="020B0604020202020204" pitchFamily="34" charset="0"/>
+            </a:endParaRPr>
+          </a:p>
+        </p:txBody>
+      </p:sp>
+      <p:sp>
+        <p:nvSpPr>
+          <p:cNvPr id="279" name="Rectángulo 278" descr="Nodo de séptimo nivel" title="Nodo07"/>
+          <p:cNvSpPr/>
+          <p:nvPr/>
+        </p:nvSpPr>
+        <p:spPr>
+          <a:xfrm>
+            <a:off x="3345143" y="4721000"/>
+            <a:ext cx="987410" cy="593713"/>
+          </a:xfrm>
+          <a:prstGeom prst="rect">
+            <a:avLst/>
+          </a:prstGeom>
+          <a:solidFill>
+            <a:schemeClr val="bg1"/>
+          </a:solidFill>
+          <a:ln>
+            <a:solidFill>
+              <a:schemeClr val="tx1"/>
+            </a:solidFill>
+          </a:ln>
+        </p:spPr>
+        <p:style>
+          <a:lnRef idx="2">
+            <a:schemeClr val="accent6"/>
+          </a:lnRef>
+          <a:fillRef idx="1">
+            <a:schemeClr val="lt1"/>
+          </a:fillRef>
+          <a:effectRef idx="0">
+            <a:schemeClr val="accent6"/>
+          </a:effectRef>
+          <a:fontRef idx="minor">
+            <a:schemeClr val="dk1"/>
+          </a:fontRef>
+        </p:style>
+        <p:txBody>
+          <a:bodyPr rtlCol="0" anchor="ctr"/>
+          <a:lstStyle/>
+          <a:p>
+            <a:r>
+              <a:rPr lang="es-CO" sz="850" dirty="0">
+                <a:solidFill>
+                  <a:schemeClr val="tx1"/>
+                </a:solidFill>
+                <a:latin typeface="Arial" panose="020B0604020202020204" pitchFamily="34" charset="0"/>
+                <a:cs typeface="Arial" panose="020B0604020202020204" pitchFamily="34" charset="0"/>
+              </a:rPr>
+              <a:t>· una base</a:t>
+            </a:r>
+          </a:p>
+          <a:p>
+            <a:r>
+              <a:rPr lang="es-CO" sz="850" dirty="0">
+                <a:solidFill>
+                  <a:schemeClr val="tx1"/>
+                </a:solidFill>
+                <a:latin typeface="Arial" panose="020B0604020202020204" pitchFamily="34" charset="0"/>
+                <a:cs typeface="Arial" panose="020B0604020202020204" pitchFamily="34" charset="0"/>
+              </a:rPr>
+              <a:t>poligonal</a:t>
+            </a:r>
+          </a:p>
+          <a:p>
+            <a:r>
+              <a:rPr lang="es-CO" sz="850" dirty="0">
+                <a:solidFill>
+                  <a:schemeClr val="tx1"/>
+                </a:solidFill>
+                <a:latin typeface="Arial" panose="020B0604020202020204" pitchFamily="34" charset="0"/>
+                <a:cs typeface="Arial" panose="020B0604020202020204" pitchFamily="34" charset="0"/>
+              </a:rPr>
+              <a:t>· caras laterales</a:t>
+            </a:r>
+          </a:p>
+          <a:p>
+            <a:r>
+              <a:rPr lang="es-CO" sz="850" dirty="0">
+                <a:solidFill>
+                  <a:schemeClr val="tx1"/>
+                </a:solidFill>
+                <a:latin typeface="Arial" panose="020B0604020202020204" pitchFamily="34" charset="0"/>
+                <a:cs typeface="Arial" panose="020B0604020202020204" pitchFamily="34" charset="0"/>
+              </a:rPr>
+              <a:t>(triángulos)</a:t>
+            </a:r>
+            <a:endParaRPr lang="es-ES" sz="850" dirty="0">
+              <a:solidFill>
+                <a:schemeClr val="tx1"/>
+              </a:solidFill>
+              <a:latin typeface="Arial" panose="020B0604020202020204" pitchFamily="34" charset="0"/>
+              <a:cs typeface="Arial" panose="020B0604020202020204" pitchFamily="34" charset="0"/>
+            </a:endParaRPr>
+          </a:p>
+        </p:txBody>
+      </p:sp>
+      <p:sp>
+        <p:nvSpPr>
+          <p:cNvPr id="294" name="CuadroTexto 293" descr="Conector entre nodos" title="conector"/>
+          <p:cNvSpPr txBox="1"/>
+          <p:nvPr/>
+        </p:nvSpPr>
+        <p:spPr>
+          <a:xfrm>
+            <a:off x="4355848" y="4340151"/>
+            <a:ext cx="742714" cy="230832"/>
+          </a:xfrm>
+          <a:prstGeom prst="rect">
+            <a:avLst/>
+          </a:prstGeom>
+          <a:noFill/>
+        </p:spPr>
+        <p:txBody>
+          <a:bodyPr wrap="square" rtlCol="0">
+            <a:spAutoFit/>
+          </a:bodyPr>
+          <a:lstStyle/>
+          <a:p>
+            <a:pPr algn="ctr"/>
+            <a:r>
+              <a:rPr lang="es-ES" sz="850" dirty="0" smtClean="0">
+                <a:latin typeface="Arial" panose="020B0604020202020204" pitchFamily="34" charset="0"/>
+                <a:cs typeface="Arial" panose="020B0604020202020204" pitchFamily="34" charset="0"/>
+              </a:rPr>
+              <a:t>cálculos</a:t>
+            </a:r>
+            <a:endParaRPr lang="es-ES" sz="850" dirty="0">
+              <a:latin typeface="Arial" panose="020B0604020202020204" pitchFamily="34" charset="0"/>
+              <a:cs typeface="Arial" panose="020B0604020202020204" pitchFamily="34" charset="0"/>
+            </a:endParaRPr>
+          </a:p>
+        </p:txBody>
+      </p:sp>
+      <p:cxnSp>
+        <p:nvCxnSpPr>
+          <p:cNvPr id="295" name="Conector angular 294"/>
+          <p:cNvCxnSpPr>
+            <a:stCxn id="294" idx="2"/>
+          </p:cNvCxnSpPr>
+          <p:nvPr/>
+        </p:nvCxnSpPr>
+        <p:spPr>
+          <a:xfrm rot="5400000">
+            <a:off x="4079840" y="5218270"/>
+            <a:ext cx="1294653" cy="79"/>
+          </a:xfrm>
+          <a:prstGeom prst="bentConnector3">
+            <a:avLst>
+              <a:gd name="adj1" fmla="val 50000"/>
+            </a:avLst>
+          </a:prstGeom>
+          <a:ln w="12700">
+            <a:solidFill>
+              <a:schemeClr val="tx1"/>
+            </a:solidFill>
+          </a:ln>
+        </p:spPr>
+        <p:style>
+          <a:lnRef idx="1">
+            <a:schemeClr val="accent1"/>
+          </a:lnRef>
+          <a:fillRef idx="0">
+            <a:schemeClr val="accent1"/>
+          </a:fillRef>
+          <a:effectRef idx="0">
+            <a:schemeClr val="accent1"/>
+          </a:effectRef>
+          <a:fontRef idx="minor">
+            <a:schemeClr val="tx1"/>
+          </a:fontRef>
+        </p:style>
+      </p:cxnSp>
+      <p:sp>
+        <p:nvSpPr>
+          <p:cNvPr id="296" name="CuadroTexto 295" descr="Conector entre nodos" title="conector"/>
+          <p:cNvSpPr txBox="1"/>
+          <p:nvPr/>
+        </p:nvSpPr>
+        <p:spPr>
+          <a:xfrm>
+            <a:off x="3918023" y="6096467"/>
+            <a:ext cx="742714" cy="230832"/>
+          </a:xfrm>
+          <a:prstGeom prst="rect">
+            <a:avLst/>
+          </a:prstGeom>
+          <a:noFill/>
+        </p:spPr>
+        <p:txBody>
+          <a:bodyPr wrap="square" rtlCol="0">
+            <a:spAutoFit/>
+          </a:bodyPr>
+          <a:lstStyle/>
+          <a:p>
+            <a:pPr algn="ctr"/>
+            <a:r>
+              <a:rPr lang="es-ES" sz="850" dirty="0" smtClean="0">
+                <a:latin typeface="Arial" panose="020B0604020202020204" pitchFamily="34" charset="0"/>
+                <a:cs typeface="Arial" panose="020B0604020202020204" pitchFamily="34" charset="0"/>
+              </a:rPr>
+              <a:t>área</a:t>
+            </a:r>
+            <a:endParaRPr lang="es-ES" sz="850" dirty="0">
+              <a:latin typeface="Arial" panose="020B0604020202020204" pitchFamily="34" charset="0"/>
+              <a:cs typeface="Arial" panose="020B0604020202020204" pitchFamily="34" charset="0"/>
+            </a:endParaRPr>
+          </a:p>
+        </p:txBody>
+      </p:sp>
+      <p:sp>
+        <p:nvSpPr>
+          <p:cNvPr id="297" name="CuadroTexto 296" descr="Conector entre nodos" title="conector"/>
+          <p:cNvSpPr txBox="1"/>
+          <p:nvPr/>
+        </p:nvSpPr>
+        <p:spPr>
+          <a:xfrm>
+            <a:off x="4781497" y="6096707"/>
+            <a:ext cx="742714" cy="230832"/>
+          </a:xfrm>
+          <a:prstGeom prst="rect">
+            <a:avLst/>
+          </a:prstGeom>
+          <a:noFill/>
+        </p:spPr>
+        <p:txBody>
+          <a:bodyPr wrap="square" rtlCol="0">
+            <a:spAutoFit/>
+          </a:bodyPr>
+          <a:lstStyle/>
+          <a:p>
+            <a:pPr algn="ctr"/>
+            <a:r>
+              <a:rPr lang="es-ES" sz="850" dirty="0" smtClean="0">
+                <a:latin typeface="Arial" panose="020B0604020202020204" pitchFamily="34" charset="0"/>
+                <a:cs typeface="Arial" panose="020B0604020202020204" pitchFamily="34" charset="0"/>
+              </a:rPr>
+              <a:t>volumen</a:t>
+            </a:r>
+            <a:endParaRPr lang="es-ES" sz="850" dirty="0">
+              <a:latin typeface="Arial" panose="020B0604020202020204" pitchFamily="34" charset="0"/>
+              <a:cs typeface="Arial" panose="020B0604020202020204" pitchFamily="34" charset="0"/>
+            </a:endParaRPr>
+          </a:p>
+        </p:txBody>
+      </p:sp>
+      <p:sp>
+        <p:nvSpPr>
+          <p:cNvPr id="299" name="Rectángulo 298" descr="Nodo de séptimo nivel" title="Nodo07"/>
+          <p:cNvSpPr/>
+          <p:nvPr/>
+        </p:nvSpPr>
+        <p:spPr>
+          <a:xfrm>
+            <a:off x="3803072" y="6459429"/>
+            <a:ext cx="971637" cy="353519"/>
+          </a:xfrm>
+          <a:prstGeom prst="rect">
+            <a:avLst/>
+          </a:prstGeom>
+          <a:noFill/>
+          <a:ln>
+            <a:solidFill>
+              <a:schemeClr val="tx1"/>
+            </a:solidFill>
+          </a:ln>
+        </p:spPr>
+        <p:style>
+          <a:lnRef idx="2">
+            <a:schemeClr val="accent6"/>
+          </a:lnRef>
+          <a:fillRef idx="1">
+            <a:schemeClr val="lt1"/>
+          </a:fillRef>
+          <a:effectRef idx="0">
+            <a:schemeClr val="accent6"/>
+          </a:effectRef>
+          <a:fontRef idx="minor">
+            <a:schemeClr val="dk1"/>
+          </a:fontRef>
+        </p:style>
+        <p:txBody>
+          <a:bodyPr rtlCol="0" anchor="ctr"/>
+          <a:lstStyle/>
+          <a:p>
+            <a:pPr algn="ctr"/>
+            <a:endParaRPr lang="es-ES" sz="900" dirty="0">
+              <a:solidFill>
+                <a:schemeClr val="tx1"/>
+              </a:solidFill>
+              <a:latin typeface="Arial" panose="020B0604020202020204" pitchFamily="34" charset="0"/>
+              <a:cs typeface="Arial" panose="020B0604020202020204" pitchFamily="34" charset="0"/>
+            </a:endParaRPr>
+          </a:p>
+        </p:txBody>
+      </p:sp>
+      <p:sp>
+        <p:nvSpPr>
+          <p:cNvPr id="303" name="Rectángulo 302" descr="Nodo de séptimo nivel" title="Nodo07"/>
+          <p:cNvSpPr/>
+          <p:nvPr/>
+        </p:nvSpPr>
+        <p:spPr>
+          <a:xfrm>
+            <a:off x="4825899" y="6458814"/>
+            <a:ext cx="655186" cy="353519"/>
+          </a:xfrm>
+          <a:prstGeom prst="rect">
+            <a:avLst/>
+          </a:prstGeom>
+          <a:noFill/>
+          <a:ln>
+            <a:solidFill>
+              <a:schemeClr val="tx1"/>
+            </a:solidFill>
+          </a:ln>
+        </p:spPr>
+        <p:style>
+          <a:lnRef idx="2">
+            <a:schemeClr val="accent6"/>
+          </a:lnRef>
+          <a:fillRef idx="1">
+            <a:schemeClr val="lt1"/>
+          </a:fillRef>
+          <a:effectRef idx="0">
+            <a:schemeClr val="accent6"/>
+          </a:effectRef>
+          <a:fontRef idx="minor">
+            <a:schemeClr val="dk1"/>
+          </a:fontRef>
+        </p:style>
+        <p:txBody>
+          <a:bodyPr rtlCol="0" anchor="ctr"/>
+          <a:lstStyle/>
+          <a:p>
+            <a:pPr algn="ctr"/>
+            <a:endParaRPr lang="es-ES" sz="900" dirty="0">
+              <a:solidFill>
+                <a:schemeClr val="tx1"/>
+              </a:solidFill>
+              <a:latin typeface="Arial" panose="020B0604020202020204" pitchFamily="34" charset="0"/>
+              <a:cs typeface="Arial" panose="020B0604020202020204" pitchFamily="34" charset="0"/>
+            </a:endParaRPr>
+          </a:p>
+        </p:txBody>
+      </p:sp>
+      <p:cxnSp>
+        <p:nvCxnSpPr>
+          <p:cNvPr id="304" name="Conector angular 303"/>
+          <p:cNvCxnSpPr>
+            <a:stCxn id="278" idx="2"/>
+            <a:endCxn id="279" idx="0"/>
+          </p:cNvCxnSpPr>
+          <p:nvPr/>
+        </p:nvCxnSpPr>
+        <p:spPr>
+          <a:xfrm rot="16200000" flipH="1">
+            <a:off x="3762677" y="4644828"/>
+            <a:ext cx="152265" cy="78"/>
+          </a:xfrm>
+          <a:prstGeom prst="bentConnector3">
+            <a:avLst>
+              <a:gd name="adj1" fmla="val 50000"/>
+            </a:avLst>
+          </a:prstGeom>
+          <a:ln w="12700">
+            <a:solidFill>
+              <a:schemeClr val="tx1"/>
+            </a:solidFill>
+          </a:ln>
+        </p:spPr>
+        <p:style>
+          <a:lnRef idx="1">
+            <a:schemeClr val="accent1"/>
+          </a:lnRef>
+          <a:fillRef idx="0">
+            <a:schemeClr val="accent1"/>
+          </a:fillRef>
+          <a:effectRef idx="0">
+            <a:schemeClr val="accent1"/>
+          </a:effectRef>
+          <a:fontRef idx="minor">
+            <a:schemeClr val="tx1"/>
+          </a:fontRef>
+        </p:style>
+      </p:cxnSp>
+      <p:cxnSp>
+        <p:nvCxnSpPr>
+          <p:cNvPr id="305" name="Conector angular 304"/>
+          <p:cNvCxnSpPr>
+            <a:stCxn id="296" idx="2"/>
+            <a:endCxn id="299" idx="0"/>
+          </p:cNvCxnSpPr>
+          <p:nvPr/>
+        </p:nvCxnSpPr>
+        <p:spPr>
+          <a:xfrm rot="5400000">
+            <a:off x="4223071" y="6393120"/>
+            <a:ext cx="132130" cy="489"/>
+          </a:xfrm>
+          <a:prstGeom prst="bentConnector3">
+            <a:avLst>
+              <a:gd name="adj1" fmla="val 50000"/>
+            </a:avLst>
+          </a:prstGeom>
+          <a:ln w="12700">
+            <a:solidFill>
+              <a:schemeClr val="tx1"/>
+            </a:solidFill>
+          </a:ln>
+        </p:spPr>
+        <p:style>
+          <a:lnRef idx="1">
+            <a:schemeClr val="accent1"/>
+          </a:lnRef>
+          <a:fillRef idx="0">
+            <a:schemeClr val="accent1"/>
+          </a:fillRef>
+          <a:effectRef idx="0">
+            <a:schemeClr val="accent1"/>
+          </a:effectRef>
+          <a:fontRef idx="minor">
+            <a:schemeClr val="tx1"/>
+          </a:fontRef>
+        </p:style>
+      </p:cxnSp>
+      <p:cxnSp>
+        <p:nvCxnSpPr>
+          <p:cNvPr id="306" name="Conector angular 305"/>
+          <p:cNvCxnSpPr>
+            <a:stCxn id="297" idx="2"/>
+            <a:endCxn id="303" idx="0"/>
+          </p:cNvCxnSpPr>
+          <p:nvPr/>
+        </p:nvCxnSpPr>
+        <p:spPr>
+          <a:xfrm rot="16200000" flipH="1">
+            <a:off x="5087536" y="6392857"/>
+            <a:ext cx="131275" cy="638"/>
+          </a:xfrm>
+          <a:prstGeom prst="bentConnector3">
+            <a:avLst>
+              <a:gd name="adj1" fmla="val 50000"/>
+            </a:avLst>
+          </a:prstGeom>
+          <a:ln w="12700">
+            <a:solidFill>
+              <a:schemeClr val="tx1"/>
+            </a:solidFill>
+          </a:ln>
+        </p:spPr>
+        <p:style>
+          <a:lnRef idx="1">
+            <a:schemeClr val="accent1"/>
+          </a:lnRef>
+          <a:fillRef idx="0">
+            <a:schemeClr val="accent1"/>
+          </a:fillRef>
+          <a:effectRef idx="0">
+            <a:schemeClr val="accent1"/>
+          </a:effectRef>
+          <a:fontRef idx="minor">
+            <a:schemeClr val="tx1"/>
+          </a:fontRef>
+        </p:style>
+      </p:cxnSp>
+      <p:sp>
+        <p:nvSpPr>
+          <p:cNvPr id="109" name="Rectángulo 108" descr="Nodo de segundo nivel" title="Nodo02"/>
+          <p:cNvSpPr/>
+          <p:nvPr/>
+        </p:nvSpPr>
+        <p:spPr>
+          <a:xfrm>
+            <a:off x="7852529" y="1436847"/>
+            <a:ext cx="741788" cy="357473"/>
+          </a:xfrm>
+          <a:prstGeom prst="rect">
+            <a:avLst/>
+          </a:prstGeom>
+          <a:solidFill>
+            <a:schemeClr val="bg2">
+              <a:lumMod val="50000"/>
+            </a:schemeClr>
+          </a:solidFill>
+          <a:ln>
+            <a:solidFill>
+              <a:schemeClr val="tx1"/>
+            </a:solidFill>
+          </a:ln>
+        </p:spPr>
+        <p:style>
+          <a:lnRef idx="2">
+            <a:schemeClr val="accent6"/>
+          </a:lnRef>
+          <a:fillRef idx="1">
+            <a:schemeClr val="lt1"/>
+          </a:fillRef>
+          <a:effectRef idx="0">
+            <a:schemeClr val="accent6"/>
+          </a:effectRef>
+          <a:fontRef idx="minor">
+            <a:schemeClr val="dk1"/>
+          </a:fontRef>
+        </p:style>
+        <p:txBody>
+          <a:bodyPr rtlCol="0" anchor="ctr"/>
+          <a:lstStyle/>
+          <a:p>
+            <a:pPr algn="ctr"/>
+            <a:r>
+              <a:rPr lang="es-ES" sz="1000" dirty="0" smtClean="0">
+                <a:solidFill>
+                  <a:schemeClr val="bg1"/>
+                </a:solidFill>
+                <a:latin typeface="Arial" panose="020B0604020202020204" pitchFamily="34" charset="0"/>
+                <a:cs typeface="Arial" panose="020B0604020202020204" pitchFamily="34" charset="0"/>
+              </a:rPr>
+              <a:t>esfera</a:t>
+            </a:r>
+            <a:endParaRPr lang="es-ES" sz="1000" dirty="0">
+              <a:solidFill>
+                <a:schemeClr val="bg1"/>
+              </a:solidFill>
+              <a:latin typeface="Arial" panose="020B0604020202020204" pitchFamily="34" charset="0"/>
+              <a:cs typeface="Arial" panose="020B0604020202020204" pitchFamily="34" charset="0"/>
+            </a:endParaRPr>
+          </a:p>
+        </p:txBody>
+      </p:sp>
+      <p:sp>
+        <p:nvSpPr>
+          <p:cNvPr id="110" name="Rectángulo 109" descr="Nodo de segundo nivel" title="Nodo02"/>
+          <p:cNvSpPr/>
+          <p:nvPr/>
+        </p:nvSpPr>
+        <p:spPr>
+          <a:xfrm>
+            <a:off x="6947024" y="1436846"/>
+            <a:ext cx="699121" cy="357473"/>
+          </a:xfrm>
+          <a:prstGeom prst="rect">
+            <a:avLst/>
+          </a:prstGeom>
+          <a:solidFill>
+            <a:schemeClr val="bg2">
+              <a:lumMod val="50000"/>
+            </a:schemeClr>
+          </a:solidFill>
+          <a:ln>
+            <a:solidFill>
+              <a:schemeClr val="tx1"/>
+            </a:solidFill>
+          </a:ln>
+        </p:spPr>
+        <p:style>
+          <a:lnRef idx="2">
+            <a:schemeClr val="accent6"/>
+          </a:lnRef>
+          <a:fillRef idx="1">
+            <a:schemeClr val="lt1"/>
+          </a:fillRef>
+          <a:effectRef idx="0">
+            <a:schemeClr val="accent6"/>
+          </a:effectRef>
+          <a:fontRef idx="minor">
+            <a:schemeClr val="dk1"/>
+          </a:fontRef>
+        </p:style>
+        <p:txBody>
+          <a:bodyPr rtlCol="0" anchor="ctr"/>
+          <a:lstStyle/>
+          <a:p>
+            <a:pPr algn="ctr"/>
+            <a:r>
+              <a:rPr lang="es-ES" sz="1000" dirty="0" smtClean="0">
+                <a:solidFill>
+                  <a:schemeClr val="bg1"/>
+                </a:solidFill>
+                <a:latin typeface="Arial" panose="020B0604020202020204" pitchFamily="34" charset="0"/>
+                <a:cs typeface="Arial" panose="020B0604020202020204" pitchFamily="34" charset="0"/>
+              </a:rPr>
+              <a:t>cono</a:t>
+            </a:r>
+            <a:endParaRPr lang="es-ES" sz="1000" dirty="0">
+              <a:solidFill>
+                <a:schemeClr val="bg1"/>
+              </a:solidFill>
+              <a:latin typeface="Arial" panose="020B0604020202020204" pitchFamily="34" charset="0"/>
+              <a:cs typeface="Arial" panose="020B0604020202020204" pitchFamily="34" charset="0"/>
+            </a:endParaRPr>
+          </a:p>
+        </p:txBody>
+      </p:sp>
+      <p:cxnSp>
+        <p:nvCxnSpPr>
+          <p:cNvPr id="115" name="Conector angular 114"/>
+          <p:cNvCxnSpPr>
+            <a:stCxn id="280" idx="2"/>
+            <a:endCxn id="282" idx="0"/>
+          </p:cNvCxnSpPr>
+          <p:nvPr/>
+        </p:nvCxnSpPr>
+        <p:spPr>
+          <a:xfrm rot="16200000" flipH="1">
+            <a:off x="3506137" y="1834458"/>
+            <a:ext cx="56799" cy="751"/>
+          </a:xfrm>
+          <a:prstGeom prst="bentConnector3">
+            <a:avLst>
+              <a:gd name="adj1" fmla="val 50000"/>
+            </a:avLst>
+          </a:prstGeom>
+          <a:ln w="12700">
+            <a:solidFill>
+              <a:schemeClr val="tx1"/>
+            </a:solidFill>
+          </a:ln>
+        </p:spPr>
+        <p:style>
+          <a:lnRef idx="1">
+            <a:schemeClr val="accent1"/>
+          </a:lnRef>
+          <a:fillRef idx="0">
+            <a:schemeClr val="accent1"/>
+          </a:fillRef>
+          <a:effectRef idx="0">
+            <a:schemeClr val="accent1"/>
+          </a:effectRef>
+          <a:fontRef idx="minor">
+            <a:schemeClr val="tx1"/>
+          </a:fontRef>
+        </p:style>
+      </p:cxnSp>
+      <p:cxnSp>
+        <p:nvCxnSpPr>
+          <p:cNvPr id="116" name="Conector angular 115"/>
+          <p:cNvCxnSpPr>
+            <a:stCxn id="222" idx="2"/>
+            <a:endCxn id="256" idx="0"/>
+          </p:cNvCxnSpPr>
+          <p:nvPr/>
+        </p:nvCxnSpPr>
+        <p:spPr>
+          <a:xfrm rot="5400000">
+            <a:off x="932959" y="2136049"/>
+            <a:ext cx="94800" cy="2878"/>
+          </a:xfrm>
+          <a:prstGeom prst="bentConnector3">
+            <a:avLst>
+              <a:gd name="adj1" fmla="val 50000"/>
+            </a:avLst>
+          </a:prstGeom>
+          <a:ln w="12700">
+            <a:solidFill>
+              <a:schemeClr val="tx1"/>
+            </a:solidFill>
+          </a:ln>
+        </p:spPr>
+        <p:style>
+          <a:lnRef idx="1">
+            <a:schemeClr val="accent1"/>
+          </a:lnRef>
+          <a:fillRef idx="0">
+            <a:schemeClr val="accent1"/>
+          </a:fillRef>
+          <a:effectRef idx="0">
+            <a:schemeClr val="accent1"/>
+          </a:effectRef>
+          <a:fontRef idx="minor">
+            <a:schemeClr val="tx1"/>
+          </a:fontRef>
+        </p:style>
+      </p:cxnSp>
+      <p:cxnSp>
+        <p:nvCxnSpPr>
+          <p:cNvPr id="119" name="Conector angular 118"/>
+          <p:cNvCxnSpPr>
+            <a:stCxn id="339" idx="2"/>
+            <a:endCxn id="121" idx="0"/>
+          </p:cNvCxnSpPr>
+          <p:nvPr/>
+        </p:nvCxnSpPr>
+        <p:spPr>
+          <a:xfrm rot="16200000" flipH="1">
+            <a:off x="6452525" y="1771957"/>
+            <a:ext cx="286132" cy="330855"/>
+          </a:xfrm>
+          <a:prstGeom prst="bentConnector3">
+            <a:avLst>
+              <a:gd name="adj1" fmla="val 50000"/>
+            </a:avLst>
+          </a:prstGeom>
+          <a:ln w="12700">
+            <a:solidFill>
+              <a:schemeClr val="tx1"/>
+            </a:solidFill>
+          </a:ln>
+        </p:spPr>
+        <p:style>
+          <a:lnRef idx="1">
+            <a:schemeClr val="accent1"/>
+          </a:lnRef>
+          <a:fillRef idx="0">
+            <a:schemeClr val="accent1"/>
+          </a:fillRef>
+          <a:effectRef idx="0">
+            <a:schemeClr val="accent1"/>
+          </a:effectRef>
+          <a:fontRef idx="minor">
+            <a:schemeClr val="tx1"/>
+          </a:fontRef>
+        </p:style>
+      </p:cxnSp>
+      <p:sp>
+        <p:nvSpPr>
+          <p:cNvPr id="120" name="CuadroTexto 119" descr="Conector entre nodos" title="conector"/>
+          <p:cNvSpPr txBox="1"/>
+          <p:nvPr/>
+        </p:nvSpPr>
+        <p:spPr>
+          <a:xfrm>
+            <a:off x="5545787" y="2081115"/>
+            <a:ext cx="1120084" cy="230832"/>
+          </a:xfrm>
+          <a:prstGeom prst="rect">
+            <a:avLst/>
+          </a:prstGeom>
+          <a:noFill/>
+        </p:spPr>
+        <p:txBody>
+          <a:bodyPr wrap="square" rtlCol="0">
+            <a:spAutoFit/>
+          </a:bodyPr>
+          <a:lstStyle/>
+          <a:p>
+            <a:pPr algn="ctr"/>
+            <a:r>
+              <a:rPr lang="es-ES" sz="850" dirty="0" smtClean="0">
+                <a:latin typeface="Arial" panose="020B0604020202020204" pitchFamily="34" charset="0"/>
+                <a:cs typeface="Arial" panose="020B0604020202020204" pitchFamily="34" charset="0"/>
+              </a:rPr>
+              <a:t>cálculos</a:t>
+            </a:r>
+            <a:endParaRPr lang="es-ES" sz="850" dirty="0">
+              <a:latin typeface="Arial" panose="020B0604020202020204" pitchFamily="34" charset="0"/>
+              <a:cs typeface="Arial" panose="020B0604020202020204" pitchFamily="34" charset="0"/>
+            </a:endParaRPr>
+          </a:p>
+        </p:txBody>
+      </p:sp>
+      <p:sp>
+        <p:nvSpPr>
+          <p:cNvPr id="121" name="CuadroTexto 120" descr="Conector entre nodos" title="conector"/>
+          <p:cNvSpPr txBox="1"/>
+          <p:nvPr/>
+        </p:nvSpPr>
+        <p:spPr>
+          <a:xfrm>
+            <a:off x="6200977" y="2080451"/>
+            <a:ext cx="1120084" cy="230832"/>
+          </a:xfrm>
+          <a:prstGeom prst="rect">
+            <a:avLst/>
+          </a:prstGeom>
+          <a:noFill/>
+        </p:spPr>
+        <p:txBody>
+          <a:bodyPr wrap="square" rtlCol="0">
+            <a:spAutoFit/>
+          </a:bodyPr>
+          <a:lstStyle/>
+          <a:p>
+            <a:pPr algn="ctr"/>
+            <a:r>
+              <a:rPr lang="es-ES" sz="850" dirty="0" smtClean="0">
+                <a:latin typeface="Arial" panose="020B0604020202020204" pitchFamily="34" charset="0"/>
+                <a:cs typeface="Arial" panose="020B0604020202020204" pitchFamily="34" charset="0"/>
+              </a:rPr>
+              <a:t>elementos</a:t>
+            </a:r>
+            <a:endParaRPr lang="es-ES" sz="850" dirty="0">
+              <a:latin typeface="Arial" panose="020B0604020202020204" pitchFamily="34" charset="0"/>
+              <a:cs typeface="Arial" panose="020B0604020202020204" pitchFamily="34" charset="0"/>
+            </a:endParaRPr>
+          </a:p>
+        </p:txBody>
+      </p:sp>
+      <p:sp>
+        <p:nvSpPr>
+          <p:cNvPr id="124" name="Rectángulo 123" descr="Nodo de cuarto nivel&#10;" title="Nodo04"/>
+          <p:cNvSpPr/>
+          <p:nvPr/>
+        </p:nvSpPr>
+        <p:spPr>
+          <a:xfrm>
+            <a:off x="6372985" y="2426666"/>
+            <a:ext cx="777116" cy="900466"/>
+          </a:xfrm>
+          <a:prstGeom prst="rect">
+            <a:avLst/>
+          </a:prstGeom>
+          <a:solidFill>
+            <a:schemeClr val="bg2">
+              <a:lumMod val="90000"/>
+            </a:schemeClr>
+          </a:solidFill>
+          <a:ln>
+            <a:solidFill>
+              <a:schemeClr val="tx1"/>
+            </a:solidFill>
+          </a:ln>
+        </p:spPr>
+        <p:style>
+          <a:lnRef idx="2">
+            <a:schemeClr val="accent6"/>
+          </a:lnRef>
+          <a:fillRef idx="1">
+            <a:schemeClr val="lt1"/>
+          </a:fillRef>
+          <a:effectRef idx="0">
+            <a:schemeClr val="accent6"/>
+          </a:effectRef>
+          <a:fontRef idx="minor">
+            <a:schemeClr val="dk1"/>
+          </a:fontRef>
+        </p:style>
+        <p:txBody>
+          <a:bodyPr rtlCol="0" anchor="ctr"/>
+          <a:lstStyle/>
+          <a:p>
+            <a:r>
+              <a:rPr lang="pt-BR" sz="850" dirty="0">
+                <a:solidFill>
+                  <a:schemeClr val="tx1"/>
+                </a:solidFill>
+                <a:latin typeface="Arial" panose="020B0604020202020204" pitchFamily="34" charset="0"/>
+                <a:cs typeface="Arial" panose="020B0604020202020204" pitchFamily="34" charset="0"/>
+              </a:rPr>
+              <a:t>· dos bases</a:t>
+            </a:r>
+          </a:p>
+          <a:p>
+            <a:r>
+              <a:rPr lang="pt-BR" sz="850" dirty="0">
+                <a:solidFill>
+                  <a:schemeClr val="tx1"/>
+                </a:solidFill>
+                <a:latin typeface="Arial" panose="020B0604020202020204" pitchFamily="34" charset="0"/>
+                <a:cs typeface="Arial" panose="020B0604020202020204" pitchFamily="34" charset="0"/>
+              </a:rPr>
+              <a:t>circulares</a:t>
+            </a:r>
+          </a:p>
+          <a:p>
+            <a:r>
+              <a:rPr lang="pt-BR" sz="850" dirty="0">
+                <a:solidFill>
+                  <a:schemeClr val="tx1"/>
+                </a:solidFill>
+                <a:latin typeface="Arial" panose="020B0604020202020204" pitchFamily="34" charset="0"/>
+                <a:cs typeface="Arial" panose="020B0604020202020204" pitchFamily="34" charset="0"/>
+              </a:rPr>
+              <a:t>paralelas</a:t>
+            </a:r>
+          </a:p>
+          <a:p>
+            <a:r>
+              <a:rPr lang="pt-BR" sz="850" dirty="0">
+                <a:solidFill>
+                  <a:schemeClr val="tx1"/>
+                </a:solidFill>
+                <a:latin typeface="Arial" panose="020B0604020202020204" pitchFamily="34" charset="0"/>
+                <a:cs typeface="Arial" panose="020B0604020202020204" pitchFamily="34" charset="0"/>
+              </a:rPr>
+              <a:t>· altura</a:t>
+            </a:r>
+          </a:p>
+          <a:p>
+            <a:r>
+              <a:rPr lang="pt-BR" sz="850" dirty="0">
+                <a:solidFill>
+                  <a:schemeClr val="tx1"/>
+                </a:solidFill>
+                <a:latin typeface="Arial" panose="020B0604020202020204" pitchFamily="34" charset="0"/>
+                <a:cs typeface="Arial" panose="020B0604020202020204" pitchFamily="34" charset="0"/>
+              </a:rPr>
+              <a:t>· generatriz</a:t>
+            </a:r>
+          </a:p>
+          <a:p>
+            <a:r>
+              <a:rPr lang="pt-BR" sz="850" dirty="0">
+                <a:solidFill>
+                  <a:schemeClr val="tx1"/>
+                </a:solidFill>
+                <a:latin typeface="Arial" panose="020B0604020202020204" pitchFamily="34" charset="0"/>
+                <a:cs typeface="Arial" panose="020B0604020202020204" pitchFamily="34" charset="0"/>
+              </a:rPr>
+              <a:t>· </a:t>
+            </a:r>
+            <a:r>
+              <a:rPr lang="pt-BR" sz="850" dirty="0" smtClean="0">
+                <a:solidFill>
+                  <a:schemeClr val="tx1"/>
+                </a:solidFill>
+                <a:latin typeface="Arial" panose="020B0604020202020204" pitchFamily="34" charset="0"/>
+                <a:cs typeface="Arial" panose="020B0604020202020204" pitchFamily="34" charset="0"/>
+              </a:rPr>
+              <a:t>superfície </a:t>
+            </a:r>
+            <a:r>
+              <a:rPr lang="pt-BR" sz="850" dirty="0">
+                <a:solidFill>
+                  <a:schemeClr val="tx1"/>
+                </a:solidFill>
+                <a:latin typeface="Arial" panose="020B0604020202020204" pitchFamily="34" charset="0"/>
+                <a:cs typeface="Arial" panose="020B0604020202020204" pitchFamily="34" charset="0"/>
+              </a:rPr>
+              <a:t>lateral</a:t>
+            </a:r>
+            <a:endParaRPr lang="es-ES" sz="850" dirty="0">
+              <a:solidFill>
+                <a:schemeClr val="tx1"/>
+              </a:solidFill>
+              <a:latin typeface="Arial" panose="020B0604020202020204" pitchFamily="34" charset="0"/>
+              <a:cs typeface="Arial" panose="020B0604020202020204" pitchFamily="34" charset="0"/>
+            </a:endParaRPr>
+          </a:p>
+        </p:txBody>
+      </p:sp>
+      <p:sp>
+        <p:nvSpPr>
+          <p:cNvPr id="125" name="CuadroTexto 124" descr="Conector entre nodos" title="conector"/>
+          <p:cNvSpPr txBox="1"/>
+          <p:nvPr/>
+        </p:nvSpPr>
+        <p:spPr>
+          <a:xfrm>
+            <a:off x="5353122" y="4298543"/>
+            <a:ext cx="742714" cy="230832"/>
+          </a:xfrm>
+          <a:prstGeom prst="rect">
+            <a:avLst/>
+          </a:prstGeom>
+          <a:noFill/>
+        </p:spPr>
+        <p:txBody>
+          <a:bodyPr wrap="square" rtlCol="0">
+            <a:spAutoFit/>
+          </a:bodyPr>
+          <a:lstStyle/>
+          <a:p>
+            <a:pPr algn="ctr"/>
+            <a:r>
+              <a:rPr lang="es-ES" sz="850" dirty="0" smtClean="0">
+                <a:latin typeface="Arial" panose="020B0604020202020204" pitchFamily="34" charset="0"/>
+                <a:cs typeface="Arial" panose="020B0604020202020204" pitchFamily="34" charset="0"/>
+              </a:rPr>
+              <a:t>área</a:t>
+            </a:r>
+            <a:endParaRPr lang="es-ES" sz="850" dirty="0">
+              <a:latin typeface="Arial" panose="020B0604020202020204" pitchFamily="34" charset="0"/>
+              <a:cs typeface="Arial" panose="020B0604020202020204" pitchFamily="34" charset="0"/>
+            </a:endParaRPr>
+          </a:p>
+        </p:txBody>
+      </p:sp>
+      <p:sp>
+        <p:nvSpPr>
+          <p:cNvPr id="130" name="CuadroTexto 129" descr="Conector entre nodos" title="conector"/>
+          <p:cNvSpPr txBox="1"/>
+          <p:nvPr/>
+        </p:nvSpPr>
+        <p:spPr>
+          <a:xfrm>
+            <a:off x="6192196" y="4283456"/>
+            <a:ext cx="742714" cy="230832"/>
+          </a:xfrm>
+          <a:prstGeom prst="rect">
+            <a:avLst/>
+          </a:prstGeom>
+          <a:noFill/>
+        </p:spPr>
+        <p:txBody>
+          <a:bodyPr wrap="square" rtlCol="0">
+            <a:spAutoFit/>
+          </a:bodyPr>
+          <a:lstStyle/>
+          <a:p>
+            <a:pPr algn="ctr"/>
+            <a:r>
+              <a:rPr lang="es-ES" sz="850" dirty="0" smtClean="0">
+                <a:latin typeface="Arial" panose="020B0604020202020204" pitchFamily="34" charset="0"/>
+                <a:cs typeface="Arial" panose="020B0604020202020204" pitchFamily="34" charset="0"/>
+              </a:rPr>
+              <a:t>volumen</a:t>
+            </a:r>
+            <a:endParaRPr lang="es-ES" sz="850" dirty="0">
+              <a:latin typeface="Arial" panose="020B0604020202020204" pitchFamily="34" charset="0"/>
+              <a:cs typeface="Arial" panose="020B0604020202020204" pitchFamily="34" charset="0"/>
+            </a:endParaRPr>
+          </a:p>
+        </p:txBody>
+      </p:sp>
+      <p:cxnSp>
+        <p:nvCxnSpPr>
+          <p:cNvPr id="134" name="Conector angular 133"/>
+          <p:cNvCxnSpPr>
+            <a:stCxn id="125" idx="2"/>
+            <a:endCxn id="145" idx="0"/>
+          </p:cNvCxnSpPr>
+          <p:nvPr/>
+        </p:nvCxnSpPr>
+        <p:spPr>
+          <a:xfrm rot="16200000" flipH="1">
+            <a:off x="5612070" y="4641783"/>
+            <a:ext cx="225195" cy="377"/>
+          </a:xfrm>
+          <a:prstGeom prst="bentConnector3">
+            <a:avLst>
+              <a:gd name="adj1" fmla="val 50000"/>
+            </a:avLst>
+          </a:prstGeom>
+          <a:ln w="12700">
+            <a:solidFill>
+              <a:schemeClr val="tx1"/>
+            </a:solidFill>
+          </a:ln>
+        </p:spPr>
+        <p:style>
+          <a:lnRef idx="1">
+            <a:schemeClr val="accent1"/>
+          </a:lnRef>
+          <a:fillRef idx="0">
+            <a:schemeClr val="accent1"/>
+          </a:fillRef>
+          <a:effectRef idx="0">
+            <a:schemeClr val="accent1"/>
+          </a:effectRef>
+          <a:fontRef idx="minor">
+            <a:schemeClr val="tx1"/>
+          </a:fontRef>
+        </p:style>
+      </p:cxnSp>
+      <p:cxnSp>
+        <p:nvCxnSpPr>
+          <p:cNvPr id="144" name="Conector angular 143"/>
+          <p:cNvCxnSpPr>
+            <a:stCxn id="130" idx="2"/>
+            <a:endCxn id="146" idx="0"/>
+          </p:cNvCxnSpPr>
+          <p:nvPr/>
+        </p:nvCxnSpPr>
+        <p:spPr>
+          <a:xfrm rot="5400000">
+            <a:off x="6443841" y="4633320"/>
+            <a:ext cx="238745" cy="680"/>
+          </a:xfrm>
+          <a:prstGeom prst="bentConnector3">
+            <a:avLst>
+              <a:gd name="adj1" fmla="val 50000"/>
+            </a:avLst>
+          </a:prstGeom>
+          <a:ln w="12700">
+            <a:solidFill>
+              <a:schemeClr val="tx1"/>
+            </a:solidFill>
+          </a:ln>
+        </p:spPr>
+        <p:style>
+          <a:lnRef idx="1">
+            <a:schemeClr val="accent1"/>
+          </a:lnRef>
+          <a:fillRef idx="0">
+            <a:schemeClr val="accent1"/>
+          </a:fillRef>
+          <a:effectRef idx="0">
+            <a:schemeClr val="accent1"/>
+          </a:effectRef>
+          <a:fontRef idx="minor">
+            <a:schemeClr val="tx1"/>
+          </a:fontRef>
+        </p:style>
+      </p:cxnSp>
+      <p:sp>
+        <p:nvSpPr>
+          <p:cNvPr id="145" name="Rectángulo 144" descr="Nodo de cuarto nivel&#10;" title="Nodo04"/>
+          <p:cNvSpPr/>
+          <p:nvPr/>
+        </p:nvSpPr>
+        <p:spPr>
+          <a:xfrm>
+            <a:off x="5336298" y="4754570"/>
+            <a:ext cx="777116" cy="348153"/>
+          </a:xfrm>
+          <a:prstGeom prst="rect">
+            <a:avLst/>
+          </a:prstGeom>
+          <a:solidFill>
+            <a:schemeClr val="bg2">
+              <a:lumMod val="90000"/>
+            </a:schemeClr>
+          </a:solidFill>
+          <a:ln>
+            <a:solidFill>
+              <a:schemeClr val="tx1"/>
+            </a:solidFill>
+          </a:ln>
+        </p:spPr>
+        <p:style>
+          <a:lnRef idx="2">
+            <a:schemeClr val="accent6"/>
+          </a:lnRef>
+          <a:fillRef idx="1">
+            <a:schemeClr val="lt1"/>
+          </a:fillRef>
+          <a:effectRef idx="0">
+            <a:schemeClr val="accent6"/>
+          </a:effectRef>
+          <a:fontRef idx="minor">
+            <a:schemeClr val="dk1"/>
+          </a:fontRef>
+        </p:style>
+        <p:txBody>
+          <a:bodyPr rtlCol="0" anchor="ctr"/>
+          <a:lstStyle/>
+          <a:p>
+            <a:endParaRPr lang="es-ES" sz="850" dirty="0">
+              <a:solidFill>
+                <a:schemeClr val="tx1"/>
+              </a:solidFill>
+              <a:latin typeface="Arial" panose="020B0604020202020204" pitchFamily="34" charset="0"/>
+              <a:cs typeface="Arial" panose="020B0604020202020204" pitchFamily="34" charset="0"/>
+            </a:endParaRPr>
+          </a:p>
+        </p:txBody>
+      </p:sp>
+      <p:sp>
+        <p:nvSpPr>
+          <p:cNvPr id="146" name="Rectángulo 145" descr="Nodo de cuarto nivel&#10;" title="Nodo04"/>
+          <p:cNvSpPr/>
+          <p:nvPr/>
+        </p:nvSpPr>
+        <p:spPr>
+          <a:xfrm>
+            <a:off x="6174315" y="4753033"/>
+            <a:ext cx="777116" cy="348153"/>
+          </a:xfrm>
+          <a:prstGeom prst="rect">
+            <a:avLst/>
+          </a:prstGeom>
+          <a:solidFill>
+            <a:schemeClr val="bg2">
+              <a:lumMod val="90000"/>
+            </a:schemeClr>
+          </a:solidFill>
+          <a:ln>
+            <a:solidFill>
+              <a:schemeClr val="tx1"/>
+            </a:solidFill>
+          </a:ln>
+        </p:spPr>
+        <p:style>
+          <a:lnRef idx="2">
+            <a:schemeClr val="accent6"/>
+          </a:lnRef>
+          <a:fillRef idx="1">
+            <a:schemeClr val="lt1"/>
+          </a:fillRef>
+          <a:effectRef idx="0">
+            <a:schemeClr val="accent6"/>
+          </a:effectRef>
+          <a:fontRef idx="minor">
+            <a:schemeClr val="dk1"/>
+          </a:fontRef>
+        </p:style>
+        <p:txBody>
+          <a:bodyPr rtlCol="0" anchor="ctr"/>
+          <a:lstStyle/>
+          <a:p>
+            <a:endParaRPr lang="es-ES" sz="850" dirty="0">
+              <a:solidFill>
+                <a:schemeClr val="tx1"/>
+              </a:solidFill>
+              <a:latin typeface="Arial" panose="020B0604020202020204" pitchFamily="34" charset="0"/>
+              <a:cs typeface="Arial" panose="020B0604020202020204" pitchFamily="34" charset="0"/>
+            </a:endParaRPr>
+          </a:p>
+        </p:txBody>
+      </p:sp>
       <p:pic>
         <p:nvPicPr>
-          <p:cNvPr id="40" name="Imagen 39"/>
+          <p:cNvPr id="9" name="Imagen 8"/>
           <p:cNvPicPr>
             <a:picLocks noChangeAspect="1"/>
           </p:cNvPicPr>
           <p:nvPr/>
         </p:nvPicPr>
         <p:blipFill>
-          <a:blip r:embed="rId2" cstate="print">
+          <a:blip r:embed="rId2">
             <a:extLst>
               <a:ext uri="{28A0092B-C50C-407E-A947-70E740481C1C}">
                 <a14:useLocalDpi xmlns:a14="http://schemas.microsoft.com/office/drawing/2010/main" val="0"/>
@@ -3580,114 +5029,24 @@
         </p:blipFill>
         <p:spPr>
           <a:xfrm>
-            <a:off x="2098633" y="6539178"/>
-            <a:ext cx="1070310" cy="254238"/>
+            <a:off x="5369678" y="4881703"/>
+            <a:ext cx="736572" cy="128900"/>
           </a:xfrm>
           <a:prstGeom prst="rect">
             <a:avLst/>
           </a:prstGeom>
         </p:spPr>
       </p:pic>
-      <p:sp>
-        <p:nvSpPr>
-          <p:cNvPr id="208" name="Rectángulo 207" descr="Nodo de séptimo nivel" title="Nodo07"/>
-          <p:cNvSpPr/>
-          <p:nvPr/>
-        </p:nvSpPr>
-        <p:spPr>
-          <a:xfrm>
-            <a:off x="2147533" y="6460120"/>
-            <a:ext cx="979298" cy="353519"/>
-          </a:xfrm>
-          <a:prstGeom prst="rect">
-            <a:avLst/>
-          </a:prstGeom>
-          <a:noFill/>
-          <a:ln>
-            <a:solidFill>
-              <a:schemeClr val="tx1"/>
-            </a:solidFill>
-          </a:ln>
-        </p:spPr>
-        <p:style>
-          <a:lnRef idx="2">
-            <a:schemeClr val="accent6"/>
-          </a:lnRef>
-          <a:fillRef idx="1">
-            <a:schemeClr val="lt1"/>
-          </a:fillRef>
-          <a:effectRef idx="0">
-            <a:schemeClr val="accent6"/>
-          </a:effectRef>
-          <a:fontRef idx="minor">
-            <a:schemeClr val="dk1"/>
-          </a:fontRef>
-        </p:style>
-        <p:txBody>
-          <a:bodyPr rtlCol="0" anchor="ctr"/>
-          <a:lstStyle/>
-          <a:p>
-            <a:pPr algn="ctr"/>
-            <a:endParaRPr lang="es-ES" sz="900" dirty="0">
-              <a:solidFill>
-                <a:schemeClr val="tx1"/>
-              </a:solidFill>
-              <a:latin typeface="Arial" panose="020B0604020202020204" pitchFamily="34" charset="0"/>
-              <a:cs typeface="Arial" panose="020B0604020202020204" pitchFamily="34" charset="0"/>
-            </a:endParaRPr>
-          </a:p>
-        </p:txBody>
-      </p:sp>
-      <p:cxnSp>
-        <p:nvCxnSpPr>
-          <p:cNvPr id="213" name="Conector angular 212"/>
-          <p:cNvCxnSpPr>
-            <a:stCxn id="205" idx="2"/>
-            <a:endCxn id="208" idx="0"/>
-          </p:cNvCxnSpPr>
-          <p:nvPr/>
-        </p:nvCxnSpPr>
-        <p:spPr>
-          <a:xfrm rot="16200000" flipH="1">
-            <a:off x="2592546" y="6415484"/>
-            <a:ext cx="87564" cy="1707"/>
-          </a:xfrm>
-          <a:prstGeom prst="bentConnector3">
-            <a:avLst>
-              <a:gd name="adj1" fmla="val 50000"/>
-            </a:avLst>
-          </a:prstGeom>
-          <a:ln w="12700">
-            <a:solidFill>
-              <a:schemeClr val="tx1"/>
-            </a:solidFill>
-          </a:ln>
-        </p:spPr>
-        <p:style>
-          <a:lnRef idx="1">
-            <a:schemeClr val="accent1"/>
-          </a:lnRef>
-          <a:fillRef idx="0">
-            <a:schemeClr val="accent1"/>
-          </a:fillRef>
-          <a:effectRef idx="0">
-            <a:schemeClr val="accent1"/>
-          </a:effectRef>
-          <a:fontRef idx="minor">
-            <a:schemeClr val="tx1"/>
-          </a:fontRef>
-        </p:style>
-      </p:cxnSp>
       <p:pic>
         <p:nvPicPr>
-          <p:cNvPr id="41" name="Imagen 40"/>
+          <p:cNvPr id="10" name="Imagen 9"/>
           <p:cNvPicPr>
             <a:picLocks noChangeAspect="1"/>
           </p:cNvPicPr>
           <p:nvPr/>
         </p:nvPicPr>
         <p:blipFill>
-          <a:blip r:embed="rId3" cstate="print">
+          <a:blip r:embed="rId3">
             <a:extLst>
               <a:ext uri="{28A0092B-C50C-407E-A947-70E740481C1C}">
                 <a14:useLocalDpi xmlns:a14="http://schemas.microsoft.com/office/drawing/2010/main" val="0"/>
@@ -3700,8 +5059,8 @@
         </p:blipFill>
         <p:spPr>
           <a:xfrm>
-            <a:off x="3110903" y="6531462"/>
-            <a:ext cx="682639" cy="247954"/>
+            <a:off x="6313961" y="4861223"/>
+            <a:ext cx="468391" cy="167782"/>
           </a:xfrm>
           <a:prstGeom prst="rect">
             <a:avLst/>
@@ -3710,19 +5069,23 @@
       </p:pic>
       <p:sp>
         <p:nvSpPr>
-          <p:cNvPr id="214" name="Rectángulo 213" descr="Nodo de séptimo nivel" title="Nodo07"/>
+          <p:cNvPr id="148" name="Rectángulo 147" descr="Nodo de cuarto nivel&#10;" title="Nodo04"/>
           <p:cNvSpPr/>
           <p:nvPr/>
         </p:nvSpPr>
         <p:spPr>
           <a:xfrm>
-            <a:off x="3167320" y="6458904"/>
-            <a:ext cx="583678" cy="353519"/>
+            <a:off x="6116997" y="6017754"/>
+            <a:ext cx="1084829" cy="700089"/>
           </a:xfrm>
           <a:prstGeom prst="rect">
             <a:avLst/>
           </a:prstGeom>
-          <a:noFill/>
+          <a:solidFill>
+            <a:schemeClr val="bg2">
+              <a:lumMod val="90000"/>
+            </a:schemeClr>
+          </a:solidFill>
           <a:ln>
             <a:solidFill>
               <a:schemeClr val="tx1"/>
@@ -3747,220 +5110,83 @@
           <a:bodyPr rtlCol="0" anchor="ctr"/>
           <a:lstStyle/>
           <a:p>
-            <a:pPr algn="ctr"/>
-            <a:endParaRPr lang="es-ES" sz="900" dirty="0">
-              <a:solidFill>
-                <a:schemeClr val="tx1"/>
-              </a:solidFill>
-              <a:latin typeface="Arial" panose="020B0604020202020204" pitchFamily="34" charset="0"/>
-              <a:cs typeface="Arial" panose="020B0604020202020204" pitchFamily="34" charset="0"/>
-            </a:endParaRPr>
-          </a:p>
-        </p:txBody>
-      </p:sp>
-      <p:cxnSp>
-        <p:nvCxnSpPr>
-          <p:cNvPr id="215" name="Conector angular 214"/>
-          <p:cNvCxnSpPr>
-            <a:stCxn id="206" idx="2"/>
-            <a:endCxn id="214" idx="0"/>
-          </p:cNvCxnSpPr>
-          <p:nvPr/>
-        </p:nvCxnSpPr>
-        <p:spPr>
-          <a:xfrm rot="5400000">
-            <a:off x="3409276" y="6408311"/>
-            <a:ext cx="100477" cy="709"/>
-          </a:xfrm>
-          <a:prstGeom prst="bentConnector3">
-            <a:avLst>
-              <a:gd name="adj1" fmla="val 50000"/>
-            </a:avLst>
-          </a:prstGeom>
-          <a:ln w="12700">
-            <a:solidFill>
-              <a:schemeClr val="tx1"/>
-            </a:solidFill>
-          </a:ln>
-        </p:spPr>
-        <p:style>
-          <a:lnRef idx="1">
-            <a:schemeClr val="accent1"/>
-          </a:lnRef>
-          <a:fillRef idx="0">
-            <a:schemeClr val="accent1"/>
-          </a:fillRef>
-          <a:effectRef idx="0">
-            <a:schemeClr val="accent1"/>
-          </a:effectRef>
-          <a:fontRef idx="minor">
-            <a:schemeClr val="tx1"/>
-          </a:fontRef>
-        </p:style>
-      </p:cxnSp>
-      <p:cxnSp>
-        <p:nvCxnSpPr>
-          <p:cNvPr id="276" name="Conector angular 275"/>
-          <p:cNvCxnSpPr>
-            <a:stCxn id="366" idx="2"/>
-            <a:endCxn id="278" idx="0"/>
-          </p:cNvCxnSpPr>
-          <p:nvPr/>
-        </p:nvCxnSpPr>
-        <p:spPr>
-          <a:xfrm rot="5400000">
-            <a:off x="3879344" y="3980506"/>
-            <a:ext cx="316824" cy="397971"/>
-          </a:xfrm>
-          <a:prstGeom prst="bentConnector3">
-            <a:avLst>
-              <a:gd name="adj1" fmla="val 50000"/>
-            </a:avLst>
-          </a:prstGeom>
-          <a:ln w="12700">
-            <a:solidFill>
-              <a:schemeClr val="tx1"/>
-            </a:solidFill>
-          </a:ln>
-        </p:spPr>
-        <p:style>
-          <a:lnRef idx="1">
-            <a:schemeClr val="accent1"/>
-          </a:lnRef>
-          <a:fillRef idx="0">
-            <a:schemeClr val="accent1"/>
-          </a:fillRef>
-          <a:effectRef idx="0">
-            <a:schemeClr val="accent1"/>
-          </a:effectRef>
-          <a:fontRef idx="minor">
-            <a:schemeClr val="tx1"/>
-          </a:fontRef>
-        </p:style>
-      </p:cxnSp>
-      <p:sp>
-        <p:nvSpPr>
-          <p:cNvPr id="278" name="CuadroTexto 277" descr="Conector entre nodos" title="conector"/>
-          <p:cNvSpPr txBox="1"/>
-          <p:nvPr/>
-        </p:nvSpPr>
-        <p:spPr>
-          <a:xfrm>
-            <a:off x="3467413" y="4337903"/>
-            <a:ext cx="742714" cy="230832"/>
-          </a:xfrm>
-          <a:prstGeom prst="rect">
-            <a:avLst/>
-          </a:prstGeom>
-          <a:noFill/>
-        </p:spPr>
-        <p:txBody>
-          <a:bodyPr wrap="square" rtlCol="0">
-            <a:spAutoFit/>
-          </a:bodyPr>
-          <a:lstStyle/>
-          <a:p>
-            <a:pPr algn="ctr"/>
-            <a:r>
-              <a:rPr lang="es-ES" sz="850" dirty="0" smtClean="0">
-                <a:latin typeface="Arial" panose="020B0604020202020204" pitchFamily="34" charset="0"/>
-                <a:cs typeface="Arial" panose="020B0604020202020204" pitchFamily="34" charset="0"/>
-              </a:rPr>
-              <a:t>elementos</a:t>
-            </a:r>
-            <a:endParaRPr lang="es-ES" sz="850" dirty="0">
-              <a:latin typeface="Arial" panose="020B0604020202020204" pitchFamily="34" charset="0"/>
-              <a:cs typeface="Arial" panose="020B0604020202020204" pitchFamily="34" charset="0"/>
-            </a:endParaRPr>
-          </a:p>
-        </p:txBody>
-      </p:sp>
-      <p:sp>
-        <p:nvSpPr>
-          <p:cNvPr id="279" name="Rectángulo 278" descr="Nodo de séptimo nivel" title="Nodo07"/>
-          <p:cNvSpPr/>
-          <p:nvPr/>
-        </p:nvSpPr>
-        <p:spPr>
-          <a:xfrm>
-            <a:off x="3345143" y="4721000"/>
-            <a:ext cx="987410" cy="593713"/>
-          </a:xfrm>
-          <a:prstGeom prst="rect">
-            <a:avLst/>
-          </a:prstGeom>
-          <a:solidFill>
-            <a:schemeClr val="bg1"/>
-          </a:solidFill>
-          <a:ln>
-            <a:solidFill>
-              <a:schemeClr val="tx1"/>
-            </a:solidFill>
-          </a:ln>
-        </p:spPr>
-        <p:style>
-          <a:lnRef idx="2">
-            <a:schemeClr val="accent6"/>
-          </a:lnRef>
-          <a:fillRef idx="1">
-            <a:schemeClr val="lt1"/>
-          </a:fillRef>
-          <a:effectRef idx="0">
-            <a:schemeClr val="accent6"/>
-          </a:effectRef>
-          <a:fontRef idx="minor">
-            <a:schemeClr val="dk1"/>
-          </a:fontRef>
-        </p:style>
-        <p:txBody>
-          <a:bodyPr rtlCol="0" anchor="ctr"/>
-          <a:lstStyle/>
-          <a:p>
-            <a:r>
-              <a:rPr lang="es-CO" sz="850" dirty="0">
+            <a:r>
+              <a:rPr lang="pt-BR" sz="850" dirty="0">
                 <a:solidFill>
                   <a:schemeClr val="tx1"/>
                 </a:solidFill>
                 <a:latin typeface="Arial" panose="020B0604020202020204" pitchFamily="34" charset="0"/>
                 <a:cs typeface="Arial" panose="020B0604020202020204" pitchFamily="34" charset="0"/>
               </a:rPr>
-              <a:t>· una base</a:t>
-            </a:r>
-          </a:p>
-          <a:p>
-            <a:r>
-              <a:rPr lang="es-CO" sz="850" dirty="0">
+              <a:t>· una base circular</a:t>
+            </a:r>
+          </a:p>
+          <a:p>
+            <a:r>
+              <a:rPr lang="pt-BR" sz="850" dirty="0">
                 <a:solidFill>
                   <a:schemeClr val="tx1"/>
                 </a:solidFill>
                 <a:latin typeface="Arial" panose="020B0604020202020204" pitchFamily="34" charset="0"/>
                 <a:cs typeface="Arial" panose="020B0604020202020204" pitchFamily="34" charset="0"/>
               </a:rPr>
-              <a:t>poligonal</a:t>
-            </a:r>
-          </a:p>
-          <a:p>
-            <a:r>
-              <a:rPr lang="es-CO" sz="850" dirty="0">
+              <a:t>· altura</a:t>
+            </a:r>
+          </a:p>
+          <a:p>
+            <a:r>
+              <a:rPr lang="pt-BR" sz="850" dirty="0">
                 <a:solidFill>
                   <a:schemeClr val="tx1"/>
                 </a:solidFill>
                 <a:latin typeface="Arial" panose="020B0604020202020204" pitchFamily="34" charset="0"/>
                 <a:cs typeface="Arial" panose="020B0604020202020204" pitchFamily="34" charset="0"/>
               </a:rPr>
-              <a:t>· caras laterales</a:t>
-            </a:r>
-          </a:p>
-          <a:p>
-            <a:r>
-              <a:rPr lang="es-CO" sz="850" dirty="0">
+              <a:t>· vértice</a:t>
+            </a:r>
+          </a:p>
+          <a:p>
+            <a:r>
+              <a:rPr lang="pt-BR" sz="850" dirty="0">
                 <a:solidFill>
                   <a:schemeClr val="tx1"/>
                 </a:solidFill>
                 <a:latin typeface="Arial" panose="020B0604020202020204" pitchFamily="34" charset="0"/>
                 <a:cs typeface="Arial" panose="020B0604020202020204" pitchFamily="34" charset="0"/>
               </a:rPr>
-              <a:t>(triángulos)</a:t>
+              <a:t>· generatriz</a:t>
+            </a:r>
+          </a:p>
+          <a:p>
+            <a:r>
+              <a:rPr lang="pt-BR" sz="850" dirty="0">
+                <a:solidFill>
+                  <a:schemeClr val="tx1"/>
+                </a:solidFill>
+                <a:latin typeface="Arial" panose="020B0604020202020204" pitchFamily="34" charset="0"/>
+                <a:cs typeface="Arial" panose="020B0604020202020204" pitchFamily="34" charset="0"/>
+              </a:rPr>
+              <a:t>· </a:t>
+            </a:r>
+            <a:r>
+              <a:rPr lang="pt-BR" sz="850" dirty="0" smtClean="0">
+                <a:solidFill>
+                  <a:schemeClr val="tx1"/>
+                </a:solidFill>
+                <a:latin typeface="Arial" panose="020B0604020202020204" pitchFamily="34" charset="0"/>
+                <a:cs typeface="Arial" panose="020B0604020202020204" pitchFamily="34" charset="0"/>
+              </a:rPr>
+              <a:t>superfície </a:t>
+            </a:r>
+            <a:r>
+              <a:rPr lang="pt-BR" sz="850" dirty="0">
+                <a:solidFill>
+                  <a:schemeClr val="tx1"/>
+                </a:solidFill>
+                <a:latin typeface="Arial" panose="020B0604020202020204" pitchFamily="34" charset="0"/>
+                <a:cs typeface="Arial" panose="020B0604020202020204" pitchFamily="34" charset="0"/>
+              </a:rPr>
+              <a:t>lateral</a:t>
             </a:r>
             <a:endParaRPr lang="es-ES" sz="850" dirty="0">
               <a:solidFill>
@@ -3974,14 +5200,14 @@
       </p:sp>
       <p:sp>
         <p:nvSpPr>
-          <p:cNvPr id="294" name="CuadroTexto 293" descr="Conector entre nodos" title="conector"/>
+          <p:cNvPr id="149" name="CuadroTexto 148" descr="Conector entre nodos" title="conector"/>
           <p:cNvSpPr txBox="1"/>
           <p:nvPr/>
         </p:nvSpPr>
         <p:spPr>
           <a:xfrm>
-            <a:off x="4355848" y="4340151"/>
-            <a:ext cx="742714" cy="230832"/>
+            <a:off x="6099983" y="5418403"/>
+            <a:ext cx="1120084" cy="230832"/>
           </a:xfrm>
           <a:prstGeom prst="rect">
             <a:avLst/>
@@ -4000,7 +5226,7 @@
                 <a:latin typeface="Arial" panose="020B0604020202020204" pitchFamily="34" charset="0"/>
                 <a:cs typeface="Arial" panose="020B0604020202020204" pitchFamily="34" charset="0"/>
               </a:rPr>
-              <a:t>cálculos</a:t>
+              <a:t>elementos</a:t>
             </a:r>
             <a:endParaRPr lang="es-ES" sz="850" dirty="0">
               <a:latin typeface="Arial" panose="020B0604020202020204" pitchFamily="34" charset="0"/>
@@ -4009,55 +5235,16 @@
           </a:p>
         </p:txBody>
       </p:sp>
-      <p:cxnSp>
-        <p:nvCxnSpPr>
-          <p:cNvPr id="295" name="Conector angular 294"/>
-          <p:cNvCxnSpPr>
-            <a:stCxn id="294" idx="2"/>
-          </p:cNvCxnSpPr>
-          <p:nvPr/>
-        </p:nvCxnSpPr>
-        <p:spPr>
-          <a:xfrm rot="5400000">
-            <a:off x="4079840" y="5218270"/>
-            <a:ext cx="1294653" cy="79"/>
-          </a:xfrm>
-          <a:prstGeom prst="bentConnector3">
-            <a:avLst>
-              <a:gd name="adj1" fmla="val 50000"/>
-            </a:avLst>
-          </a:prstGeom>
-          <a:ln w="12700">
-            <a:solidFill>
-              <a:schemeClr val="tx1"/>
-            </a:solidFill>
-          </a:ln>
-        </p:spPr>
-        <p:style>
-          <a:lnRef idx="1">
-            <a:schemeClr val="accent1"/>
-          </a:lnRef>
-          <a:fillRef idx="0">
-            <a:schemeClr val="accent1"/>
-          </a:fillRef>
-          <a:effectRef idx="0">
-            <a:schemeClr val="accent1"/>
-          </a:effectRef>
-          <a:fontRef idx="minor">
-            <a:schemeClr val="tx1"/>
-          </a:fontRef>
-        </p:style>
-      </p:cxnSp>
       <p:sp>
         <p:nvSpPr>
-          <p:cNvPr id="296" name="CuadroTexto 295" descr="Conector entre nodos" title="conector"/>
+          <p:cNvPr id="150" name="CuadroTexto 149" descr="Conector entre nodos" title="conector"/>
           <p:cNvSpPr txBox="1"/>
           <p:nvPr/>
         </p:nvSpPr>
         <p:spPr>
           <a:xfrm>
-            <a:off x="3918023" y="6096467"/>
-            <a:ext cx="742714" cy="230832"/>
+            <a:off x="7643180" y="5397513"/>
+            <a:ext cx="1120084" cy="230832"/>
           </a:xfrm>
           <a:prstGeom prst="rect">
             <a:avLst/>
@@ -4076,7 +5263,7 @@
                 <a:latin typeface="Arial" panose="020B0604020202020204" pitchFamily="34" charset="0"/>
                 <a:cs typeface="Arial" panose="020B0604020202020204" pitchFamily="34" charset="0"/>
               </a:rPr>
-              <a:t>área</a:t>
+              <a:t>cálculos</a:t>
             </a:r>
             <a:endParaRPr lang="es-ES" sz="850" dirty="0">
               <a:latin typeface="Arial" panose="020B0604020202020204" pitchFamily="34" charset="0"/>
@@ -4087,14 +5274,14 @@
       </p:sp>
       <p:sp>
         <p:nvSpPr>
-          <p:cNvPr id="297" name="CuadroTexto 296" descr="Conector entre nodos" title="conector"/>
+          <p:cNvPr id="151" name="CuadroTexto 150" descr="Conector entre nodos" title="conector"/>
           <p:cNvSpPr txBox="1"/>
           <p:nvPr/>
         </p:nvSpPr>
         <p:spPr>
           <a:xfrm>
-            <a:off x="4781497" y="6096707"/>
-            <a:ext cx="742714" cy="230832"/>
+            <a:off x="7187897" y="5762517"/>
+            <a:ext cx="1120084" cy="230832"/>
           </a:xfrm>
           <a:prstGeom prst="rect">
             <a:avLst/>
@@ -4113,7 +5300,7 @@
                 <a:latin typeface="Arial" panose="020B0604020202020204" pitchFamily="34" charset="0"/>
                 <a:cs typeface="Arial" panose="020B0604020202020204" pitchFamily="34" charset="0"/>
               </a:rPr>
-              <a:t>volumen</a:t>
+              <a:t>área</a:t>
             </a:r>
             <a:endParaRPr lang="es-ES" sz="850" dirty="0">
               <a:latin typeface="Arial" panose="020B0604020202020204" pitchFamily="34" charset="0"/>
@@ -4124,19 +5311,60 @@
       </p:sp>
       <p:sp>
         <p:nvSpPr>
-          <p:cNvPr id="299" name="Rectángulo 298" descr="Nodo de séptimo nivel" title="Nodo07"/>
-          <p:cNvSpPr/>
+          <p:cNvPr id="152" name="CuadroTexto 151" descr="Conector entre nodos" title="conector"/>
+          <p:cNvSpPr txBox="1"/>
           <p:nvPr/>
         </p:nvSpPr>
         <p:spPr>
           <a:xfrm>
-            <a:off x="3803072" y="6459429"/>
-            <a:ext cx="971637" cy="353519"/>
+            <a:off x="8122533" y="5763302"/>
+            <a:ext cx="1120084" cy="230832"/>
           </a:xfrm>
           <a:prstGeom prst="rect">
             <a:avLst/>
           </a:prstGeom>
           <a:noFill/>
+        </p:spPr>
+        <p:txBody>
+          <a:bodyPr wrap="square" rtlCol="0">
+            <a:spAutoFit/>
+          </a:bodyPr>
+          <a:lstStyle/>
+          <a:p>
+            <a:pPr algn="ctr"/>
+            <a:r>
+              <a:rPr lang="es-ES" sz="850" dirty="0" smtClean="0">
+                <a:latin typeface="Arial" panose="020B0604020202020204" pitchFamily="34" charset="0"/>
+                <a:cs typeface="Arial" panose="020B0604020202020204" pitchFamily="34" charset="0"/>
+              </a:rPr>
+              <a:t>volumen</a:t>
+            </a:r>
+            <a:endParaRPr lang="es-ES" sz="850" dirty="0">
+              <a:latin typeface="Arial" panose="020B0604020202020204" pitchFamily="34" charset="0"/>
+              <a:cs typeface="Arial" panose="020B0604020202020204" pitchFamily="34" charset="0"/>
+            </a:endParaRPr>
+          </a:p>
+        </p:txBody>
+      </p:sp>
+      <p:sp>
+        <p:nvSpPr>
+          <p:cNvPr id="153" name="Rectángulo 152" descr="Nodo de cuarto nivel&#10;" title="Nodo04"/>
+          <p:cNvSpPr/>
+          <p:nvPr/>
+        </p:nvSpPr>
+        <p:spPr>
+          <a:xfrm>
+            <a:off x="7303475" y="6050242"/>
+            <a:ext cx="887797" cy="333342"/>
+          </a:xfrm>
+          <a:prstGeom prst="rect">
+            <a:avLst/>
+          </a:prstGeom>
+          <a:solidFill>
+            <a:schemeClr val="bg2">
+              <a:lumMod val="90000"/>
+            </a:schemeClr>
+          </a:solidFill>
           <a:ln>
             <a:solidFill>
               <a:schemeClr val="tx1"/>
@@ -4161,8 +5389,7 @@
           <a:bodyPr rtlCol="0" anchor="ctr"/>
           <a:lstStyle/>
           <a:p>
-            <a:pPr algn="ctr"/>
-            <a:endParaRPr lang="es-ES" sz="900" dirty="0">
+            <a:endParaRPr lang="es-ES" sz="850" dirty="0">
               <a:solidFill>
                 <a:schemeClr val="tx1"/>
               </a:solidFill>
@@ -4172,106 +5399,16 @@
           </a:p>
         </p:txBody>
       </p:sp>
-      <p:sp>
-        <p:nvSpPr>
-          <p:cNvPr id="303" name="Rectángulo 302" descr="Nodo de séptimo nivel" title="Nodo07"/>
-          <p:cNvSpPr/>
-          <p:nvPr/>
-        </p:nvSpPr>
-        <p:spPr>
-          <a:xfrm>
-            <a:off x="4825899" y="6458814"/>
-            <a:ext cx="655186" cy="353519"/>
-          </a:xfrm>
-          <a:prstGeom prst="rect">
-            <a:avLst/>
-          </a:prstGeom>
-          <a:noFill/>
-          <a:ln>
-            <a:solidFill>
-              <a:schemeClr val="tx1"/>
-            </a:solidFill>
-          </a:ln>
-        </p:spPr>
-        <p:style>
-          <a:lnRef idx="2">
-            <a:schemeClr val="accent6"/>
-          </a:lnRef>
-          <a:fillRef idx="1">
-            <a:schemeClr val="lt1"/>
-          </a:fillRef>
-          <a:effectRef idx="0">
-            <a:schemeClr val="accent6"/>
-          </a:effectRef>
-          <a:fontRef idx="minor">
-            <a:schemeClr val="dk1"/>
-          </a:fontRef>
-        </p:style>
-        <p:txBody>
-          <a:bodyPr rtlCol="0" anchor="ctr"/>
-          <a:lstStyle/>
-          <a:p>
-            <a:pPr algn="ctr"/>
-            <a:endParaRPr lang="es-ES" sz="900" dirty="0">
-              <a:solidFill>
-                <a:schemeClr val="tx1"/>
-              </a:solidFill>
-              <a:latin typeface="Arial" panose="020B0604020202020204" pitchFamily="34" charset="0"/>
-              <a:cs typeface="Arial" panose="020B0604020202020204" pitchFamily="34" charset="0"/>
-            </a:endParaRPr>
-          </a:p>
-        </p:txBody>
-      </p:sp>
-      <p:cxnSp>
-        <p:nvCxnSpPr>
-          <p:cNvPr id="304" name="Conector angular 303"/>
-          <p:cNvCxnSpPr>
-            <a:stCxn id="278" idx="2"/>
-            <a:endCxn id="279" idx="0"/>
-          </p:cNvCxnSpPr>
-          <p:nvPr/>
-        </p:nvCxnSpPr>
-        <p:spPr>
-          <a:xfrm rot="16200000" flipH="1">
-            <a:off x="3762677" y="4644828"/>
-            <a:ext cx="152265" cy="78"/>
-          </a:xfrm>
-          <a:prstGeom prst="bentConnector3">
-            <a:avLst>
-              <a:gd name="adj1" fmla="val 50000"/>
-            </a:avLst>
-          </a:prstGeom>
-          <a:ln w="12700">
-            <a:solidFill>
-              <a:schemeClr val="tx1"/>
-            </a:solidFill>
-          </a:ln>
-        </p:spPr>
-        <p:style>
-          <a:lnRef idx="1">
-            <a:schemeClr val="accent1"/>
-          </a:lnRef>
-          <a:fillRef idx="0">
-            <a:schemeClr val="accent1"/>
-          </a:fillRef>
-          <a:effectRef idx="0">
-            <a:schemeClr val="accent1"/>
-          </a:effectRef>
-          <a:fontRef idx="minor">
-            <a:schemeClr val="tx1"/>
-          </a:fontRef>
-        </p:style>
-      </p:cxnSp>
       <p:pic>
         <p:nvPicPr>
-          <p:cNvPr id="43" name="Imagen 42"/>
+          <p:cNvPr id="11" name="Imagen 10"/>
           <p:cNvPicPr>
             <a:picLocks noChangeAspect="1"/>
           </p:cNvPicPr>
           <p:nvPr/>
         </p:nvPicPr>
         <p:blipFill>
-          <a:blip r:embed="rId4" cstate="print">
+          <a:blip r:embed="rId4">
             <a:extLst>
               <a:ext uri="{28A0092B-C50C-407E-A947-70E740481C1C}">
                 <a14:useLocalDpi xmlns:a14="http://schemas.microsoft.com/office/drawing/2010/main" val="0"/>
@@ -4284,57 +5421,70 @@
         </p:blipFill>
         <p:spPr>
           <a:xfrm>
-            <a:off x="3751637" y="6506872"/>
-            <a:ext cx="1023072" cy="259777"/>
+            <a:off x="7335691" y="6128752"/>
+            <a:ext cx="823364" cy="175864"/>
           </a:xfrm>
           <a:prstGeom prst="rect">
             <a:avLst/>
           </a:prstGeom>
         </p:spPr>
       </p:pic>
-      <p:cxnSp>
-        <p:nvCxnSpPr>
-          <p:cNvPr id="305" name="Conector angular 304"/>
-          <p:cNvCxnSpPr>
-            <a:stCxn id="296" idx="2"/>
-            <a:endCxn id="299" idx="0"/>
-          </p:cNvCxnSpPr>
-          <p:nvPr/>
-        </p:nvCxnSpPr>
-        <p:spPr>
-          <a:xfrm rot="5400000">
-            <a:off x="4223071" y="6393120"/>
-            <a:ext cx="132130" cy="489"/>
-          </a:xfrm>
-          <a:prstGeom prst="bentConnector3">
-            <a:avLst>
-              <a:gd name="adj1" fmla="val 50000"/>
-            </a:avLst>
-          </a:prstGeom>
-          <a:ln w="12700">
-            <a:solidFill>
-              <a:schemeClr val="tx1"/>
-            </a:solidFill>
-          </a:ln>
-        </p:spPr>
-        <p:style>
-          <a:lnRef idx="1">
-            <a:schemeClr val="accent1"/>
-          </a:lnRef>
-          <a:fillRef idx="0">
-            <a:schemeClr val="accent1"/>
-          </a:fillRef>
-          <a:effectRef idx="0">
-            <a:schemeClr val="accent1"/>
-          </a:effectRef>
-          <a:fontRef idx="minor">
-            <a:schemeClr val="tx1"/>
-          </a:fontRef>
-        </p:style>
-      </p:cxnSp>
+      <p:sp>
+        <p:nvSpPr>
+          <p:cNvPr id="154" name="Rectángulo 153" descr="Nodo de cuarto nivel&#10;" title="Nodo04"/>
+          <p:cNvSpPr/>
+          <p:nvPr/>
+        </p:nvSpPr>
+        <p:spPr>
+          <a:xfrm>
+            <a:off x="8327031" y="6047740"/>
+            <a:ext cx="712156" cy="571009"/>
+          </a:xfrm>
+          <a:prstGeom prst="rect">
+            <a:avLst/>
+          </a:prstGeom>
+          <a:solidFill>
+            <a:schemeClr val="bg2">
+              <a:lumMod val="90000"/>
+            </a:schemeClr>
+          </a:solidFill>
+          <a:ln>
+            <a:solidFill>
+              <a:schemeClr val="tx1"/>
+            </a:solidFill>
+          </a:ln>
+        </p:spPr>
+        <p:style>
+          <a:lnRef idx="2">
+            <a:schemeClr val="accent6"/>
+          </a:lnRef>
+          <a:fillRef idx="1">
+            <a:schemeClr val="lt1"/>
+          </a:fillRef>
+          <a:effectRef idx="0">
+            <a:schemeClr val="accent6"/>
+          </a:effectRef>
+          <a:fontRef idx="minor">
+            <a:schemeClr val="dk1"/>
+          </a:fontRef>
+        </p:style>
+        <p:txBody>
+          <a:bodyPr rtlCol="0" anchor="ctr"/>
+          <a:lstStyle/>
+          <a:p>
+            <a:endParaRPr lang="es-ES" sz="850" dirty="0">
+              <a:solidFill>
+                <a:schemeClr val="tx1"/>
+              </a:solidFill>
+              <a:latin typeface="Arial" panose="020B0604020202020204" pitchFamily="34" charset="0"/>
+              <a:cs typeface="Arial" panose="020B0604020202020204" pitchFamily="34" charset="0"/>
+            </a:endParaRPr>
+          </a:p>
+        </p:txBody>
+      </p:sp>
       <p:pic>
         <p:nvPicPr>
-          <p:cNvPr id="46" name="Imagen 45"/>
+          <p:cNvPr id="13" name="Imagen 12"/>
           <p:cNvPicPr>
             <a:picLocks noChangeAspect="1"/>
           </p:cNvPicPr>
@@ -4354,8 +5504,8 @@
         </p:blipFill>
         <p:spPr>
           <a:xfrm>
-            <a:off x="4833923" y="6480507"/>
-            <a:ext cx="636350" cy="304902"/>
+            <a:off x="8395108" y="6135455"/>
+            <a:ext cx="574934" cy="368547"/>
           </a:xfrm>
           <a:prstGeom prst="rect">
             <a:avLst/>
@@ -4364,17 +5514,17 @@
       </p:pic>
       <p:cxnSp>
         <p:nvCxnSpPr>
-          <p:cNvPr id="306" name="Conector angular 305"/>
+          <p:cNvPr id="155" name="Conector angular 154"/>
           <p:cNvCxnSpPr>
-            <a:stCxn id="297" idx="2"/>
-            <a:endCxn id="303" idx="0"/>
+            <a:stCxn id="109" idx="2"/>
+            <a:endCxn id="158" idx="0"/>
           </p:cNvCxnSpPr>
           <p:nvPr/>
         </p:nvCxnSpPr>
         <p:spPr>
-          <a:xfrm rot="16200000" flipH="1">
-            <a:off x="5087536" y="6392857"/>
-            <a:ext cx="131275" cy="638"/>
+          <a:xfrm rot="5400000">
+            <a:off x="7965441" y="1776044"/>
+            <a:ext cx="239706" cy="276258"/>
           </a:xfrm>
           <a:prstGeom prst="bentConnector3">
             <a:avLst>
@@ -4402,147 +5552,19 @@
           </a:fontRef>
         </p:style>
       </p:cxnSp>
-      <p:sp>
-        <p:nvSpPr>
-          <p:cNvPr id="109" name="Rectángulo 108" descr="Nodo de segundo nivel" title="Nodo02"/>
-          <p:cNvSpPr/>
-          <p:nvPr/>
-        </p:nvSpPr>
-        <p:spPr>
-          <a:xfrm>
-            <a:off x="7852529" y="1436847"/>
-            <a:ext cx="741788" cy="357473"/>
-          </a:xfrm>
-          <a:prstGeom prst="rect">
-            <a:avLst/>
-          </a:prstGeom>
-          <a:solidFill>
-            <a:schemeClr val="bg2">
-              <a:lumMod val="50000"/>
-            </a:schemeClr>
-          </a:solidFill>
-          <a:ln>
-            <a:solidFill>
-              <a:schemeClr val="tx1"/>
-            </a:solidFill>
-          </a:ln>
-        </p:spPr>
-        <p:style>
-          <a:lnRef idx="2">
-            <a:schemeClr val="accent6"/>
-          </a:lnRef>
-          <a:fillRef idx="1">
-            <a:schemeClr val="lt1"/>
-          </a:fillRef>
-          <a:effectRef idx="0">
-            <a:schemeClr val="accent6"/>
-          </a:effectRef>
-          <a:fontRef idx="minor">
-            <a:schemeClr val="dk1"/>
-          </a:fontRef>
-        </p:style>
-        <p:txBody>
-          <a:bodyPr rtlCol="0" anchor="ctr"/>
-          <a:lstStyle/>
-          <a:p>
-            <a:pPr algn="ctr"/>
-            <a:r>
-              <a:rPr lang="es-ES" sz="1000" dirty="0" smtClean="0">
-                <a:solidFill>
-                  <a:schemeClr val="bg1"/>
-                </a:solidFill>
-                <a:latin typeface="Arial" panose="020B0604020202020204" pitchFamily="34" charset="0"/>
-                <a:cs typeface="Arial" panose="020B0604020202020204" pitchFamily="34" charset="0"/>
-              </a:rPr>
-              <a:t>esfera</a:t>
-            </a:r>
-            <a:endParaRPr lang="es-ES" sz="1000" dirty="0">
-              <a:solidFill>
-                <a:schemeClr val="bg1"/>
-              </a:solidFill>
-              <a:latin typeface="Arial" panose="020B0604020202020204" pitchFamily="34" charset="0"/>
-              <a:cs typeface="Arial" panose="020B0604020202020204" pitchFamily="34" charset="0"/>
-            </a:endParaRPr>
-          </a:p>
-        </p:txBody>
-      </p:sp>
-      <p:sp>
-        <p:nvSpPr>
-          <p:cNvPr id="110" name="Rectángulo 109" descr="Nodo de segundo nivel" title="Nodo02"/>
-          <p:cNvSpPr/>
-          <p:nvPr/>
-        </p:nvSpPr>
-        <p:spPr>
-          <a:xfrm>
-            <a:off x="6947024" y="1436846"/>
-            <a:ext cx="699121" cy="357473"/>
-          </a:xfrm>
-          <a:prstGeom prst="rect">
-            <a:avLst/>
-          </a:prstGeom>
-          <a:solidFill>
-            <a:schemeClr val="bg2">
-              <a:lumMod val="50000"/>
-            </a:schemeClr>
-          </a:solidFill>
-          <a:ln>
-            <a:solidFill>
-              <a:schemeClr val="tx1"/>
-            </a:solidFill>
-          </a:ln>
-        </p:spPr>
-        <p:style>
-          <a:lnRef idx="2">
-            <a:schemeClr val="accent6"/>
-          </a:lnRef>
-          <a:fillRef idx="1">
-            <a:schemeClr val="lt1"/>
-          </a:fillRef>
-          <a:effectRef idx="0">
-            <a:schemeClr val="accent6"/>
-          </a:effectRef>
-          <a:fontRef idx="minor">
-            <a:schemeClr val="dk1"/>
-          </a:fontRef>
-        </p:style>
-        <p:txBody>
-          <a:bodyPr rtlCol="0" anchor="ctr"/>
-          <a:lstStyle/>
-          <a:p>
-            <a:pPr algn="ctr"/>
-            <a:r>
-              <a:rPr lang="es-ES" sz="1000" dirty="0" smtClean="0">
-                <a:solidFill>
-                  <a:schemeClr val="bg1"/>
-                </a:solidFill>
-                <a:latin typeface="Arial" panose="020B0604020202020204" pitchFamily="34" charset="0"/>
-                <a:cs typeface="Arial" panose="020B0604020202020204" pitchFamily="34" charset="0"/>
-              </a:rPr>
-              <a:t>cono</a:t>
-            </a:r>
-            <a:endParaRPr lang="es-ES" sz="1000" dirty="0">
-              <a:solidFill>
-                <a:schemeClr val="bg1"/>
-              </a:solidFill>
-              <a:latin typeface="Arial" panose="020B0604020202020204" pitchFamily="34" charset="0"/>
-              <a:cs typeface="Arial" panose="020B0604020202020204" pitchFamily="34" charset="0"/>
-            </a:endParaRPr>
-          </a:p>
-        </p:txBody>
-      </p:sp>
       <p:cxnSp>
         <p:nvCxnSpPr>
-          <p:cNvPr id="115" name="Conector angular 114"/>
+          <p:cNvPr id="156" name="Conector angular 155"/>
           <p:cNvCxnSpPr>
-            <a:stCxn id="280" idx="2"/>
-            <a:endCxn id="282" idx="0"/>
+            <a:stCxn id="109" idx="2"/>
+            <a:endCxn id="159" idx="0"/>
           </p:cNvCxnSpPr>
           <p:nvPr/>
         </p:nvCxnSpPr>
         <p:spPr>
           <a:xfrm rot="16200000" flipH="1">
-            <a:off x="3506137" y="1834458"/>
-            <a:ext cx="56799" cy="751"/>
+            <a:off x="8289813" y="1727930"/>
+            <a:ext cx="236916" cy="369696"/>
           </a:xfrm>
           <a:prstGeom prst="bentConnector3">
             <a:avLst>
@@ -4570,95 +5592,15 @@
           </a:fontRef>
         </p:style>
       </p:cxnSp>
-      <p:cxnSp>
-        <p:nvCxnSpPr>
-          <p:cNvPr id="116" name="Conector angular 115"/>
-          <p:cNvCxnSpPr>
-            <a:stCxn id="222" idx="2"/>
-            <a:endCxn id="256" idx="0"/>
-          </p:cNvCxnSpPr>
-          <p:nvPr/>
-        </p:nvCxnSpPr>
-        <p:spPr>
-          <a:xfrm rot="5400000">
-            <a:off x="932959" y="2136049"/>
-            <a:ext cx="94800" cy="2878"/>
-          </a:xfrm>
-          <a:prstGeom prst="bentConnector3">
-            <a:avLst>
-              <a:gd name="adj1" fmla="val 50000"/>
-            </a:avLst>
-          </a:prstGeom>
-          <a:ln w="12700">
-            <a:solidFill>
-              <a:schemeClr val="tx1"/>
-            </a:solidFill>
-          </a:ln>
-        </p:spPr>
-        <p:style>
-          <a:lnRef idx="1">
-            <a:schemeClr val="accent1"/>
-          </a:lnRef>
-          <a:fillRef idx="0">
-            <a:schemeClr val="accent1"/>
-          </a:fillRef>
-          <a:effectRef idx="0">
-            <a:schemeClr val="accent1"/>
-          </a:effectRef>
-          <a:fontRef idx="minor">
-            <a:schemeClr val="tx1"/>
-          </a:fontRef>
-        </p:style>
-      </p:cxnSp>
-      <p:cxnSp>
-        <p:nvCxnSpPr>
-          <p:cNvPr id="119" name="Conector angular 118"/>
-          <p:cNvCxnSpPr>
-            <a:stCxn id="339" idx="2"/>
-            <a:endCxn id="121" idx="0"/>
-          </p:cNvCxnSpPr>
-          <p:nvPr/>
-        </p:nvCxnSpPr>
-        <p:spPr>
-          <a:xfrm rot="16200000" flipH="1">
-            <a:off x="6452525" y="1771957"/>
-            <a:ext cx="286132" cy="330855"/>
-          </a:xfrm>
-          <a:prstGeom prst="bentConnector3">
-            <a:avLst>
-              <a:gd name="adj1" fmla="val 50000"/>
-            </a:avLst>
-          </a:prstGeom>
-          <a:ln w="12700">
-            <a:solidFill>
-              <a:schemeClr val="tx1"/>
-            </a:solidFill>
-          </a:ln>
-        </p:spPr>
-        <p:style>
-          <a:lnRef idx="1">
-            <a:schemeClr val="accent1"/>
-          </a:lnRef>
-          <a:fillRef idx="0">
-            <a:schemeClr val="accent1"/>
-          </a:fillRef>
-          <a:effectRef idx="0">
-            <a:schemeClr val="accent1"/>
-          </a:effectRef>
-          <a:fontRef idx="minor">
-            <a:schemeClr val="tx1"/>
-          </a:fontRef>
-        </p:style>
-      </p:cxnSp>
       <p:sp>
         <p:nvSpPr>
-          <p:cNvPr id="120" name="CuadroTexto 119" descr="Conector entre nodos" title="conector"/>
+          <p:cNvPr id="158" name="CuadroTexto 157" descr="Conector entre nodos" title="conector"/>
           <p:cNvSpPr txBox="1"/>
           <p:nvPr/>
         </p:nvSpPr>
         <p:spPr>
           <a:xfrm>
-            <a:off x="5545787" y="2081115"/>
+            <a:off x="7387123" y="2034026"/>
             <a:ext cx="1120084" cy="230832"/>
           </a:xfrm>
           <a:prstGeom prst="rect">
@@ -4678,7 +5620,7 @@
                 <a:latin typeface="Arial" panose="020B0604020202020204" pitchFamily="34" charset="0"/>
                 <a:cs typeface="Arial" panose="020B0604020202020204" pitchFamily="34" charset="0"/>
               </a:rPr>
-              <a:t>cálculos</a:t>
+              <a:t>elementos</a:t>
             </a:r>
             <a:endParaRPr lang="es-ES" sz="850" dirty="0">
               <a:latin typeface="Arial" panose="020B0604020202020204" pitchFamily="34" charset="0"/>
@@ -4689,13 +5631,13 @@
       </p:sp>
       <p:sp>
         <p:nvSpPr>
-          <p:cNvPr id="121" name="CuadroTexto 120" descr="Conector entre nodos" title="conector"/>
+          <p:cNvPr id="159" name="CuadroTexto 158" descr="Conector entre nodos" title="conector"/>
           <p:cNvSpPr txBox="1"/>
           <p:nvPr/>
         </p:nvSpPr>
         <p:spPr>
           <a:xfrm>
-            <a:off x="6200977" y="2080451"/>
+            <a:off x="8033077" y="2031236"/>
             <a:ext cx="1120084" cy="230832"/>
           </a:xfrm>
           <a:prstGeom prst="rect">
@@ -4715,7 +5657,7 @@
                 <a:latin typeface="Arial" panose="020B0604020202020204" pitchFamily="34" charset="0"/>
                 <a:cs typeface="Arial" panose="020B0604020202020204" pitchFamily="34" charset="0"/>
               </a:rPr>
-              <a:t>elementos</a:t>
+              <a:t>cálculos</a:t>
             </a:r>
             <a:endParaRPr lang="es-ES" sz="850" dirty="0">
               <a:latin typeface="Arial" panose="020B0604020202020204" pitchFamily="34" charset="0"/>
@@ -4726,14 +5668,14 @@
       </p:sp>
       <p:sp>
         <p:nvSpPr>
-          <p:cNvPr id="124" name="Rectángulo 123" descr="Nodo de cuarto nivel&#10;" title="Nodo04"/>
+          <p:cNvPr id="162" name="Rectángulo 161" descr="Nodo de cuarto nivel&#10;" title="Nodo04"/>
           <p:cNvSpPr/>
           <p:nvPr/>
         </p:nvSpPr>
         <p:spPr>
           <a:xfrm>
-            <a:off x="6372985" y="2426666"/>
-            <a:ext cx="777116" cy="900466"/>
+            <a:off x="7502513" y="2395400"/>
+            <a:ext cx="890176" cy="1673345"/>
           </a:xfrm>
           <a:prstGeom prst="rect">
             <a:avLst/>
@@ -4775,7 +5717,7 @@
                 <a:latin typeface="Arial" panose="020B0604020202020204" pitchFamily="34" charset="0"/>
                 <a:cs typeface="Arial" panose="020B0604020202020204" pitchFamily="34" charset="0"/>
               </a:rPr>
-              <a:t>· dos bases</a:t>
+              <a:t>· círculo</a:t>
             </a:r>
           </a:p>
           <a:p>
@@ -4787,7 +5729,7 @@
                 <a:latin typeface="Arial" panose="020B0604020202020204" pitchFamily="34" charset="0"/>
                 <a:cs typeface="Arial" panose="020B0604020202020204" pitchFamily="34" charset="0"/>
               </a:rPr>
-              <a:t>circulares</a:t>
+              <a:t>· casquete</a:t>
             </a:r>
           </a:p>
           <a:p>
@@ -4799,7 +5741,7 @@
                 <a:latin typeface="Arial" panose="020B0604020202020204" pitchFamily="34" charset="0"/>
                 <a:cs typeface="Arial" panose="020B0604020202020204" pitchFamily="34" charset="0"/>
               </a:rPr>
-              <a:t>paralelas</a:t>
+              <a:t>esférico</a:t>
             </a:r>
           </a:p>
           <a:p>
@@ -4811,10 +5753,11 @@
                 <a:latin typeface="Arial" panose="020B0604020202020204" pitchFamily="34" charset="0"/>
                 <a:cs typeface="Arial" panose="020B0604020202020204" pitchFamily="34" charset="0"/>
               </a:rPr>
-              <a:t>· altura</a:t>
-            </a:r>
-          </a:p>
-          <a:p>
+              <a:t>· zona esférica</a:t>
+            </a:r>
+          </a:p>
+          <a:p>
+            <a:pPr algn="ctr"/>
             <a:r>
               <a:rPr lang="pt-BR" sz="850" dirty="0">
                 <a:solidFill>
@@ -4823,10 +5766,28 @@
                 <a:latin typeface="Arial" panose="020B0604020202020204" pitchFamily="34" charset="0"/>
                 <a:cs typeface="Arial" panose="020B0604020202020204" pitchFamily="34" charset="0"/>
               </a:rPr>
-              <a:t>· generatriz</a:t>
-            </a:r>
-          </a:p>
-          <a:p>
+              <a:t>· </a:t>
+            </a:r>
+            <a:r>
+              <a:rPr lang="es-CO" sz="850" dirty="0" smtClean="0">
+                <a:solidFill>
+                  <a:schemeClr val="tx1"/>
+                </a:solidFill>
+                <a:latin typeface="Arial" panose="020B0604020202020204" pitchFamily="34" charset="0"/>
+                <a:cs typeface="Arial" panose="020B0604020202020204" pitchFamily="34" charset="0"/>
+              </a:rPr>
+              <a:t>huso</a:t>
+            </a:r>
+            <a:r>
+              <a:rPr lang="pt-BR" sz="850" dirty="0" smtClean="0">
+                <a:solidFill>
+                  <a:schemeClr val="tx1"/>
+                </a:solidFill>
+                <a:latin typeface="Arial" panose="020B0604020202020204" pitchFamily="34" charset="0"/>
+                <a:cs typeface="Arial" panose="020B0604020202020204" pitchFamily="34" charset="0"/>
+              </a:rPr>
+              <a:t> </a:t>
+            </a:r>
             <a:r>
               <a:rPr lang="pt-BR" sz="850" dirty="0">
                 <a:solidFill>
@@ -4835,18 +5796,22 @@
                 <a:latin typeface="Arial" panose="020B0604020202020204" pitchFamily="34" charset="0"/>
                 <a:cs typeface="Arial" panose="020B0604020202020204" pitchFamily="34" charset="0"/>
               </a:rPr>
-              <a:t>· </a:t>
-            </a:r>
-            <a:r>
-              <a:rPr lang="pt-BR" sz="850" dirty="0" smtClean="0">
+              <a:t>esférico</a:t>
+            </a:r>
+          </a:p>
+          <a:p>
+            <a:r>
+              <a:rPr lang="pt-BR" sz="850" dirty="0">
                 <a:solidFill>
                   <a:schemeClr val="tx1"/>
                 </a:solidFill>
                 <a:latin typeface="Arial" panose="020B0604020202020204" pitchFamily="34" charset="0"/>
                 <a:cs typeface="Arial" panose="020B0604020202020204" pitchFamily="34" charset="0"/>
               </a:rPr>
-              <a:t>superfície </a:t>
-            </a:r>
+              <a:t>· sector esférico</a:t>
+            </a:r>
+          </a:p>
+          <a:p>
             <a:r>
               <a:rPr lang="pt-BR" sz="850" dirty="0">
                 <a:solidFill>
@@ -4855,7 +5820,43 @@
                 <a:latin typeface="Arial" panose="020B0604020202020204" pitchFamily="34" charset="0"/>
                 <a:cs typeface="Arial" panose="020B0604020202020204" pitchFamily="34" charset="0"/>
               </a:rPr>
-              <a:t>lateral</a:t>
+              <a:t>·segmento</a:t>
+            </a:r>
+          </a:p>
+          <a:p>
+            <a:r>
+              <a:rPr lang="pt-BR" sz="850" dirty="0">
+                <a:solidFill>
+                  <a:schemeClr val="tx1"/>
+                </a:solidFill>
+                <a:latin typeface="Arial" panose="020B0604020202020204" pitchFamily="34" charset="0"/>
+                <a:cs typeface="Arial" panose="020B0604020202020204" pitchFamily="34" charset="0"/>
+              </a:rPr>
+              <a:t>esférico</a:t>
+            </a:r>
+          </a:p>
+          <a:p>
+            <a:r>
+              <a:rPr lang="pt-BR" sz="850" dirty="0">
+                <a:solidFill>
+                  <a:schemeClr val="tx1"/>
+                </a:solidFill>
+                <a:latin typeface="Arial" panose="020B0604020202020204" pitchFamily="34" charset="0"/>
+                <a:cs typeface="Arial" panose="020B0604020202020204" pitchFamily="34" charset="0"/>
+              </a:rPr>
+              <a:t>·anillo esférico</a:t>
+            </a:r>
+          </a:p>
+          <a:p>
+            <a:r>
+              <a:rPr lang="pt-BR" sz="850" dirty="0">
+                <a:solidFill>
+                  <a:schemeClr val="tx1"/>
+                </a:solidFill>
+                <a:latin typeface="Arial" panose="020B0604020202020204" pitchFamily="34" charset="0"/>
+                <a:cs typeface="Arial" panose="020B0604020202020204" pitchFamily="34" charset="0"/>
+              </a:rPr>
+              <a:t>·cuña esférica</a:t>
             </a:r>
             <a:endParaRPr lang="es-ES" sz="850" dirty="0">
               <a:solidFill>
@@ -4869,14 +5870,14 @@
       </p:sp>
       <p:sp>
         <p:nvSpPr>
-          <p:cNvPr id="125" name="CuadroTexto 124" descr="Conector entre nodos" title="conector"/>
+          <p:cNvPr id="163" name="CuadroTexto 162" descr="Conector entre nodos" title="conector"/>
           <p:cNvSpPr txBox="1"/>
           <p:nvPr/>
         </p:nvSpPr>
         <p:spPr>
           <a:xfrm>
-            <a:off x="5353122" y="4298543"/>
-            <a:ext cx="742714" cy="230832"/>
+            <a:off x="7283640" y="4391799"/>
+            <a:ext cx="1120084" cy="230832"/>
           </a:xfrm>
           <a:prstGeom prst="rect">
             <a:avLst/>
@@ -4906,14 +5907,14 @@
       </p:sp>
       <p:sp>
         <p:nvSpPr>
-          <p:cNvPr id="130" name="CuadroTexto 129" descr="Conector entre nodos" title="conector"/>
+          <p:cNvPr id="164" name="CuadroTexto 163" descr="Conector entre nodos" title="conector"/>
           <p:cNvSpPr txBox="1"/>
           <p:nvPr/>
         </p:nvSpPr>
         <p:spPr>
           <a:xfrm>
-            <a:off x="6192196" y="4283456"/>
-            <a:ext cx="742714" cy="230832"/>
+            <a:off x="8182559" y="4399727"/>
+            <a:ext cx="1120084" cy="230832"/>
           </a:xfrm>
           <a:prstGeom prst="rect">
             <a:avLst/>
@@ -4941,96 +5942,16 @@
           </a:p>
         </p:txBody>
       </p:sp>
-      <p:cxnSp>
-        <p:nvCxnSpPr>
-          <p:cNvPr id="134" name="Conector angular 133"/>
-          <p:cNvCxnSpPr>
-            <a:stCxn id="125" idx="2"/>
-            <a:endCxn id="145" idx="0"/>
-          </p:cNvCxnSpPr>
-          <p:nvPr/>
-        </p:nvCxnSpPr>
-        <p:spPr>
-          <a:xfrm rot="16200000" flipH="1">
-            <a:off x="5612070" y="4641783"/>
-            <a:ext cx="225195" cy="377"/>
-          </a:xfrm>
-          <a:prstGeom prst="bentConnector3">
-            <a:avLst>
-              <a:gd name="adj1" fmla="val 50000"/>
-            </a:avLst>
-          </a:prstGeom>
-          <a:ln w="12700">
-            <a:solidFill>
-              <a:schemeClr val="tx1"/>
-            </a:solidFill>
-          </a:ln>
-        </p:spPr>
-        <p:style>
-          <a:lnRef idx="1">
-            <a:schemeClr val="accent1"/>
-          </a:lnRef>
-          <a:fillRef idx="0">
-            <a:schemeClr val="accent1"/>
-          </a:fillRef>
-          <a:effectRef idx="0">
-            <a:schemeClr val="accent1"/>
-          </a:effectRef>
-          <a:fontRef idx="minor">
-            <a:schemeClr val="tx1"/>
-          </a:fontRef>
-        </p:style>
-      </p:cxnSp>
-      <p:cxnSp>
-        <p:nvCxnSpPr>
-          <p:cNvPr id="144" name="Conector angular 143"/>
-          <p:cNvCxnSpPr>
-            <a:stCxn id="130" idx="2"/>
-            <a:endCxn id="146" idx="0"/>
-          </p:cNvCxnSpPr>
-          <p:nvPr/>
-        </p:nvCxnSpPr>
-        <p:spPr>
-          <a:xfrm rot="5400000">
-            <a:off x="6443841" y="4633320"/>
-            <a:ext cx="238745" cy="680"/>
-          </a:xfrm>
-          <a:prstGeom prst="bentConnector3">
-            <a:avLst>
-              <a:gd name="adj1" fmla="val 50000"/>
-            </a:avLst>
-          </a:prstGeom>
-          <a:ln w="12700">
-            <a:solidFill>
-              <a:schemeClr val="tx1"/>
-            </a:solidFill>
-          </a:ln>
-        </p:spPr>
-        <p:style>
-          <a:lnRef idx="1">
-            <a:schemeClr val="accent1"/>
-          </a:lnRef>
-          <a:fillRef idx="0">
-            <a:schemeClr val="accent1"/>
-          </a:fillRef>
-          <a:effectRef idx="0">
-            <a:schemeClr val="accent1"/>
-          </a:effectRef>
-          <a:fontRef idx="minor">
-            <a:schemeClr val="tx1"/>
-          </a:fontRef>
-        </p:style>
-      </p:cxnSp>
       <p:sp>
         <p:nvSpPr>
-          <p:cNvPr id="145" name="Rectángulo 144" descr="Nodo de cuarto nivel&#10;" title="Nodo04"/>
+          <p:cNvPr id="166" name="Rectángulo 165" descr="Nodo de cuarto nivel&#10;" title="Nodo04"/>
           <p:cNvSpPr/>
           <p:nvPr/>
         </p:nvSpPr>
         <p:spPr>
           <a:xfrm>
-            <a:off x="5336298" y="4754570"/>
-            <a:ext cx="777116" cy="348153"/>
+            <a:off x="7440771" y="4650219"/>
+            <a:ext cx="819529" cy="304773"/>
           </a:xfrm>
           <a:prstGeom prst="rect">
             <a:avLst/>
@@ -5076,14 +5997,14 @@
       </p:sp>
       <p:sp>
         <p:nvSpPr>
-          <p:cNvPr id="146" name="Rectángulo 145" descr="Nodo de cuarto nivel&#10;" title="Nodo04"/>
+          <p:cNvPr id="170" name="Rectángulo 169" descr="Nodo de cuarto nivel&#10;" title="Nodo04"/>
           <p:cNvSpPr/>
           <p:nvPr/>
         </p:nvSpPr>
         <p:spPr>
           <a:xfrm>
-            <a:off x="6174315" y="4753033"/>
-            <a:ext cx="777116" cy="348153"/>
+            <a:off x="8403724" y="4669879"/>
+            <a:ext cx="676162" cy="503247"/>
           </a:xfrm>
           <a:prstGeom prst="rect">
             <a:avLst/>
@@ -5129,7 +6050,7 @@
       </p:sp>
       <p:pic>
         <p:nvPicPr>
-          <p:cNvPr id="9" name="Imagen 8"/>
+          <p:cNvPr id="14" name="Imagen 13"/>
           <p:cNvPicPr>
             <a:picLocks noChangeAspect="1"/>
           </p:cNvPicPr>
@@ -5149,8 +6070,8 @@
         </p:blipFill>
         <p:spPr>
           <a:xfrm>
-            <a:off x="5369678" y="4881703"/>
-            <a:ext cx="736572" cy="128900"/>
+            <a:off x="7533955" y="4683837"/>
+            <a:ext cx="657317" cy="228632"/>
           </a:xfrm>
           <a:prstGeom prst="rect">
             <a:avLst/>
@@ -5159,7 +6080,7 @@
       </p:pic>
       <p:pic>
         <p:nvPicPr>
-          <p:cNvPr id="10" name="Imagen 9"/>
+          <p:cNvPr id="15" name="Imagen 14"/>
           <p:cNvPicPr>
             <a:picLocks noChangeAspect="1"/>
           </p:cNvPicPr>
@@ -5179,356 +6100,1055 @@
         </p:blipFill>
         <p:spPr>
           <a:xfrm>
-            <a:off x="6313961" y="4861223"/>
-            <a:ext cx="468391" cy="167782"/>
+            <a:off x="8444495" y="4717941"/>
+            <a:ext cx="594620" cy="431710"/>
           </a:xfrm>
           <a:prstGeom prst="rect">
             <a:avLst/>
           </a:prstGeom>
         </p:spPr>
       </p:pic>
-      <p:sp>
-        <p:nvSpPr>
-          <p:cNvPr id="148" name="Rectángulo 147" descr="Nodo de cuarto nivel&#10;" title="Nodo04"/>
-          <p:cNvSpPr/>
-          <p:nvPr/>
-        </p:nvSpPr>
-        <p:spPr>
-          <a:xfrm>
-            <a:off x="6116997" y="6017754"/>
-            <a:ext cx="1084829" cy="700089"/>
-          </a:xfrm>
-          <a:prstGeom prst="rect">
-            <a:avLst/>
-          </a:prstGeom>
-          <a:solidFill>
-            <a:schemeClr val="bg2">
-              <a:lumMod val="90000"/>
-            </a:schemeClr>
-          </a:solidFill>
-          <a:ln>
-            <a:solidFill>
-              <a:schemeClr val="tx1"/>
-            </a:solidFill>
-          </a:ln>
-        </p:spPr>
-        <p:style>
-          <a:lnRef idx="2">
-            <a:schemeClr val="accent6"/>
-          </a:lnRef>
-          <a:fillRef idx="1">
-            <a:schemeClr val="lt1"/>
-          </a:fillRef>
-          <a:effectRef idx="0">
-            <a:schemeClr val="accent6"/>
-          </a:effectRef>
-          <a:fontRef idx="minor">
-            <a:schemeClr val="dk1"/>
-          </a:fontRef>
-        </p:style>
-        <p:txBody>
-          <a:bodyPr rtlCol="0" anchor="ctr"/>
-          <a:lstStyle/>
-          <a:p>
-            <a:r>
-              <a:rPr lang="pt-BR" sz="850" dirty="0">
-                <a:solidFill>
-                  <a:schemeClr val="tx1"/>
-                </a:solidFill>
-                <a:latin typeface="Arial" panose="020B0604020202020204" pitchFamily="34" charset="0"/>
-                <a:cs typeface="Arial" panose="020B0604020202020204" pitchFamily="34" charset="0"/>
-              </a:rPr>
-              <a:t>· una base circular</a:t>
-            </a:r>
-          </a:p>
-          <a:p>
-            <a:r>
-              <a:rPr lang="pt-BR" sz="850" dirty="0">
-                <a:solidFill>
-                  <a:schemeClr val="tx1"/>
-                </a:solidFill>
-                <a:latin typeface="Arial" panose="020B0604020202020204" pitchFamily="34" charset="0"/>
-                <a:cs typeface="Arial" panose="020B0604020202020204" pitchFamily="34" charset="0"/>
-              </a:rPr>
-              <a:t>· altura</a:t>
-            </a:r>
-          </a:p>
-          <a:p>
-            <a:r>
-              <a:rPr lang="pt-BR" sz="850" dirty="0">
-                <a:solidFill>
-                  <a:schemeClr val="tx1"/>
-                </a:solidFill>
-                <a:latin typeface="Arial" panose="020B0604020202020204" pitchFamily="34" charset="0"/>
-                <a:cs typeface="Arial" panose="020B0604020202020204" pitchFamily="34" charset="0"/>
-              </a:rPr>
-              <a:t>· vértice</a:t>
-            </a:r>
-          </a:p>
-          <a:p>
-            <a:r>
-              <a:rPr lang="pt-BR" sz="850" dirty="0">
-                <a:solidFill>
-                  <a:schemeClr val="tx1"/>
-                </a:solidFill>
-                <a:latin typeface="Arial" panose="020B0604020202020204" pitchFamily="34" charset="0"/>
-                <a:cs typeface="Arial" panose="020B0604020202020204" pitchFamily="34" charset="0"/>
-              </a:rPr>
-              <a:t>· generatriz</a:t>
-            </a:r>
-          </a:p>
-          <a:p>
-            <a:r>
-              <a:rPr lang="pt-BR" sz="850" dirty="0">
-                <a:solidFill>
-                  <a:schemeClr val="tx1"/>
-                </a:solidFill>
-                <a:latin typeface="Arial" panose="020B0604020202020204" pitchFamily="34" charset="0"/>
-                <a:cs typeface="Arial" panose="020B0604020202020204" pitchFamily="34" charset="0"/>
-              </a:rPr>
-              <a:t>· </a:t>
-            </a:r>
-            <a:r>
-              <a:rPr lang="pt-BR" sz="850" dirty="0" smtClean="0">
-                <a:solidFill>
-                  <a:schemeClr val="tx1"/>
-                </a:solidFill>
-                <a:latin typeface="Arial" panose="020B0604020202020204" pitchFamily="34" charset="0"/>
-                <a:cs typeface="Arial" panose="020B0604020202020204" pitchFamily="34" charset="0"/>
-              </a:rPr>
-              <a:t>superfície </a:t>
-            </a:r>
-            <a:r>
-              <a:rPr lang="pt-BR" sz="850" dirty="0">
-                <a:solidFill>
-                  <a:schemeClr val="tx1"/>
-                </a:solidFill>
-                <a:latin typeface="Arial" panose="020B0604020202020204" pitchFamily="34" charset="0"/>
-                <a:cs typeface="Arial" panose="020B0604020202020204" pitchFamily="34" charset="0"/>
-              </a:rPr>
-              <a:t>lateral</a:t>
-            </a:r>
-            <a:endParaRPr lang="es-ES" sz="850" dirty="0">
-              <a:solidFill>
-                <a:schemeClr val="tx1"/>
-              </a:solidFill>
-              <a:latin typeface="Arial" panose="020B0604020202020204" pitchFamily="34" charset="0"/>
-              <a:cs typeface="Arial" panose="020B0604020202020204" pitchFamily="34" charset="0"/>
-            </a:endParaRPr>
-          </a:p>
-        </p:txBody>
-      </p:sp>
-      <p:sp>
-        <p:nvSpPr>
-          <p:cNvPr id="149" name="CuadroTexto 148" descr="Conector entre nodos" title="conector"/>
-          <p:cNvSpPr txBox="1"/>
-          <p:nvPr/>
-        </p:nvSpPr>
-        <p:spPr>
-          <a:xfrm>
-            <a:off x="6099983" y="5418403"/>
-            <a:ext cx="1120084" cy="230832"/>
-          </a:xfrm>
-          <a:prstGeom prst="rect">
-            <a:avLst/>
-          </a:prstGeom>
-          <a:noFill/>
-        </p:spPr>
-        <p:txBody>
-          <a:bodyPr wrap="square" rtlCol="0">
-            <a:spAutoFit/>
-          </a:bodyPr>
-          <a:lstStyle/>
-          <a:p>
-            <a:pPr algn="ctr"/>
-            <a:r>
-              <a:rPr lang="es-ES" sz="850" dirty="0" smtClean="0">
-                <a:latin typeface="Arial" panose="020B0604020202020204" pitchFamily="34" charset="0"/>
-                <a:cs typeface="Arial" panose="020B0604020202020204" pitchFamily="34" charset="0"/>
-              </a:rPr>
-              <a:t>elementos</a:t>
-            </a:r>
-            <a:endParaRPr lang="es-ES" sz="850" dirty="0">
-              <a:latin typeface="Arial" panose="020B0604020202020204" pitchFamily="34" charset="0"/>
-              <a:cs typeface="Arial" panose="020B0604020202020204" pitchFamily="34" charset="0"/>
-            </a:endParaRPr>
-          </a:p>
-        </p:txBody>
-      </p:sp>
-      <p:sp>
-        <p:nvSpPr>
-          <p:cNvPr id="150" name="CuadroTexto 149" descr="Conector entre nodos" title="conector"/>
-          <p:cNvSpPr txBox="1"/>
-          <p:nvPr/>
-        </p:nvSpPr>
-        <p:spPr>
-          <a:xfrm>
-            <a:off x="7643180" y="5397513"/>
-            <a:ext cx="1120084" cy="230832"/>
-          </a:xfrm>
-          <a:prstGeom prst="rect">
-            <a:avLst/>
-          </a:prstGeom>
-          <a:noFill/>
-        </p:spPr>
-        <p:txBody>
-          <a:bodyPr wrap="square" rtlCol="0">
-            <a:spAutoFit/>
-          </a:bodyPr>
-          <a:lstStyle/>
-          <a:p>
-            <a:pPr algn="ctr"/>
-            <a:r>
-              <a:rPr lang="es-ES" sz="850" dirty="0" smtClean="0">
-                <a:latin typeface="Arial" panose="020B0604020202020204" pitchFamily="34" charset="0"/>
-                <a:cs typeface="Arial" panose="020B0604020202020204" pitchFamily="34" charset="0"/>
-              </a:rPr>
-              <a:t>cálculos</a:t>
-            </a:r>
-            <a:endParaRPr lang="es-ES" sz="850" dirty="0">
-              <a:latin typeface="Arial" panose="020B0604020202020204" pitchFamily="34" charset="0"/>
-              <a:cs typeface="Arial" panose="020B0604020202020204" pitchFamily="34" charset="0"/>
-            </a:endParaRPr>
-          </a:p>
-        </p:txBody>
-      </p:sp>
-      <p:sp>
-        <p:nvSpPr>
-          <p:cNvPr id="151" name="CuadroTexto 150" descr="Conector entre nodos" title="conector"/>
-          <p:cNvSpPr txBox="1"/>
-          <p:nvPr/>
-        </p:nvSpPr>
-        <p:spPr>
-          <a:xfrm>
-            <a:off x="7187897" y="5762517"/>
-            <a:ext cx="1120084" cy="230832"/>
-          </a:xfrm>
-          <a:prstGeom prst="rect">
-            <a:avLst/>
-          </a:prstGeom>
-          <a:noFill/>
-        </p:spPr>
-        <p:txBody>
-          <a:bodyPr wrap="square" rtlCol="0">
-            <a:spAutoFit/>
-          </a:bodyPr>
-          <a:lstStyle/>
-          <a:p>
-            <a:pPr algn="ctr"/>
-            <a:r>
-              <a:rPr lang="es-ES" sz="850" dirty="0" smtClean="0">
-                <a:latin typeface="Arial" panose="020B0604020202020204" pitchFamily="34" charset="0"/>
-                <a:cs typeface="Arial" panose="020B0604020202020204" pitchFamily="34" charset="0"/>
-              </a:rPr>
-              <a:t>área</a:t>
-            </a:r>
-            <a:endParaRPr lang="es-ES" sz="850" dirty="0">
-              <a:latin typeface="Arial" panose="020B0604020202020204" pitchFamily="34" charset="0"/>
-              <a:cs typeface="Arial" panose="020B0604020202020204" pitchFamily="34" charset="0"/>
-            </a:endParaRPr>
-          </a:p>
-        </p:txBody>
-      </p:sp>
-      <p:sp>
-        <p:nvSpPr>
-          <p:cNvPr id="152" name="CuadroTexto 151" descr="Conector entre nodos" title="conector"/>
-          <p:cNvSpPr txBox="1"/>
-          <p:nvPr/>
-        </p:nvSpPr>
-        <p:spPr>
-          <a:xfrm>
-            <a:off x="8122533" y="5763302"/>
-            <a:ext cx="1120084" cy="230832"/>
-          </a:xfrm>
-          <a:prstGeom prst="rect">
-            <a:avLst/>
-          </a:prstGeom>
-          <a:noFill/>
-        </p:spPr>
-        <p:txBody>
-          <a:bodyPr wrap="square" rtlCol="0">
-            <a:spAutoFit/>
-          </a:bodyPr>
-          <a:lstStyle/>
-          <a:p>
-            <a:pPr algn="ctr"/>
-            <a:r>
-              <a:rPr lang="es-ES" sz="850" dirty="0" smtClean="0">
-                <a:latin typeface="Arial" panose="020B0604020202020204" pitchFamily="34" charset="0"/>
-                <a:cs typeface="Arial" panose="020B0604020202020204" pitchFamily="34" charset="0"/>
-              </a:rPr>
-              <a:t>volumen</a:t>
-            </a:r>
-            <a:endParaRPr lang="es-ES" sz="850" dirty="0">
-              <a:latin typeface="Arial" panose="020B0604020202020204" pitchFamily="34" charset="0"/>
-              <a:cs typeface="Arial" panose="020B0604020202020204" pitchFamily="34" charset="0"/>
-            </a:endParaRPr>
-          </a:p>
-        </p:txBody>
-      </p:sp>
-      <p:sp>
-        <p:nvSpPr>
-          <p:cNvPr id="153" name="Rectángulo 152" descr="Nodo de cuarto nivel&#10;" title="Nodo04"/>
-          <p:cNvSpPr/>
-          <p:nvPr/>
-        </p:nvSpPr>
-        <p:spPr>
-          <a:xfrm>
-            <a:off x="7303475" y="6050242"/>
-            <a:ext cx="887797" cy="333342"/>
-          </a:xfrm>
-          <a:prstGeom prst="rect">
-            <a:avLst/>
-          </a:prstGeom>
-          <a:solidFill>
-            <a:schemeClr val="bg2">
-              <a:lumMod val="90000"/>
-            </a:schemeClr>
-          </a:solidFill>
-          <a:ln>
-            <a:solidFill>
-              <a:schemeClr val="tx1"/>
-            </a:solidFill>
-          </a:ln>
-        </p:spPr>
-        <p:style>
-          <a:lnRef idx="2">
-            <a:schemeClr val="accent6"/>
-          </a:lnRef>
-          <a:fillRef idx="1">
-            <a:schemeClr val="lt1"/>
-          </a:fillRef>
-          <a:effectRef idx="0">
-            <a:schemeClr val="accent6"/>
-          </a:effectRef>
-          <a:fontRef idx="minor">
-            <a:schemeClr val="dk1"/>
-          </a:fontRef>
-        </p:style>
-        <p:txBody>
-          <a:bodyPr rtlCol="0" anchor="ctr"/>
-          <a:lstStyle/>
-          <a:p>
-            <a:endParaRPr lang="es-ES" sz="850" dirty="0">
-              <a:solidFill>
-                <a:schemeClr val="tx1"/>
-              </a:solidFill>
-              <a:latin typeface="Arial" panose="020B0604020202020204" pitchFamily="34" charset="0"/>
-              <a:cs typeface="Arial" panose="020B0604020202020204" pitchFamily="34" charset="0"/>
-            </a:endParaRPr>
-          </a:p>
-        </p:txBody>
-      </p:sp>
+      <p:cxnSp>
+        <p:nvCxnSpPr>
+          <p:cNvPr id="171" name="Conector angular 170"/>
+          <p:cNvCxnSpPr>
+            <a:stCxn id="4" idx="2"/>
+            <a:endCxn id="335" idx="0"/>
+          </p:cNvCxnSpPr>
+          <p:nvPr/>
+        </p:nvCxnSpPr>
+        <p:spPr>
+          <a:xfrm rot="16200000" flipH="1">
+            <a:off x="5876804" y="-694071"/>
+            <a:ext cx="295301" cy="2545714"/>
+          </a:xfrm>
+          <a:prstGeom prst="bentConnector3">
+            <a:avLst>
+              <a:gd name="adj1" fmla="val 50000"/>
+            </a:avLst>
+          </a:prstGeom>
+          <a:ln w="12700">
+            <a:solidFill>
+              <a:schemeClr val="tx1"/>
+            </a:solidFill>
+          </a:ln>
+        </p:spPr>
+        <p:style>
+          <a:lnRef idx="1">
+            <a:schemeClr val="accent1"/>
+          </a:lnRef>
+          <a:fillRef idx="0">
+            <a:schemeClr val="accent1"/>
+          </a:fillRef>
+          <a:effectRef idx="0">
+            <a:schemeClr val="accent1"/>
+          </a:effectRef>
+          <a:fontRef idx="minor">
+            <a:schemeClr val="tx1"/>
+          </a:fontRef>
+        </p:style>
+      </p:cxnSp>
+      <p:cxnSp>
+        <p:nvCxnSpPr>
+          <p:cNvPr id="176" name="Conector angular 175"/>
+          <p:cNvCxnSpPr>
+            <a:stCxn id="143" idx="2"/>
+            <a:endCxn id="364" idx="0"/>
+          </p:cNvCxnSpPr>
+          <p:nvPr/>
+        </p:nvCxnSpPr>
+        <p:spPr>
+          <a:xfrm rot="5400000">
+            <a:off x="2139892" y="2858977"/>
+            <a:ext cx="417528" cy="1404116"/>
+          </a:xfrm>
+          <a:prstGeom prst="bentConnector3">
+            <a:avLst>
+              <a:gd name="adj1" fmla="val 50000"/>
+            </a:avLst>
+          </a:prstGeom>
+          <a:ln w="12700">
+            <a:solidFill>
+              <a:schemeClr val="tx1"/>
+            </a:solidFill>
+          </a:ln>
+        </p:spPr>
+        <p:style>
+          <a:lnRef idx="1">
+            <a:schemeClr val="accent1"/>
+          </a:lnRef>
+          <a:fillRef idx="0">
+            <a:schemeClr val="accent1"/>
+          </a:fillRef>
+          <a:effectRef idx="0">
+            <a:schemeClr val="accent1"/>
+          </a:effectRef>
+          <a:fontRef idx="minor">
+            <a:schemeClr val="tx1"/>
+          </a:fontRef>
+        </p:style>
+      </p:cxnSp>
+      <p:cxnSp>
+        <p:nvCxnSpPr>
+          <p:cNvPr id="177" name="Conector angular 176"/>
+          <p:cNvCxnSpPr>
+            <a:stCxn id="143" idx="2"/>
+            <a:endCxn id="366" idx="0"/>
+          </p:cNvCxnSpPr>
+          <p:nvPr/>
+        </p:nvCxnSpPr>
+        <p:spPr>
+          <a:xfrm rot="16200000" flipH="1">
+            <a:off x="3434863" y="2968121"/>
+            <a:ext cx="417729" cy="1186027"/>
+          </a:xfrm>
+          <a:prstGeom prst="bentConnector3">
+            <a:avLst>
+              <a:gd name="adj1" fmla="val 50000"/>
+            </a:avLst>
+          </a:prstGeom>
+          <a:ln w="12700">
+            <a:solidFill>
+              <a:schemeClr val="tx1"/>
+            </a:solidFill>
+          </a:ln>
+        </p:spPr>
+        <p:style>
+          <a:lnRef idx="1">
+            <a:schemeClr val="accent1"/>
+          </a:lnRef>
+          <a:fillRef idx="0">
+            <a:schemeClr val="accent1"/>
+          </a:fillRef>
+          <a:effectRef idx="0">
+            <a:schemeClr val="accent1"/>
+          </a:effectRef>
+          <a:fontRef idx="minor">
+            <a:schemeClr val="tx1"/>
+          </a:fontRef>
+        </p:style>
+      </p:cxnSp>
+      <p:cxnSp>
+        <p:nvCxnSpPr>
+          <p:cNvPr id="178" name="Conector angular 177"/>
+          <p:cNvCxnSpPr>
+            <a:stCxn id="143" idx="2"/>
+            <a:endCxn id="309" idx="0"/>
+          </p:cNvCxnSpPr>
+          <p:nvPr/>
+        </p:nvCxnSpPr>
+        <p:spPr>
+          <a:xfrm rot="5400000">
+            <a:off x="2694386" y="3414327"/>
+            <a:ext cx="418384" cy="294273"/>
+          </a:xfrm>
+          <a:prstGeom prst="bentConnector3">
+            <a:avLst>
+              <a:gd name="adj1" fmla="val 50000"/>
+            </a:avLst>
+          </a:prstGeom>
+          <a:ln w="12700">
+            <a:solidFill>
+              <a:schemeClr val="tx1"/>
+            </a:solidFill>
+          </a:ln>
+        </p:spPr>
+        <p:style>
+          <a:lnRef idx="1">
+            <a:schemeClr val="accent1"/>
+          </a:lnRef>
+          <a:fillRef idx="0">
+            <a:schemeClr val="accent1"/>
+          </a:fillRef>
+          <a:effectRef idx="0">
+            <a:schemeClr val="accent1"/>
+          </a:effectRef>
+          <a:fontRef idx="minor">
+            <a:schemeClr val="tx1"/>
+          </a:fontRef>
+        </p:style>
+      </p:cxnSp>
+      <p:cxnSp>
+        <p:nvCxnSpPr>
+          <p:cNvPr id="179" name="Conector angular 178"/>
+          <p:cNvCxnSpPr>
+            <a:stCxn id="364" idx="2"/>
+            <a:endCxn id="165" idx="0"/>
+          </p:cNvCxnSpPr>
+          <p:nvPr/>
+        </p:nvCxnSpPr>
+        <p:spPr>
+          <a:xfrm rot="5400000">
+            <a:off x="1446242" y="4124471"/>
+            <a:ext cx="253526" cy="147186"/>
+          </a:xfrm>
+          <a:prstGeom prst="bentConnector3">
+            <a:avLst>
+              <a:gd name="adj1" fmla="val 50000"/>
+            </a:avLst>
+          </a:prstGeom>
+          <a:ln w="12700">
+            <a:solidFill>
+              <a:schemeClr val="tx1"/>
+            </a:solidFill>
+          </a:ln>
+        </p:spPr>
+        <p:style>
+          <a:lnRef idx="1">
+            <a:schemeClr val="accent1"/>
+          </a:lnRef>
+          <a:fillRef idx="0">
+            <a:schemeClr val="accent1"/>
+          </a:fillRef>
+          <a:effectRef idx="0">
+            <a:schemeClr val="accent1"/>
+          </a:effectRef>
+          <a:fontRef idx="minor">
+            <a:schemeClr val="tx1"/>
+          </a:fontRef>
+        </p:style>
+      </p:cxnSp>
+      <p:cxnSp>
+        <p:nvCxnSpPr>
+          <p:cNvPr id="183" name="Conector angular 182"/>
+          <p:cNvCxnSpPr>
+            <a:stCxn id="206" idx="0"/>
+            <a:endCxn id="205" idx="0"/>
+          </p:cNvCxnSpPr>
+          <p:nvPr/>
+        </p:nvCxnSpPr>
+        <p:spPr>
+          <a:xfrm rot="16200000" flipH="1" flipV="1">
+            <a:off x="3040607" y="5722462"/>
+            <a:ext cx="14129" cy="824393"/>
+          </a:xfrm>
+          <a:prstGeom prst="bentConnector3">
+            <a:avLst>
+              <a:gd name="adj1" fmla="val -1617949"/>
+            </a:avLst>
+          </a:prstGeom>
+          <a:ln w="12700">
+            <a:solidFill>
+              <a:schemeClr val="tx1"/>
+            </a:solidFill>
+          </a:ln>
+        </p:spPr>
+        <p:style>
+          <a:lnRef idx="1">
+            <a:schemeClr val="accent1"/>
+          </a:lnRef>
+          <a:fillRef idx="0">
+            <a:schemeClr val="accent1"/>
+          </a:fillRef>
+          <a:effectRef idx="0">
+            <a:schemeClr val="accent1"/>
+          </a:effectRef>
+          <a:fontRef idx="minor">
+            <a:schemeClr val="tx1"/>
+          </a:fontRef>
+        </p:style>
+      </p:cxnSp>
+      <p:cxnSp>
+        <p:nvCxnSpPr>
+          <p:cNvPr id="188" name="Conector angular 187"/>
+          <p:cNvCxnSpPr>
+            <a:stCxn id="366" idx="2"/>
+            <a:endCxn id="294" idx="0"/>
+          </p:cNvCxnSpPr>
+          <p:nvPr/>
+        </p:nvCxnSpPr>
+        <p:spPr>
+          <a:xfrm rot="16200000" flipH="1">
+            <a:off x="4322437" y="3935383"/>
+            <a:ext cx="319072" cy="490464"/>
+          </a:xfrm>
+          <a:prstGeom prst="bentConnector3">
+            <a:avLst>
+              <a:gd name="adj1" fmla="val 50000"/>
+            </a:avLst>
+          </a:prstGeom>
+          <a:ln w="12700">
+            <a:solidFill>
+              <a:schemeClr val="tx1"/>
+            </a:solidFill>
+          </a:ln>
+        </p:spPr>
+        <p:style>
+          <a:lnRef idx="1">
+            <a:schemeClr val="accent1"/>
+          </a:lnRef>
+          <a:fillRef idx="0">
+            <a:schemeClr val="accent1"/>
+          </a:fillRef>
+          <a:effectRef idx="0">
+            <a:schemeClr val="accent1"/>
+          </a:effectRef>
+          <a:fontRef idx="minor">
+            <a:schemeClr val="tx1"/>
+          </a:fontRef>
+        </p:style>
+      </p:cxnSp>
+      <p:cxnSp>
+        <p:nvCxnSpPr>
+          <p:cNvPr id="189" name="Conector angular 188"/>
+          <p:cNvCxnSpPr>
+            <a:stCxn id="121" idx="2"/>
+            <a:endCxn id="124" idx="0"/>
+          </p:cNvCxnSpPr>
+          <p:nvPr/>
+        </p:nvCxnSpPr>
+        <p:spPr>
+          <a:xfrm rot="16200000" flipH="1">
+            <a:off x="6703590" y="2368712"/>
+            <a:ext cx="115383" cy="524"/>
+          </a:xfrm>
+          <a:prstGeom prst="bentConnector3">
+            <a:avLst>
+              <a:gd name="adj1" fmla="val 50000"/>
+            </a:avLst>
+          </a:prstGeom>
+          <a:ln w="12700">
+            <a:solidFill>
+              <a:schemeClr val="tx1"/>
+            </a:solidFill>
+          </a:ln>
+        </p:spPr>
+        <p:style>
+          <a:lnRef idx="1">
+            <a:schemeClr val="accent1"/>
+          </a:lnRef>
+          <a:fillRef idx="0">
+            <a:schemeClr val="accent1"/>
+          </a:fillRef>
+          <a:effectRef idx="0">
+            <a:schemeClr val="accent1"/>
+          </a:effectRef>
+          <a:fontRef idx="minor">
+            <a:schemeClr val="tx1"/>
+          </a:fontRef>
+        </p:style>
+      </p:cxnSp>
+      <p:cxnSp>
+        <p:nvCxnSpPr>
+          <p:cNvPr id="194" name="Conector angular 193"/>
+          <p:cNvCxnSpPr>
+            <a:stCxn id="120" idx="2"/>
+          </p:cNvCxnSpPr>
+          <p:nvPr/>
+        </p:nvCxnSpPr>
+        <p:spPr>
+          <a:xfrm rot="5400000">
+            <a:off x="5233269" y="3180065"/>
+            <a:ext cx="1740678" cy="4442"/>
+          </a:xfrm>
+          <a:prstGeom prst="bentConnector3">
+            <a:avLst>
+              <a:gd name="adj1" fmla="val 50000"/>
+            </a:avLst>
+          </a:prstGeom>
+          <a:ln w="12700">
+            <a:solidFill>
+              <a:schemeClr val="tx1"/>
+            </a:solidFill>
+          </a:ln>
+        </p:spPr>
+        <p:style>
+          <a:lnRef idx="1">
+            <a:schemeClr val="accent1"/>
+          </a:lnRef>
+          <a:fillRef idx="0">
+            <a:schemeClr val="accent1"/>
+          </a:fillRef>
+          <a:effectRef idx="0">
+            <a:schemeClr val="accent1"/>
+          </a:effectRef>
+          <a:fontRef idx="minor">
+            <a:schemeClr val="tx1"/>
+          </a:fontRef>
+        </p:style>
+      </p:cxnSp>
+      <p:cxnSp>
+        <p:nvCxnSpPr>
+          <p:cNvPr id="204" name="Conector angular 203"/>
+          <p:cNvCxnSpPr>
+            <a:stCxn id="110" idx="2"/>
+          </p:cNvCxnSpPr>
+          <p:nvPr/>
+        </p:nvCxnSpPr>
+        <p:spPr>
+          <a:xfrm rot="16200000" flipH="1">
+            <a:off x="5608407" y="3482496"/>
+            <a:ext cx="3378807" cy="2451"/>
+          </a:xfrm>
+          <a:prstGeom prst="bentConnector3">
+            <a:avLst>
+              <a:gd name="adj1" fmla="val 50000"/>
+            </a:avLst>
+          </a:prstGeom>
+          <a:ln w="12700">
+            <a:solidFill>
+              <a:schemeClr val="tx1"/>
+            </a:solidFill>
+          </a:ln>
+        </p:spPr>
+        <p:style>
+          <a:lnRef idx="1">
+            <a:schemeClr val="accent1"/>
+          </a:lnRef>
+          <a:fillRef idx="0">
+            <a:schemeClr val="accent1"/>
+          </a:fillRef>
+          <a:effectRef idx="0">
+            <a:schemeClr val="accent1"/>
+          </a:effectRef>
+          <a:fontRef idx="minor">
+            <a:schemeClr val="tx1"/>
+          </a:fontRef>
+        </p:style>
+      </p:cxnSp>
+      <p:cxnSp>
+        <p:nvCxnSpPr>
+          <p:cNvPr id="207" name="Conector angular 206"/>
+          <p:cNvCxnSpPr>
+            <a:stCxn id="150" idx="0"/>
+            <a:endCxn id="149" idx="0"/>
+          </p:cNvCxnSpPr>
+          <p:nvPr/>
+        </p:nvCxnSpPr>
+        <p:spPr>
+          <a:xfrm rot="16200000" flipH="1" flipV="1">
+            <a:off x="7421179" y="4636359"/>
+            <a:ext cx="20890" cy="1543197"/>
+          </a:xfrm>
+          <a:prstGeom prst="bentConnector3">
+            <a:avLst>
+              <a:gd name="adj1" fmla="val -1094303"/>
+            </a:avLst>
+          </a:prstGeom>
+          <a:ln w="12700">
+            <a:solidFill>
+              <a:schemeClr val="tx1"/>
+            </a:solidFill>
+          </a:ln>
+        </p:spPr>
+        <p:style>
+          <a:lnRef idx="1">
+            <a:schemeClr val="accent1"/>
+          </a:lnRef>
+          <a:fillRef idx="0">
+            <a:schemeClr val="accent1"/>
+          </a:fillRef>
+          <a:effectRef idx="0">
+            <a:schemeClr val="accent1"/>
+          </a:effectRef>
+          <a:fontRef idx="minor">
+            <a:schemeClr val="tx1"/>
+          </a:fontRef>
+        </p:style>
+      </p:cxnSp>
+      <p:cxnSp>
+        <p:nvCxnSpPr>
+          <p:cNvPr id="217" name="Conector angular 216"/>
+          <p:cNvCxnSpPr>
+            <a:stCxn id="150" idx="2"/>
+            <a:endCxn id="151" idx="0"/>
+          </p:cNvCxnSpPr>
+          <p:nvPr/>
+        </p:nvCxnSpPr>
+        <p:spPr>
+          <a:xfrm rot="5400000">
+            <a:off x="7908495" y="5467790"/>
+            <a:ext cx="134172" cy="455283"/>
+          </a:xfrm>
+          <a:prstGeom prst="bentConnector3">
+            <a:avLst>
+              <a:gd name="adj1" fmla="val 50000"/>
+            </a:avLst>
+          </a:prstGeom>
+          <a:ln w="12700">
+            <a:solidFill>
+              <a:schemeClr val="tx1"/>
+            </a:solidFill>
+          </a:ln>
+        </p:spPr>
+        <p:style>
+          <a:lnRef idx="1">
+            <a:schemeClr val="accent1"/>
+          </a:lnRef>
+          <a:fillRef idx="0">
+            <a:schemeClr val="accent1"/>
+          </a:fillRef>
+          <a:effectRef idx="0">
+            <a:schemeClr val="accent1"/>
+          </a:effectRef>
+          <a:fontRef idx="minor">
+            <a:schemeClr val="tx1"/>
+          </a:fontRef>
+        </p:style>
+      </p:cxnSp>
+      <p:cxnSp>
+        <p:nvCxnSpPr>
+          <p:cNvPr id="218" name="Conector angular 217"/>
+          <p:cNvCxnSpPr>
+            <a:stCxn id="149" idx="2"/>
+            <a:endCxn id="148" idx="0"/>
+          </p:cNvCxnSpPr>
+          <p:nvPr/>
+        </p:nvCxnSpPr>
+        <p:spPr>
+          <a:xfrm rot="5400000">
+            <a:off x="6475460" y="5833188"/>
+            <a:ext cx="368519" cy="613"/>
+          </a:xfrm>
+          <a:prstGeom prst="bentConnector3">
+            <a:avLst>
+              <a:gd name="adj1" fmla="val 50000"/>
+            </a:avLst>
+          </a:prstGeom>
+          <a:ln w="12700">
+            <a:solidFill>
+              <a:schemeClr val="tx1"/>
+            </a:solidFill>
+          </a:ln>
+        </p:spPr>
+        <p:style>
+          <a:lnRef idx="1">
+            <a:schemeClr val="accent1"/>
+          </a:lnRef>
+          <a:fillRef idx="0">
+            <a:schemeClr val="accent1"/>
+          </a:fillRef>
+          <a:effectRef idx="0">
+            <a:schemeClr val="accent1"/>
+          </a:effectRef>
+          <a:fontRef idx="minor">
+            <a:schemeClr val="tx1"/>
+          </a:fontRef>
+        </p:style>
+      </p:cxnSp>
+      <p:cxnSp>
+        <p:nvCxnSpPr>
+          <p:cNvPr id="224" name="Conector angular 223"/>
+          <p:cNvCxnSpPr>
+            <a:stCxn id="150" idx="2"/>
+            <a:endCxn id="152" idx="0"/>
+          </p:cNvCxnSpPr>
+          <p:nvPr/>
+        </p:nvCxnSpPr>
+        <p:spPr>
+          <a:xfrm rot="16200000" flipH="1">
+            <a:off x="8375420" y="5456146"/>
+            <a:ext cx="134957" cy="479353"/>
+          </a:xfrm>
+          <a:prstGeom prst="bentConnector3">
+            <a:avLst>
+              <a:gd name="adj1" fmla="val 50000"/>
+            </a:avLst>
+          </a:prstGeom>
+          <a:ln w="12700">
+            <a:solidFill>
+              <a:schemeClr val="tx1"/>
+            </a:solidFill>
+          </a:ln>
+        </p:spPr>
+        <p:style>
+          <a:lnRef idx="1">
+            <a:schemeClr val="accent1"/>
+          </a:lnRef>
+          <a:fillRef idx="0">
+            <a:schemeClr val="accent1"/>
+          </a:fillRef>
+          <a:effectRef idx="0">
+            <a:schemeClr val="accent1"/>
+          </a:effectRef>
+          <a:fontRef idx="minor">
+            <a:schemeClr val="tx1"/>
+          </a:fontRef>
+        </p:style>
+      </p:cxnSp>
+      <p:cxnSp>
+        <p:nvCxnSpPr>
+          <p:cNvPr id="225" name="Conector angular 224"/>
+          <p:cNvCxnSpPr>
+            <a:stCxn id="159" idx="2"/>
+          </p:cNvCxnSpPr>
+          <p:nvPr/>
+        </p:nvCxnSpPr>
+        <p:spPr>
+          <a:xfrm rot="5400000">
+            <a:off x="7640230" y="3214521"/>
+            <a:ext cx="1905343" cy="436"/>
+          </a:xfrm>
+          <a:prstGeom prst="bentConnector3">
+            <a:avLst>
+              <a:gd name="adj1" fmla="val 50000"/>
+            </a:avLst>
+          </a:prstGeom>
+          <a:ln w="12700">
+            <a:solidFill>
+              <a:schemeClr val="tx1"/>
+            </a:solidFill>
+          </a:ln>
+        </p:spPr>
+        <p:style>
+          <a:lnRef idx="1">
+            <a:schemeClr val="accent1"/>
+          </a:lnRef>
+          <a:fillRef idx="0">
+            <a:schemeClr val="accent1"/>
+          </a:fillRef>
+          <a:effectRef idx="0">
+            <a:schemeClr val="accent1"/>
+          </a:effectRef>
+          <a:fontRef idx="minor">
+            <a:schemeClr val="tx1"/>
+          </a:fontRef>
+        </p:style>
+      </p:cxnSp>
+      <p:cxnSp>
+        <p:nvCxnSpPr>
+          <p:cNvPr id="226" name="Conector angular 225"/>
+          <p:cNvCxnSpPr>
+            <a:stCxn id="164" idx="0"/>
+            <a:endCxn id="163" idx="0"/>
+          </p:cNvCxnSpPr>
+          <p:nvPr/>
+        </p:nvCxnSpPr>
+        <p:spPr>
+          <a:xfrm rot="16200000" flipV="1">
+            <a:off x="8289178" y="3946303"/>
+            <a:ext cx="7928" cy="898919"/>
+          </a:xfrm>
+          <a:prstGeom prst="bentConnector3">
+            <a:avLst>
+              <a:gd name="adj1" fmla="val 2983451"/>
+            </a:avLst>
+          </a:prstGeom>
+          <a:ln w="12700">
+            <a:solidFill>
+              <a:schemeClr val="tx1"/>
+            </a:solidFill>
+          </a:ln>
+        </p:spPr>
+        <p:style>
+          <a:lnRef idx="1">
+            <a:schemeClr val="accent1"/>
+          </a:lnRef>
+          <a:fillRef idx="0">
+            <a:schemeClr val="accent1"/>
+          </a:fillRef>
+          <a:effectRef idx="0">
+            <a:schemeClr val="accent1"/>
+          </a:effectRef>
+          <a:fontRef idx="minor">
+            <a:schemeClr val="tx1"/>
+          </a:fontRef>
+        </p:style>
+      </p:cxnSp>
+      <p:cxnSp>
+        <p:nvCxnSpPr>
+          <p:cNvPr id="229" name="Conector angular 228"/>
+          <p:cNvCxnSpPr/>
+          <p:nvPr/>
+        </p:nvCxnSpPr>
+        <p:spPr>
+          <a:xfrm rot="5400000">
+            <a:off x="8727268" y="4624106"/>
+            <a:ext cx="79222" cy="876"/>
+          </a:xfrm>
+          <a:prstGeom prst="bentConnector3">
+            <a:avLst>
+              <a:gd name="adj1" fmla="val 50000"/>
+            </a:avLst>
+          </a:prstGeom>
+          <a:ln w="12700">
+            <a:solidFill>
+              <a:schemeClr val="tx1"/>
+            </a:solidFill>
+          </a:ln>
+        </p:spPr>
+        <p:style>
+          <a:lnRef idx="1">
+            <a:schemeClr val="accent1"/>
+          </a:lnRef>
+          <a:fillRef idx="0">
+            <a:schemeClr val="accent1"/>
+          </a:fillRef>
+          <a:effectRef idx="0">
+            <a:schemeClr val="accent1"/>
+          </a:effectRef>
+          <a:fontRef idx="minor">
+            <a:schemeClr val="tx1"/>
+          </a:fontRef>
+        </p:style>
+      </p:cxnSp>
+      <p:cxnSp>
+        <p:nvCxnSpPr>
+          <p:cNvPr id="230" name="Conector angular 229"/>
+          <p:cNvCxnSpPr/>
+          <p:nvPr/>
+        </p:nvCxnSpPr>
+        <p:spPr>
+          <a:xfrm rot="5400000">
+            <a:off x="7811362" y="4616292"/>
+            <a:ext cx="79222" cy="876"/>
+          </a:xfrm>
+          <a:prstGeom prst="bentConnector3">
+            <a:avLst>
+              <a:gd name="adj1" fmla="val 50000"/>
+            </a:avLst>
+          </a:prstGeom>
+          <a:ln w="12700">
+            <a:solidFill>
+              <a:schemeClr val="tx1"/>
+            </a:solidFill>
+          </a:ln>
+        </p:spPr>
+        <p:style>
+          <a:lnRef idx="1">
+            <a:schemeClr val="accent1"/>
+          </a:lnRef>
+          <a:fillRef idx="0">
+            <a:schemeClr val="accent1"/>
+          </a:fillRef>
+          <a:effectRef idx="0">
+            <a:schemeClr val="accent1"/>
+          </a:effectRef>
+          <a:fontRef idx="minor">
+            <a:schemeClr val="tx1"/>
+          </a:fontRef>
+        </p:style>
+      </p:cxnSp>
+      <p:cxnSp>
+        <p:nvCxnSpPr>
+          <p:cNvPr id="231" name="Conector angular 230"/>
+          <p:cNvCxnSpPr>
+            <a:stCxn id="151" idx="2"/>
+            <a:endCxn id="153" idx="0"/>
+          </p:cNvCxnSpPr>
+          <p:nvPr/>
+        </p:nvCxnSpPr>
+        <p:spPr>
+          <a:xfrm rot="5400000">
+            <a:off x="7719211" y="6021513"/>
+            <a:ext cx="56893" cy="565"/>
+          </a:xfrm>
+          <a:prstGeom prst="bentConnector3">
+            <a:avLst>
+              <a:gd name="adj1" fmla="val 50000"/>
+            </a:avLst>
+          </a:prstGeom>
+          <a:ln w="12700">
+            <a:solidFill>
+              <a:schemeClr val="tx1"/>
+            </a:solidFill>
+          </a:ln>
+        </p:spPr>
+        <p:style>
+          <a:lnRef idx="1">
+            <a:schemeClr val="accent1"/>
+          </a:lnRef>
+          <a:fillRef idx="0">
+            <a:schemeClr val="accent1"/>
+          </a:fillRef>
+          <a:effectRef idx="0">
+            <a:schemeClr val="accent1"/>
+          </a:effectRef>
+          <a:fontRef idx="minor">
+            <a:schemeClr val="tx1"/>
+          </a:fontRef>
+        </p:style>
+      </p:cxnSp>
+      <p:cxnSp>
+        <p:nvCxnSpPr>
+          <p:cNvPr id="233" name="Conector angular 232"/>
+          <p:cNvCxnSpPr>
+            <a:stCxn id="152" idx="2"/>
+            <a:endCxn id="154" idx="0"/>
+          </p:cNvCxnSpPr>
+          <p:nvPr/>
+        </p:nvCxnSpPr>
+        <p:spPr>
+          <a:xfrm rot="16200000" flipH="1">
+            <a:off x="8656039" y="6020670"/>
+            <a:ext cx="53606" cy="534"/>
+          </a:xfrm>
+          <a:prstGeom prst="bentConnector3">
+            <a:avLst>
+              <a:gd name="adj1" fmla="val 50000"/>
+            </a:avLst>
+          </a:prstGeom>
+          <a:ln w="12700">
+            <a:solidFill>
+              <a:schemeClr val="tx1"/>
+            </a:solidFill>
+          </a:ln>
+        </p:spPr>
+        <p:style>
+          <a:lnRef idx="1">
+            <a:schemeClr val="accent1"/>
+          </a:lnRef>
+          <a:fillRef idx="0">
+            <a:schemeClr val="accent1"/>
+          </a:fillRef>
+          <a:effectRef idx="0">
+            <a:schemeClr val="accent1"/>
+          </a:effectRef>
+          <a:fontRef idx="minor">
+            <a:schemeClr val="tx1"/>
+          </a:fontRef>
+        </p:style>
+      </p:cxnSp>
+      <p:cxnSp>
+        <p:nvCxnSpPr>
+          <p:cNvPr id="167" name="Conector angular 166"/>
+          <p:cNvCxnSpPr>
+            <a:stCxn id="339" idx="2"/>
+            <a:endCxn id="120" idx="0"/>
+          </p:cNvCxnSpPr>
+          <p:nvPr/>
+        </p:nvCxnSpPr>
+        <p:spPr>
+          <a:xfrm rot="5400000">
+            <a:off x="6124599" y="1775550"/>
+            <a:ext cx="286796" cy="324335"/>
+          </a:xfrm>
+          <a:prstGeom prst="bentConnector3">
+            <a:avLst>
+              <a:gd name="adj1" fmla="val 50000"/>
+            </a:avLst>
+          </a:prstGeom>
+          <a:ln w="12700">
+            <a:solidFill>
+              <a:schemeClr val="tx1"/>
+            </a:solidFill>
+          </a:ln>
+        </p:spPr>
+        <p:style>
+          <a:lnRef idx="1">
+            <a:schemeClr val="accent1"/>
+          </a:lnRef>
+          <a:fillRef idx="0">
+            <a:schemeClr val="accent1"/>
+          </a:fillRef>
+          <a:effectRef idx="0">
+            <a:schemeClr val="accent1"/>
+          </a:effectRef>
+          <a:fontRef idx="minor">
+            <a:schemeClr val="tx1"/>
+          </a:fontRef>
+        </p:style>
+      </p:cxnSp>
+      <p:cxnSp>
+        <p:nvCxnSpPr>
+          <p:cNvPr id="252" name="Conector angular 251"/>
+          <p:cNvCxnSpPr>
+            <a:stCxn id="335" idx="2"/>
+            <a:endCxn id="110" idx="0"/>
+          </p:cNvCxnSpPr>
+          <p:nvPr/>
+        </p:nvCxnSpPr>
+        <p:spPr>
+          <a:xfrm rot="5400000">
+            <a:off x="7161635" y="1301169"/>
+            <a:ext cx="270627" cy="726"/>
+          </a:xfrm>
+          <a:prstGeom prst="bentConnector3">
+            <a:avLst>
+              <a:gd name="adj1" fmla="val 50000"/>
+            </a:avLst>
+          </a:prstGeom>
+          <a:ln w="12700">
+            <a:solidFill>
+              <a:schemeClr val="tx1"/>
+            </a:solidFill>
+          </a:ln>
+        </p:spPr>
+        <p:style>
+          <a:lnRef idx="1">
+            <a:schemeClr val="accent1"/>
+          </a:lnRef>
+          <a:fillRef idx="0">
+            <a:schemeClr val="accent1"/>
+          </a:fillRef>
+          <a:effectRef idx="0">
+            <a:schemeClr val="accent1"/>
+          </a:effectRef>
+          <a:fontRef idx="minor">
+            <a:schemeClr val="tx1"/>
+          </a:fontRef>
+        </p:style>
+      </p:cxnSp>
+      <p:cxnSp>
+        <p:nvCxnSpPr>
+          <p:cNvPr id="255" name="Conector angular 254"/>
+          <p:cNvCxnSpPr>
+            <a:stCxn id="335" idx="2"/>
+            <a:endCxn id="109" idx="0"/>
+          </p:cNvCxnSpPr>
+          <p:nvPr/>
+        </p:nvCxnSpPr>
+        <p:spPr>
+          <a:xfrm rot="16200000" flipH="1">
+            <a:off x="7625053" y="838477"/>
+            <a:ext cx="270628" cy="926112"/>
+          </a:xfrm>
+          <a:prstGeom prst="bentConnector3">
+            <a:avLst>
+              <a:gd name="adj1" fmla="val 50000"/>
+            </a:avLst>
+          </a:prstGeom>
+          <a:ln w="12700">
+            <a:solidFill>
+              <a:schemeClr val="tx1"/>
+            </a:solidFill>
+          </a:ln>
+        </p:spPr>
+        <p:style>
+          <a:lnRef idx="1">
+            <a:schemeClr val="accent1"/>
+          </a:lnRef>
+          <a:fillRef idx="0">
+            <a:schemeClr val="accent1"/>
+          </a:fillRef>
+          <a:effectRef idx="0">
+            <a:schemeClr val="accent1"/>
+          </a:effectRef>
+          <a:fontRef idx="minor">
+            <a:schemeClr val="tx1"/>
+          </a:fontRef>
+        </p:style>
+      </p:cxnSp>
+      <p:cxnSp>
+        <p:nvCxnSpPr>
+          <p:cNvPr id="311" name="Conector angular 310"/>
+          <p:cNvCxnSpPr>
+            <a:stCxn id="158" idx="2"/>
+            <a:endCxn id="162" idx="0"/>
+          </p:cNvCxnSpPr>
+          <p:nvPr/>
+        </p:nvCxnSpPr>
+        <p:spPr>
+          <a:xfrm rot="16200000" flipH="1">
+            <a:off x="7882112" y="2329911"/>
+            <a:ext cx="130542" cy="436"/>
+          </a:xfrm>
+          <a:prstGeom prst="bentConnector3">
+            <a:avLst>
+              <a:gd name="adj1" fmla="val 50000"/>
+            </a:avLst>
+          </a:prstGeom>
+          <a:ln w="12700">
+            <a:solidFill>
+              <a:schemeClr val="tx1"/>
+            </a:solidFill>
+          </a:ln>
+        </p:spPr>
+        <p:style>
+          <a:lnRef idx="1">
+            <a:schemeClr val="accent1"/>
+          </a:lnRef>
+          <a:fillRef idx="0">
+            <a:schemeClr val="accent1"/>
+          </a:fillRef>
+          <a:effectRef idx="0">
+            <a:schemeClr val="accent1"/>
+          </a:effectRef>
+          <a:fontRef idx="minor">
+            <a:schemeClr val="tx1"/>
+          </a:fontRef>
+        </p:style>
+      </p:cxnSp>
+      <p:cxnSp>
+        <p:nvCxnSpPr>
+          <p:cNvPr id="367" name="Conector angular 366"/>
+          <p:cNvCxnSpPr>
+            <a:stCxn id="130" idx="0"/>
+            <a:endCxn id="125" idx="0"/>
+          </p:cNvCxnSpPr>
+          <p:nvPr/>
+        </p:nvCxnSpPr>
+        <p:spPr>
+          <a:xfrm rot="16200000" flipH="1" flipV="1">
+            <a:off x="6136472" y="3871462"/>
+            <a:ext cx="15087" cy="839074"/>
+          </a:xfrm>
+          <a:prstGeom prst="bentConnector3">
+            <a:avLst>
+              <a:gd name="adj1" fmla="val -1515212"/>
+            </a:avLst>
+          </a:prstGeom>
+          <a:ln w="12700">
+            <a:solidFill>
+              <a:schemeClr val="tx1"/>
+            </a:solidFill>
+          </a:ln>
+        </p:spPr>
+        <p:style>
+          <a:lnRef idx="1">
+            <a:schemeClr val="accent1"/>
+          </a:lnRef>
+          <a:fillRef idx="0">
+            <a:schemeClr val="accent1"/>
+          </a:fillRef>
+          <a:effectRef idx="0">
+            <a:schemeClr val="accent1"/>
+          </a:effectRef>
+          <a:fontRef idx="minor">
+            <a:schemeClr val="tx1"/>
+          </a:fontRef>
+        </p:style>
+      </p:cxnSp>
+      <p:cxnSp>
+        <p:nvCxnSpPr>
+          <p:cNvPr id="388" name="Conector angular 387"/>
+          <p:cNvCxnSpPr>
+            <a:stCxn id="297" idx="0"/>
+            <a:endCxn id="296" idx="0"/>
+          </p:cNvCxnSpPr>
+          <p:nvPr/>
+        </p:nvCxnSpPr>
+        <p:spPr>
+          <a:xfrm rot="16200000" flipV="1">
+            <a:off x="4720997" y="5664850"/>
+            <a:ext cx="240" cy="863474"/>
+          </a:xfrm>
+          <a:prstGeom prst="bentConnector3">
+            <a:avLst>
+              <a:gd name="adj1" fmla="val 95350000"/>
+            </a:avLst>
+          </a:prstGeom>
+          <a:ln w="12700">
+            <a:solidFill>
+              <a:schemeClr val="tx1"/>
+            </a:solidFill>
+          </a:ln>
+        </p:spPr>
+        <p:style>
+          <a:lnRef idx="1">
+            <a:schemeClr val="accent1"/>
+          </a:lnRef>
+          <a:fillRef idx="0">
+            <a:schemeClr val="accent1"/>
+          </a:fillRef>
+          <a:effectRef idx="0">
+            <a:schemeClr val="accent1"/>
+          </a:effectRef>
+          <a:fontRef idx="minor">
+            <a:schemeClr val="tx1"/>
+          </a:fontRef>
+        </p:style>
+      </p:cxnSp>
       <p:pic>
         <p:nvPicPr>
-          <p:cNvPr id="11" name="Imagen 10"/>
+          <p:cNvPr id="7" name="Imagen 6"/>
           <p:cNvPicPr>
             <a:picLocks noChangeAspect="1"/>
           </p:cNvPicPr>
           <p:nvPr/>
         </p:nvPicPr>
         <p:blipFill>
-          <a:blip r:embed="rId8">
+          <a:blip r:embed="rId8" cstate="print">
             <a:extLst>
               <a:ext uri="{28A0092B-C50C-407E-A947-70E740481C1C}">
                 <a14:useLocalDpi xmlns:a14="http://schemas.microsoft.com/office/drawing/2010/main" val="0"/>
@@ -5541,77 +7161,24 @@
         </p:blipFill>
         <p:spPr>
           <a:xfrm>
-            <a:off x="7335691" y="6128752"/>
-            <a:ext cx="823364" cy="175864"/>
+            <a:off x="2173436" y="6611087"/>
+            <a:ext cx="913224" cy="95308"/>
           </a:xfrm>
           <a:prstGeom prst="rect">
             <a:avLst/>
           </a:prstGeom>
         </p:spPr>
       </p:pic>
-      <p:sp>
-        <p:nvSpPr>
-          <p:cNvPr id="154" name="Rectángulo 153" descr="Nodo de cuarto nivel&#10;" title="Nodo04"/>
-          <p:cNvSpPr/>
-          <p:nvPr/>
-        </p:nvSpPr>
-        <p:spPr>
-          <a:xfrm>
-            <a:off x="8327031" y="6047740"/>
-            <a:ext cx="712156" cy="571009"/>
-          </a:xfrm>
-          <a:prstGeom prst="rect">
-            <a:avLst/>
-          </a:prstGeom>
-          <a:solidFill>
-            <a:schemeClr val="bg2">
-              <a:lumMod val="90000"/>
-            </a:schemeClr>
-          </a:solidFill>
-          <a:ln>
-            <a:solidFill>
-              <a:schemeClr val="tx1"/>
-            </a:solidFill>
-          </a:ln>
-        </p:spPr>
-        <p:style>
-          <a:lnRef idx="2">
-            <a:schemeClr val="accent6"/>
-          </a:lnRef>
-          <a:fillRef idx="1">
-            <a:schemeClr val="lt1"/>
-          </a:fillRef>
-          <a:effectRef idx="0">
-            <a:schemeClr val="accent6"/>
-          </a:effectRef>
-          <a:fontRef idx="minor">
-            <a:schemeClr val="dk1"/>
-          </a:fontRef>
-        </p:style>
-        <p:txBody>
-          <a:bodyPr rtlCol="0" anchor="ctr"/>
-          <a:lstStyle/>
-          <a:p>
-            <a:endParaRPr lang="es-ES" sz="850" dirty="0">
-              <a:solidFill>
-                <a:schemeClr val="tx1"/>
-              </a:solidFill>
-              <a:latin typeface="Arial" panose="020B0604020202020204" pitchFamily="34" charset="0"/>
-              <a:cs typeface="Arial" panose="020B0604020202020204" pitchFamily="34" charset="0"/>
-            </a:endParaRPr>
-          </a:p>
-        </p:txBody>
-      </p:sp>
       <p:pic>
         <p:nvPicPr>
-          <p:cNvPr id="13" name="Imagen 12"/>
+          <p:cNvPr id="19" name="Imagen 18"/>
           <p:cNvPicPr>
             <a:picLocks noChangeAspect="1"/>
           </p:cNvPicPr>
           <p:nvPr/>
         </p:nvPicPr>
         <p:blipFill>
-          <a:blip r:embed="rId9">
+          <a:blip r:embed="rId9" cstate="print">
             <a:extLst>
               <a:ext uri="{28A0092B-C50C-407E-A947-70E740481C1C}">
                 <a14:useLocalDpi xmlns:a14="http://schemas.microsoft.com/office/drawing/2010/main" val="0"/>
@@ -5624,560 +7191,24 @@
         </p:blipFill>
         <p:spPr>
           <a:xfrm>
-            <a:off x="8395108" y="6135455"/>
-            <a:ext cx="574934" cy="368547"/>
+            <a:off x="3188309" y="6609092"/>
+            <a:ext cx="549579" cy="108751"/>
           </a:xfrm>
           <a:prstGeom prst="rect">
             <a:avLst/>
           </a:prstGeom>
         </p:spPr>
       </p:pic>
-      <p:cxnSp>
-        <p:nvCxnSpPr>
-          <p:cNvPr id="155" name="Conector angular 154"/>
-          <p:cNvCxnSpPr>
-            <a:stCxn id="109" idx="2"/>
-            <a:endCxn id="158" idx="0"/>
-          </p:cNvCxnSpPr>
-          <p:nvPr/>
-        </p:nvCxnSpPr>
-        <p:spPr>
-          <a:xfrm rot="5400000">
-            <a:off x="7965441" y="1776044"/>
-            <a:ext cx="239706" cy="276258"/>
-          </a:xfrm>
-          <a:prstGeom prst="bentConnector3">
-            <a:avLst>
-              <a:gd name="adj1" fmla="val 50000"/>
-            </a:avLst>
-          </a:prstGeom>
-          <a:ln w="12700">
-            <a:solidFill>
-              <a:schemeClr val="tx1"/>
-            </a:solidFill>
-          </a:ln>
-        </p:spPr>
-        <p:style>
-          <a:lnRef idx="1">
-            <a:schemeClr val="accent1"/>
-          </a:lnRef>
-          <a:fillRef idx="0">
-            <a:schemeClr val="accent1"/>
-          </a:fillRef>
-          <a:effectRef idx="0">
-            <a:schemeClr val="accent1"/>
-          </a:effectRef>
-          <a:fontRef idx="minor">
-            <a:schemeClr val="tx1"/>
-          </a:fontRef>
-        </p:style>
-      </p:cxnSp>
-      <p:cxnSp>
-        <p:nvCxnSpPr>
-          <p:cNvPr id="156" name="Conector angular 155"/>
-          <p:cNvCxnSpPr>
-            <a:stCxn id="109" idx="2"/>
-            <a:endCxn id="159" idx="0"/>
-          </p:cNvCxnSpPr>
-          <p:nvPr/>
-        </p:nvCxnSpPr>
-        <p:spPr>
-          <a:xfrm rot="16200000" flipH="1">
-            <a:off x="8289813" y="1727930"/>
-            <a:ext cx="236916" cy="369696"/>
-          </a:xfrm>
-          <a:prstGeom prst="bentConnector3">
-            <a:avLst>
-              <a:gd name="adj1" fmla="val 50000"/>
-            </a:avLst>
-          </a:prstGeom>
-          <a:ln w="12700">
-            <a:solidFill>
-              <a:schemeClr val="tx1"/>
-            </a:solidFill>
-          </a:ln>
-        </p:spPr>
-        <p:style>
-          <a:lnRef idx="1">
-            <a:schemeClr val="accent1"/>
-          </a:lnRef>
-          <a:fillRef idx="0">
-            <a:schemeClr val="accent1"/>
-          </a:fillRef>
-          <a:effectRef idx="0">
-            <a:schemeClr val="accent1"/>
-          </a:effectRef>
-          <a:fontRef idx="minor">
-            <a:schemeClr val="tx1"/>
-          </a:fontRef>
-        </p:style>
-      </p:cxnSp>
-      <p:sp>
-        <p:nvSpPr>
-          <p:cNvPr id="158" name="CuadroTexto 157" descr="Conector entre nodos" title="conector"/>
-          <p:cNvSpPr txBox="1"/>
-          <p:nvPr/>
-        </p:nvSpPr>
-        <p:spPr>
-          <a:xfrm>
-            <a:off x="7387123" y="2034026"/>
-            <a:ext cx="1120084" cy="230832"/>
-          </a:xfrm>
-          <a:prstGeom prst="rect">
-            <a:avLst/>
-          </a:prstGeom>
-          <a:noFill/>
-        </p:spPr>
-        <p:txBody>
-          <a:bodyPr wrap="square" rtlCol="0">
-            <a:spAutoFit/>
-          </a:bodyPr>
-          <a:lstStyle/>
-          <a:p>
-            <a:pPr algn="ctr"/>
-            <a:r>
-              <a:rPr lang="es-ES" sz="850" dirty="0" smtClean="0">
-                <a:latin typeface="Arial" panose="020B0604020202020204" pitchFamily="34" charset="0"/>
-                <a:cs typeface="Arial" panose="020B0604020202020204" pitchFamily="34" charset="0"/>
-              </a:rPr>
-              <a:t>elementos</a:t>
-            </a:r>
-            <a:endParaRPr lang="es-ES" sz="850" dirty="0">
-              <a:latin typeface="Arial" panose="020B0604020202020204" pitchFamily="34" charset="0"/>
-              <a:cs typeface="Arial" panose="020B0604020202020204" pitchFamily="34" charset="0"/>
-            </a:endParaRPr>
-          </a:p>
-        </p:txBody>
-      </p:sp>
-      <p:sp>
-        <p:nvSpPr>
-          <p:cNvPr id="159" name="CuadroTexto 158" descr="Conector entre nodos" title="conector"/>
-          <p:cNvSpPr txBox="1"/>
-          <p:nvPr/>
-        </p:nvSpPr>
-        <p:spPr>
-          <a:xfrm>
-            <a:off x="8033077" y="2031236"/>
-            <a:ext cx="1120084" cy="230832"/>
-          </a:xfrm>
-          <a:prstGeom prst="rect">
-            <a:avLst/>
-          </a:prstGeom>
-          <a:noFill/>
-        </p:spPr>
-        <p:txBody>
-          <a:bodyPr wrap="square" rtlCol="0">
-            <a:spAutoFit/>
-          </a:bodyPr>
-          <a:lstStyle/>
-          <a:p>
-            <a:pPr algn="ctr"/>
-            <a:r>
-              <a:rPr lang="es-ES" sz="850" dirty="0" smtClean="0">
-                <a:latin typeface="Arial" panose="020B0604020202020204" pitchFamily="34" charset="0"/>
-                <a:cs typeface="Arial" panose="020B0604020202020204" pitchFamily="34" charset="0"/>
-              </a:rPr>
-              <a:t>cálculos</a:t>
-            </a:r>
-            <a:endParaRPr lang="es-ES" sz="850" dirty="0">
-              <a:latin typeface="Arial" panose="020B0604020202020204" pitchFamily="34" charset="0"/>
-              <a:cs typeface="Arial" panose="020B0604020202020204" pitchFamily="34" charset="0"/>
-            </a:endParaRPr>
-          </a:p>
-        </p:txBody>
-      </p:sp>
-      <p:sp>
-        <p:nvSpPr>
-          <p:cNvPr id="162" name="Rectángulo 161" descr="Nodo de cuarto nivel&#10;" title="Nodo04"/>
-          <p:cNvSpPr/>
-          <p:nvPr/>
-        </p:nvSpPr>
-        <p:spPr>
-          <a:xfrm>
-            <a:off x="7502513" y="2395400"/>
-            <a:ext cx="890176" cy="1673345"/>
-          </a:xfrm>
-          <a:prstGeom prst="rect">
-            <a:avLst/>
-          </a:prstGeom>
-          <a:solidFill>
-            <a:schemeClr val="bg2">
-              <a:lumMod val="90000"/>
-            </a:schemeClr>
-          </a:solidFill>
-          <a:ln>
-            <a:solidFill>
-              <a:schemeClr val="tx1"/>
-            </a:solidFill>
-          </a:ln>
-        </p:spPr>
-        <p:style>
-          <a:lnRef idx="2">
-            <a:schemeClr val="accent6"/>
-          </a:lnRef>
-          <a:fillRef idx="1">
-            <a:schemeClr val="lt1"/>
-          </a:fillRef>
-          <a:effectRef idx="0">
-            <a:schemeClr val="accent6"/>
-          </a:effectRef>
-          <a:fontRef idx="minor">
-            <a:schemeClr val="dk1"/>
-          </a:fontRef>
-        </p:style>
-        <p:txBody>
-          <a:bodyPr rtlCol="0" anchor="ctr"/>
-          <a:lstStyle/>
-          <a:p>
-            <a:r>
-              <a:rPr lang="pt-BR" sz="850" dirty="0">
-                <a:solidFill>
-                  <a:schemeClr val="tx1"/>
-                </a:solidFill>
-                <a:latin typeface="Arial" panose="020B0604020202020204" pitchFamily="34" charset="0"/>
-                <a:cs typeface="Arial" panose="020B0604020202020204" pitchFamily="34" charset="0"/>
-              </a:rPr>
-              <a:t>· círculo</a:t>
-            </a:r>
-          </a:p>
-          <a:p>
-            <a:r>
-              <a:rPr lang="pt-BR" sz="850" dirty="0">
-                <a:solidFill>
-                  <a:schemeClr val="tx1"/>
-                </a:solidFill>
-                <a:latin typeface="Arial" panose="020B0604020202020204" pitchFamily="34" charset="0"/>
-                <a:cs typeface="Arial" panose="020B0604020202020204" pitchFamily="34" charset="0"/>
-              </a:rPr>
-              <a:t>· casquete</a:t>
-            </a:r>
-          </a:p>
-          <a:p>
-            <a:r>
-              <a:rPr lang="pt-BR" sz="850" dirty="0">
-                <a:solidFill>
-                  <a:schemeClr val="tx1"/>
-                </a:solidFill>
-                <a:latin typeface="Arial" panose="020B0604020202020204" pitchFamily="34" charset="0"/>
-                <a:cs typeface="Arial" panose="020B0604020202020204" pitchFamily="34" charset="0"/>
-              </a:rPr>
-              <a:t>esférico</a:t>
-            </a:r>
-          </a:p>
-          <a:p>
-            <a:r>
-              <a:rPr lang="pt-BR" sz="850" dirty="0">
-                <a:solidFill>
-                  <a:schemeClr val="tx1"/>
-                </a:solidFill>
-                <a:latin typeface="Arial" panose="020B0604020202020204" pitchFamily="34" charset="0"/>
-                <a:cs typeface="Arial" panose="020B0604020202020204" pitchFamily="34" charset="0"/>
-              </a:rPr>
-              <a:t>· zona esférica</a:t>
-            </a:r>
-          </a:p>
-          <a:p>
-            <a:pPr algn="ctr"/>
-            <a:r>
-              <a:rPr lang="pt-BR" sz="850" dirty="0">
-                <a:solidFill>
-                  <a:schemeClr val="tx1"/>
-                </a:solidFill>
-                <a:latin typeface="Arial" panose="020B0604020202020204" pitchFamily="34" charset="0"/>
-                <a:cs typeface="Arial" panose="020B0604020202020204" pitchFamily="34" charset="0"/>
-              </a:rPr>
-              <a:t>· </a:t>
-            </a:r>
-            <a:r>
-              <a:rPr lang="es-CO" sz="850" dirty="0" smtClean="0">
-                <a:solidFill>
-                  <a:schemeClr val="tx1"/>
-                </a:solidFill>
-                <a:latin typeface="Arial" panose="020B0604020202020204" pitchFamily="34" charset="0"/>
-                <a:cs typeface="Arial" panose="020B0604020202020204" pitchFamily="34" charset="0"/>
-              </a:rPr>
-              <a:t>huso</a:t>
-            </a:r>
-            <a:r>
-              <a:rPr lang="pt-BR" sz="850" dirty="0" smtClean="0">
-                <a:solidFill>
-                  <a:schemeClr val="tx1"/>
-                </a:solidFill>
-                <a:latin typeface="Arial" panose="020B0604020202020204" pitchFamily="34" charset="0"/>
-                <a:cs typeface="Arial" panose="020B0604020202020204" pitchFamily="34" charset="0"/>
-              </a:rPr>
-              <a:t> </a:t>
-            </a:r>
-            <a:r>
-              <a:rPr lang="pt-BR" sz="850" dirty="0">
-                <a:solidFill>
-                  <a:schemeClr val="tx1"/>
-                </a:solidFill>
-                <a:latin typeface="Arial" panose="020B0604020202020204" pitchFamily="34" charset="0"/>
-                <a:cs typeface="Arial" panose="020B0604020202020204" pitchFamily="34" charset="0"/>
-              </a:rPr>
-              <a:t>esférico</a:t>
-            </a:r>
-          </a:p>
-          <a:p>
-            <a:r>
-              <a:rPr lang="pt-BR" sz="850" dirty="0">
-                <a:solidFill>
-                  <a:schemeClr val="tx1"/>
-                </a:solidFill>
-                <a:latin typeface="Arial" panose="020B0604020202020204" pitchFamily="34" charset="0"/>
-                <a:cs typeface="Arial" panose="020B0604020202020204" pitchFamily="34" charset="0"/>
-              </a:rPr>
-              <a:t>· sector esférico</a:t>
-            </a:r>
-          </a:p>
-          <a:p>
-            <a:r>
-              <a:rPr lang="pt-BR" sz="850" dirty="0">
-                <a:solidFill>
-                  <a:schemeClr val="tx1"/>
-                </a:solidFill>
-                <a:latin typeface="Arial" panose="020B0604020202020204" pitchFamily="34" charset="0"/>
-                <a:cs typeface="Arial" panose="020B0604020202020204" pitchFamily="34" charset="0"/>
-              </a:rPr>
-              <a:t>·segmento</a:t>
-            </a:r>
-          </a:p>
-          <a:p>
-            <a:r>
-              <a:rPr lang="pt-BR" sz="850" dirty="0">
-                <a:solidFill>
-                  <a:schemeClr val="tx1"/>
-                </a:solidFill>
-                <a:latin typeface="Arial" panose="020B0604020202020204" pitchFamily="34" charset="0"/>
-                <a:cs typeface="Arial" panose="020B0604020202020204" pitchFamily="34" charset="0"/>
-              </a:rPr>
-              <a:t>esférico</a:t>
-            </a:r>
-          </a:p>
-          <a:p>
-            <a:r>
-              <a:rPr lang="pt-BR" sz="850" dirty="0">
-                <a:solidFill>
-                  <a:schemeClr val="tx1"/>
-                </a:solidFill>
-                <a:latin typeface="Arial" panose="020B0604020202020204" pitchFamily="34" charset="0"/>
-                <a:cs typeface="Arial" panose="020B0604020202020204" pitchFamily="34" charset="0"/>
-              </a:rPr>
-              <a:t>·anillo esférico</a:t>
-            </a:r>
-          </a:p>
-          <a:p>
-            <a:r>
-              <a:rPr lang="pt-BR" sz="850" dirty="0">
-                <a:solidFill>
-                  <a:schemeClr val="tx1"/>
-                </a:solidFill>
-                <a:latin typeface="Arial" panose="020B0604020202020204" pitchFamily="34" charset="0"/>
-                <a:cs typeface="Arial" panose="020B0604020202020204" pitchFamily="34" charset="0"/>
-              </a:rPr>
-              <a:t>·cuña esférica</a:t>
-            </a:r>
-            <a:endParaRPr lang="es-ES" sz="850" dirty="0">
-              <a:solidFill>
-                <a:schemeClr val="tx1"/>
-              </a:solidFill>
-              <a:latin typeface="Arial" panose="020B0604020202020204" pitchFamily="34" charset="0"/>
-              <a:cs typeface="Arial" panose="020B0604020202020204" pitchFamily="34" charset="0"/>
-            </a:endParaRPr>
-          </a:p>
-        </p:txBody>
-      </p:sp>
-      <p:sp>
-        <p:nvSpPr>
-          <p:cNvPr id="163" name="CuadroTexto 162" descr="Conector entre nodos" title="conector"/>
-          <p:cNvSpPr txBox="1"/>
-          <p:nvPr/>
-        </p:nvSpPr>
-        <p:spPr>
-          <a:xfrm>
-            <a:off x="7283640" y="4391799"/>
-            <a:ext cx="1120084" cy="230832"/>
-          </a:xfrm>
-          <a:prstGeom prst="rect">
-            <a:avLst/>
-          </a:prstGeom>
-          <a:noFill/>
-        </p:spPr>
-        <p:txBody>
-          <a:bodyPr wrap="square" rtlCol="0">
-            <a:spAutoFit/>
-          </a:bodyPr>
-          <a:lstStyle/>
-          <a:p>
-            <a:pPr algn="ctr"/>
-            <a:r>
-              <a:rPr lang="es-ES" sz="850" dirty="0" smtClean="0">
-                <a:latin typeface="Arial" panose="020B0604020202020204" pitchFamily="34" charset="0"/>
-                <a:cs typeface="Arial" panose="020B0604020202020204" pitchFamily="34" charset="0"/>
-              </a:rPr>
-              <a:t>área</a:t>
-            </a:r>
-            <a:endParaRPr lang="es-ES" sz="850" dirty="0">
-              <a:latin typeface="Arial" panose="020B0604020202020204" pitchFamily="34" charset="0"/>
-              <a:cs typeface="Arial" panose="020B0604020202020204" pitchFamily="34" charset="0"/>
-            </a:endParaRPr>
-          </a:p>
-        </p:txBody>
-      </p:sp>
-      <p:sp>
-        <p:nvSpPr>
-          <p:cNvPr id="164" name="CuadroTexto 163" descr="Conector entre nodos" title="conector"/>
-          <p:cNvSpPr txBox="1"/>
-          <p:nvPr/>
-        </p:nvSpPr>
-        <p:spPr>
-          <a:xfrm>
-            <a:off x="8182559" y="4399727"/>
-            <a:ext cx="1120084" cy="230832"/>
-          </a:xfrm>
-          <a:prstGeom prst="rect">
-            <a:avLst/>
-          </a:prstGeom>
-          <a:noFill/>
-        </p:spPr>
-        <p:txBody>
-          <a:bodyPr wrap="square" rtlCol="0">
-            <a:spAutoFit/>
-          </a:bodyPr>
-          <a:lstStyle/>
-          <a:p>
-            <a:pPr algn="ctr"/>
-            <a:r>
-              <a:rPr lang="es-ES" sz="850" dirty="0" smtClean="0">
-                <a:latin typeface="Arial" panose="020B0604020202020204" pitchFamily="34" charset="0"/>
-                <a:cs typeface="Arial" panose="020B0604020202020204" pitchFamily="34" charset="0"/>
-              </a:rPr>
-              <a:t>volumen</a:t>
-            </a:r>
-            <a:endParaRPr lang="es-ES" sz="850" dirty="0">
-              <a:latin typeface="Arial" panose="020B0604020202020204" pitchFamily="34" charset="0"/>
-              <a:cs typeface="Arial" panose="020B0604020202020204" pitchFamily="34" charset="0"/>
-            </a:endParaRPr>
-          </a:p>
-        </p:txBody>
-      </p:sp>
-      <p:sp>
-        <p:nvSpPr>
-          <p:cNvPr id="166" name="Rectángulo 165" descr="Nodo de cuarto nivel&#10;" title="Nodo04"/>
-          <p:cNvSpPr/>
-          <p:nvPr/>
-        </p:nvSpPr>
-        <p:spPr>
-          <a:xfrm>
-            <a:off x="7440771" y="4650219"/>
-            <a:ext cx="819529" cy="304773"/>
-          </a:xfrm>
-          <a:prstGeom prst="rect">
-            <a:avLst/>
-          </a:prstGeom>
-          <a:solidFill>
-            <a:schemeClr val="bg2">
-              <a:lumMod val="90000"/>
-            </a:schemeClr>
-          </a:solidFill>
-          <a:ln>
-            <a:solidFill>
-              <a:schemeClr val="tx1"/>
-            </a:solidFill>
-          </a:ln>
-        </p:spPr>
-        <p:style>
-          <a:lnRef idx="2">
-            <a:schemeClr val="accent6"/>
-          </a:lnRef>
-          <a:fillRef idx="1">
-            <a:schemeClr val="lt1"/>
-          </a:fillRef>
-          <a:effectRef idx="0">
-            <a:schemeClr val="accent6"/>
-          </a:effectRef>
-          <a:fontRef idx="minor">
-            <a:schemeClr val="dk1"/>
-          </a:fontRef>
-        </p:style>
-        <p:txBody>
-          <a:bodyPr rtlCol="0" anchor="ctr"/>
-          <a:lstStyle/>
-          <a:p>
-            <a:endParaRPr lang="es-ES" sz="850" dirty="0">
-              <a:solidFill>
-                <a:schemeClr val="tx1"/>
-              </a:solidFill>
-              <a:latin typeface="Arial" panose="020B0604020202020204" pitchFamily="34" charset="0"/>
-              <a:cs typeface="Arial" panose="020B0604020202020204" pitchFamily="34" charset="0"/>
-            </a:endParaRPr>
-          </a:p>
-        </p:txBody>
-      </p:sp>
-      <p:sp>
-        <p:nvSpPr>
-          <p:cNvPr id="170" name="Rectángulo 169" descr="Nodo de cuarto nivel&#10;" title="Nodo04"/>
-          <p:cNvSpPr/>
-          <p:nvPr/>
-        </p:nvSpPr>
-        <p:spPr>
-          <a:xfrm>
-            <a:off x="8403724" y="4669879"/>
-            <a:ext cx="676162" cy="503247"/>
-          </a:xfrm>
-          <a:prstGeom prst="rect">
-            <a:avLst/>
-          </a:prstGeom>
-          <a:solidFill>
-            <a:schemeClr val="bg2">
-              <a:lumMod val="90000"/>
-            </a:schemeClr>
-          </a:solidFill>
-          <a:ln>
-            <a:solidFill>
-              <a:schemeClr val="tx1"/>
-            </a:solidFill>
-          </a:ln>
-        </p:spPr>
-        <p:style>
-          <a:lnRef idx="2">
-            <a:schemeClr val="accent6"/>
-          </a:lnRef>
-          <a:fillRef idx="1">
-            <a:schemeClr val="lt1"/>
-          </a:fillRef>
-          <a:effectRef idx="0">
-            <a:schemeClr val="accent6"/>
-          </a:effectRef>
-          <a:fontRef idx="minor">
-            <a:schemeClr val="dk1"/>
-          </a:fontRef>
-        </p:style>
-        <p:txBody>
-          <a:bodyPr rtlCol="0" anchor="ctr"/>
-          <a:lstStyle/>
-          <a:p>
-            <a:endParaRPr lang="es-ES" sz="850" dirty="0">
-              <a:solidFill>
-                <a:schemeClr val="tx1"/>
-              </a:solidFill>
-              <a:latin typeface="Arial" panose="020B0604020202020204" pitchFamily="34" charset="0"/>
-              <a:cs typeface="Arial" panose="020B0604020202020204" pitchFamily="34" charset="0"/>
-            </a:endParaRPr>
-          </a:p>
-        </p:txBody>
-      </p:sp>
       <p:pic>
         <p:nvPicPr>
-          <p:cNvPr id="14" name="Imagen 13"/>
+          <p:cNvPr id="20" name="Imagen 19"/>
           <p:cNvPicPr>
             <a:picLocks noChangeAspect="1"/>
           </p:cNvPicPr>
           <p:nvPr/>
         </p:nvPicPr>
         <p:blipFill>
-          <a:blip r:embed="rId10">
+          <a:blip r:embed="rId10" cstate="print">
             <a:extLst>
               <a:ext uri="{28A0092B-C50C-407E-A947-70E740481C1C}">
                 <a14:useLocalDpi xmlns:a14="http://schemas.microsoft.com/office/drawing/2010/main" val="0"/>
@@ -6190,8 +7221,8 @@
         </p:blipFill>
         <p:spPr>
           <a:xfrm>
-            <a:off x="7533955" y="4683837"/>
-            <a:ext cx="657317" cy="228632"/>
+            <a:off x="3842064" y="6603998"/>
+            <a:ext cx="868037" cy="95857"/>
           </a:xfrm>
           <a:prstGeom prst="rect">
             <a:avLst/>
@@ -6200,14 +7231,14 @@
       </p:pic>
       <p:pic>
         <p:nvPicPr>
-          <p:cNvPr id="15" name="Imagen 14"/>
+          <p:cNvPr id="21" name="Imagen 20"/>
           <p:cNvPicPr>
             <a:picLocks noChangeAspect="1"/>
           </p:cNvPicPr>
           <p:nvPr/>
         </p:nvPicPr>
         <p:blipFill>
-          <a:blip r:embed="rId11">
+          <a:blip r:embed="rId11" cstate="print">
             <a:extLst>
               <a:ext uri="{28A0092B-C50C-407E-A947-70E740481C1C}">
                 <a14:useLocalDpi xmlns:a14="http://schemas.microsoft.com/office/drawing/2010/main" val="0"/>
@@ -6220,1045 +7251,14 @@
         </p:blipFill>
         <p:spPr>
           <a:xfrm>
-            <a:off x="8444495" y="4717941"/>
-            <a:ext cx="594620" cy="431710"/>
+            <a:off x="4860552" y="6507262"/>
+            <a:ext cx="567487" cy="239866"/>
           </a:xfrm>
           <a:prstGeom prst="rect">
             <a:avLst/>
           </a:prstGeom>
         </p:spPr>
       </p:pic>
-      <p:cxnSp>
-        <p:nvCxnSpPr>
-          <p:cNvPr id="171" name="Conector angular 170"/>
-          <p:cNvCxnSpPr>
-            <a:stCxn id="4" idx="2"/>
-            <a:endCxn id="335" idx="0"/>
-          </p:cNvCxnSpPr>
-          <p:nvPr/>
-        </p:nvCxnSpPr>
-        <p:spPr>
-          <a:xfrm rot="16200000" flipH="1">
-            <a:off x="5876804" y="-694071"/>
-            <a:ext cx="295301" cy="2545714"/>
-          </a:xfrm>
-          <a:prstGeom prst="bentConnector3">
-            <a:avLst>
-              <a:gd name="adj1" fmla="val 50000"/>
-            </a:avLst>
-          </a:prstGeom>
-          <a:ln w="12700">
-            <a:solidFill>
-              <a:schemeClr val="tx1"/>
-            </a:solidFill>
-          </a:ln>
-        </p:spPr>
-        <p:style>
-          <a:lnRef idx="1">
-            <a:schemeClr val="accent1"/>
-          </a:lnRef>
-          <a:fillRef idx="0">
-            <a:schemeClr val="accent1"/>
-          </a:fillRef>
-          <a:effectRef idx="0">
-            <a:schemeClr val="accent1"/>
-          </a:effectRef>
-          <a:fontRef idx="minor">
-            <a:schemeClr val="tx1"/>
-          </a:fontRef>
-        </p:style>
-      </p:cxnSp>
-      <p:cxnSp>
-        <p:nvCxnSpPr>
-          <p:cNvPr id="176" name="Conector angular 175"/>
-          <p:cNvCxnSpPr>
-            <a:stCxn id="143" idx="2"/>
-            <a:endCxn id="364" idx="0"/>
-          </p:cNvCxnSpPr>
-          <p:nvPr/>
-        </p:nvCxnSpPr>
-        <p:spPr>
-          <a:xfrm rot="5400000">
-            <a:off x="2139892" y="2858977"/>
-            <a:ext cx="417528" cy="1404116"/>
-          </a:xfrm>
-          <a:prstGeom prst="bentConnector3">
-            <a:avLst>
-              <a:gd name="adj1" fmla="val 50000"/>
-            </a:avLst>
-          </a:prstGeom>
-          <a:ln w="12700">
-            <a:solidFill>
-              <a:schemeClr val="tx1"/>
-            </a:solidFill>
-          </a:ln>
-        </p:spPr>
-        <p:style>
-          <a:lnRef idx="1">
-            <a:schemeClr val="accent1"/>
-          </a:lnRef>
-          <a:fillRef idx="0">
-            <a:schemeClr val="accent1"/>
-          </a:fillRef>
-          <a:effectRef idx="0">
-            <a:schemeClr val="accent1"/>
-          </a:effectRef>
-          <a:fontRef idx="minor">
-            <a:schemeClr val="tx1"/>
-          </a:fontRef>
-        </p:style>
-      </p:cxnSp>
-      <p:cxnSp>
-        <p:nvCxnSpPr>
-          <p:cNvPr id="177" name="Conector angular 176"/>
-          <p:cNvCxnSpPr>
-            <a:stCxn id="143" idx="2"/>
-            <a:endCxn id="366" idx="0"/>
-          </p:cNvCxnSpPr>
-          <p:nvPr/>
-        </p:nvCxnSpPr>
-        <p:spPr>
-          <a:xfrm rot="16200000" flipH="1">
-            <a:off x="3434863" y="2968121"/>
-            <a:ext cx="417729" cy="1186027"/>
-          </a:xfrm>
-          <a:prstGeom prst="bentConnector3">
-            <a:avLst>
-              <a:gd name="adj1" fmla="val 50000"/>
-            </a:avLst>
-          </a:prstGeom>
-          <a:ln w="12700">
-            <a:solidFill>
-              <a:schemeClr val="tx1"/>
-            </a:solidFill>
-          </a:ln>
-        </p:spPr>
-        <p:style>
-          <a:lnRef idx="1">
-            <a:schemeClr val="accent1"/>
-          </a:lnRef>
-          <a:fillRef idx="0">
-            <a:schemeClr val="accent1"/>
-          </a:fillRef>
-          <a:effectRef idx="0">
-            <a:schemeClr val="accent1"/>
-          </a:effectRef>
-          <a:fontRef idx="minor">
-            <a:schemeClr val="tx1"/>
-          </a:fontRef>
-        </p:style>
-      </p:cxnSp>
-      <p:cxnSp>
-        <p:nvCxnSpPr>
-          <p:cNvPr id="178" name="Conector angular 177"/>
-          <p:cNvCxnSpPr>
-            <a:stCxn id="143" idx="2"/>
-            <a:endCxn id="309" idx="0"/>
-          </p:cNvCxnSpPr>
-          <p:nvPr/>
-        </p:nvCxnSpPr>
-        <p:spPr>
-          <a:xfrm rot="5400000">
-            <a:off x="2694386" y="3414327"/>
-            <a:ext cx="418384" cy="294273"/>
-          </a:xfrm>
-          <a:prstGeom prst="bentConnector3">
-            <a:avLst>
-              <a:gd name="adj1" fmla="val 50000"/>
-            </a:avLst>
-          </a:prstGeom>
-          <a:ln w="12700">
-            <a:solidFill>
-              <a:schemeClr val="tx1"/>
-            </a:solidFill>
-          </a:ln>
-        </p:spPr>
-        <p:style>
-          <a:lnRef idx="1">
-            <a:schemeClr val="accent1"/>
-          </a:lnRef>
-          <a:fillRef idx="0">
-            <a:schemeClr val="accent1"/>
-          </a:fillRef>
-          <a:effectRef idx="0">
-            <a:schemeClr val="accent1"/>
-          </a:effectRef>
-          <a:fontRef idx="minor">
-            <a:schemeClr val="tx1"/>
-          </a:fontRef>
-        </p:style>
-      </p:cxnSp>
-      <p:cxnSp>
-        <p:nvCxnSpPr>
-          <p:cNvPr id="179" name="Conector angular 178"/>
-          <p:cNvCxnSpPr>
-            <a:stCxn id="364" idx="2"/>
-            <a:endCxn id="165" idx="0"/>
-          </p:cNvCxnSpPr>
-          <p:nvPr/>
-        </p:nvCxnSpPr>
-        <p:spPr>
-          <a:xfrm rot="5400000">
-            <a:off x="1446242" y="4124471"/>
-            <a:ext cx="253526" cy="147186"/>
-          </a:xfrm>
-          <a:prstGeom prst="bentConnector3">
-            <a:avLst>
-              <a:gd name="adj1" fmla="val 50000"/>
-            </a:avLst>
-          </a:prstGeom>
-          <a:ln w="12700">
-            <a:solidFill>
-              <a:schemeClr val="tx1"/>
-            </a:solidFill>
-          </a:ln>
-        </p:spPr>
-        <p:style>
-          <a:lnRef idx="1">
-            <a:schemeClr val="accent1"/>
-          </a:lnRef>
-          <a:fillRef idx="0">
-            <a:schemeClr val="accent1"/>
-          </a:fillRef>
-          <a:effectRef idx="0">
-            <a:schemeClr val="accent1"/>
-          </a:effectRef>
-          <a:fontRef idx="minor">
-            <a:schemeClr val="tx1"/>
-          </a:fontRef>
-        </p:style>
-      </p:cxnSp>
-      <p:cxnSp>
-        <p:nvCxnSpPr>
-          <p:cNvPr id="183" name="Conector angular 182"/>
-          <p:cNvCxnSpPr>
-            <a:stCxn id="206" idx="0"/>
-            <a:endCxn id="205" idx="0"/>
-          </p:cNvCxnSpPr>
-          <p:nvPr/>
-        </p:nvCxnSpPr>
-        <p:spPr>
-          <a:xfrm rot="16200000" flipH="1" flipV="1">
-            <a:off x="3040607" y="5722462"/>
-            <a:ext cx="14129" cy="824393"/>
-          </a:xfrm>
-          <a:prstGeom prst="bentConnector3">
-            <a:avLst>
-              <a:gd name="adj1" fmla="val -1617949"/>
-            </a:avLst>
-          </a:prstGeom>
-          <a:ln w="12700">
-            <a:solidFill>
-              <a:schemeClr val="tx1"/>
-            </a:solidFill>
-          </a:ln>
-        </p:spPr>
-        <p:style>
-          <a:lnRef idx="1">
-            <a:schemeClr val="accent1"/>
-          </a:lnRef>
-          <a:fillRef idx="0">
-            <a:schemeClr val="accent1"/>
-          </a:fillRef>
-          <a:effectRef idx="0">
-            <a:schemeClr val="accent1"/>
-          </a:effectRef>
-          <a:fontRef idx="minor">
-            <a:schemeClr val="tx1"/>
-          </a:fontRef>
-        </p:style>
-      </p:cxnSp>
-      <p:cxnSp>
-        <p:nvCxnSpPr>
-          <p:cNvPr id="188" name="Conector angular 187"/>
-          <p:cNvCxnSpPr>
-            <a:stCxn id="366" idx="2"/>
-            <a:endCxn id="294" idx="0"/>
-          </p:cNvCxnSpPr>
-          <p:nvPr/>
-        </p:nvCxnSpPr>
-        <p:spPr>
-          <a:xfrm rot="16200000" flipH="1">
-            <a:off x="4322437" y="3935383"/>
-            <a:ext cx="319072" cy="490464"/>
-          </a:xfrm>
-          <a:prstGeom prst="bentConnector3">
-            <a:avLst>
-              <a:gd name="adj1" fmla="val 50000"/>
-            </a:avLst>
-          </a:prstGeom>
-          <a:ln w="12700">
-            <a:solidFill>
-              <a:schemeClr val="tx1"/>
-            </a:solidFill>
-          </a:ln>
-        </p:spPr>
-        <p:style>
-          <a:lnRef idx="1">
-            <a:schemeClr val="accent1"/>
-          </a:lnRef>
-          <a:fillRef idx="0">
-            <a:schemeClr val="accent1"/>
-          </a:fillRef>
-          <a:effectRef idx="0">
-            <a:schemeClr val="accent1"/>
-          </a:effectRef>
-          <a:fontRef idx="minor">
-            <a:schemeClr val="tx1"/>
-          </a:fontRef>
-        </p:style>
-      </p:cxnSp>
-      <p:cxnSp>
-        <p:nvCxnSpPr>
-          <p:cNvPr id="189" name="Conector angular 188"/>
-          <p:cNvCxnSpPr>
-            <a:stCxn id="121" idx="2"/>
-            <a:endCxn id="124" idx="0"/>
-          </p:cNvCxnSpPr>
-          <p:nvPr/>
-        </p:nvCxnSpPr>
-        <p:spPr>
-          <a:xfrm rot="16200000" flipH="1">
-            <a:off x="6703590" y="2368712"/>
-            <a:ext cx="115383" cy="524"/>
-          </a:xfrm>
-          <a:prstGeom prst="bentConnector3">
-            <a:avLst>
-              <a:gd name="adj1" fmla="val 50000"/>
-            </a:avLst>
-          </a:prstGeom>
-          <a:ln w="12700">
-            <a:solidFill>
-              <a:schemeClr val="tx1"/>
-            </a:solidFill>
-          </a:ln>
-        </p:spPr>
-        <p:style>
-          <a:lnRef idx="1">
-            <a:schemeClr val="accent1"/>
-          </a:lnRef>
-          <a:fillRef idx="0">
-            <a:schemeClr val="accent1"/>
-          </a:fillRef>
-          <a:effectRef idx="0">
-            <a:schemeClr val="accent1"/>
-          </a:effectRef>
-          <a:fontRef idx="minor">
-            <a:schemeClr val="tx1"/>
-          </a:fontRef>
-        </p:style>
-      </p:cxnSp>
-      <p:cxnSp>
-        <p:nvCxnSpPr>
-          <p:cNvPr id="194" name="Conector angular 193"/>
-          <p:cNvCxnSpPr>
-            <a:stCxn id="120" idx="2"/>
-          </p:cNvCxnSpPr>
-          <p:nvPr/>
-        </p:nvCxnSpPr>
-        <p:spPr>
-          <a:xfrm rot="5400000">
-            <a:off x="5233269" y="3180065"/>
-            <a:ext cx="1740678" cy="4442"/>
-          </a:xfrm>
-          <a:prstGeom prst="bentConnector3">
-            <a:avLst>
-              <a:gd name="adj1" fmla="val 50000"/>
-            </a:avLst>
-          </a:prstGeom>
-          <a:ln w="12700">
-            <a:solidFill>
-              <a:schemeClr val="tx1"/>
-            </a:solidFill>
-          </a:ln>
-        </p:spPr>
-        <p:style>
-          <a:lnRef idx="1">
-            <a:schemeClr val="accent1"/>
-          </a:lnRef>
-          <a:fillRef idx="0">
-            <a:schemeClr val="accent1"/>
-          </a:fillRef>
-          <a:effectRef idx="0">
-            <a:schemeClr val="accent1"/>
-          </a:effectRef>
-          <a:fontRef idx="minor">
-            <a:schemeClr val="tx1"/>
-          </a:fontRef>
-        </p:style>
-      </p:cxnSp>
-      <p:cxnSp>
-        <p:nvCxnSpPr>
-          <p:cNvPr id="204" name="Conector angular 203"/>
-          <p:cNvCxnSpPr>
-            <a:stCxn id="110" idx="2"/>
-          </p:cNvCxnSpPr>
-          <p:nvPr/>
-        </p:nvCxnSpPr>
-        <p:spPr>
-          <a:xfrm rot="16200000" flipH="1">
-            <a:off x="5608407" y="3482496"/>
-            <a:ext cx="3378807" cy="2451"/>
-          </a:xfrm>
-          <a:prstGeom prst="bentConnector3">
-            <a:avLst>
-              <a:gd name="adj1" fmla="val 50000"/>
-            </a:avLst>
-          </a:prstGeom>
-          <a:ln w="12700">
-            <a:solidFill>
-              <a:schemeClr val="tx1"/>
-            </a:solidFill>
-          </a:ln>
-        </p:spPr>
-        <p:style>
-          <a:lnRef idx="1">
-            <a:schemeClr val="accent1"/>
-          </a:lnRef>
-          <a:fillRef idx="0">
-            <a:schemeClr val="accent1"/>
-          </a:fillRef>
-          <a:effectRef idx="0">
-            <a:schemeClr val="accent1"/>
-          </a:effectRef>
-          <a:fontRef idx="minor">
-            <a:schemeClr val="tx1"/>
-          </a:fontRef>
-        </p:style>
-      </p:cxnSp>
-      <p:cxnSp>
-        <p:nvCxnSpPr>
-          <p:cNvPr id="207" name="Conector angular 206"/>
-          <p:cNvCxnSpPr>
-            <a:stCxn id="150" idx="0"/>
-            <a:endCxn id="149" idx="0"/>
-          </p:cNvCxnSpPr>
-          <p:nvPr/>
-        </p:nvCxnSpPr>
-        <p:spPr>
-          <a:xfrm rot="16200000" flipH="1" flipV="1">
-            <a:off x="7421179" y="4636359"/>
-            <a:ext cx="20890" cy="1543197"/>
-          </a:xfrm>
-          <a:prstGeom prst="bentConnector3">
-            <a:avLst>
-              <a:gd name="adj1" fmla="val -1094303"/>
-            </a:avLst>
-          </a:prstGeom>
-          <a:ln w="12700">
-            <a:solidFill>
-              <a:schemeClr val="tx1"/>
-            </a:solidFill>
-          </a:ln>
-        </p:spPr>
-        <p:style>
-          <a:lnRef idx="1">
-            <a:schemeClr val="accent1"/>
-          </a:lnRef>
-          <a:fillRef idx="0">
-            <a:schemeClr val="accent1"/>
-          </a:fillRef>
-          <a:effectRef idx="0">
-            <a:schemeClr val="accent1"/>
-          </a:effectRef>
-          <a:fontRef idx="minor">
-            <a:schemeClr val="tx1"/>
-          </a:fontRef>
-        </p:style>
-      </p:cxnSp>
-      <p:cxnSp>
-        <p:nvCxnSpPr>
-          <p:cNvPr id="217" name="Conector angular 216"/>
-          <p:cNvCxnSpPr>
-            <a:stCxn id="150" idx="2"/>
-            <a:endCxn id="151" idx="0"/>
-          </p:cNvCxnSpPr>
-          <p:nvPr/>
-        </p:nvCxnSpPr>
-        <p:spPr>
-          <a:xfrm rot="5400000">
-            <a:off x="7908495" y="5467790"/>
-            <a:ext cx="134172" cy="455283"/>
-          </a:xfrm>
-          <a:prstGeom prst="bentConnector3">
-            <a:avLst>
-              <a:gd name="adj1" fmla="val 50000"/>
-            </a:avLst>
-          </a:prstGeom>
-          <a:ln w="12700">
-            <a:solidFill>
-              <a:schemeClr val="tx1"/>
-            </a:solidFill>
-          </a:ln>
-        </p:spPr>
-        <p:style>
-          <a:lnRef idx="1">
-            <a:schemeClr val="accent1"/>
-          </a:lnRef>
-          <a:fillRef idx="0">
-            <a:schemeClr val="accent1"/>
-          </a:fillRef>
-          <a:effectRef idx="0">
-            <a:schemeClr val="accent1"/>
-          </a:effectRef>
-          <a:fontRef idx="minor">
-            <a:schemeClr val="tx1"/>
-          </a:fontRef>
-        </p:style>
-      </p:cxnSp>
-      <p:cxnSp>
-        <p:nvCxnSpPr>
-          <p:cNvPr id="218" name="Conector angular 217"/>
-          <p:cNvCxnSpPr>
-            <a:stCxn id="149" idx="2"/>
-            <a:endCxn id="148" idx="0"/>
-          </p:cNvCxnSpPr>
-          <p:nvPr/>
-        </p:nvCxnSpPr>
-        <p:spPr>
-          <a:xfrm rot="5400000">
-            <a:off x="6475460" y="5833188"/>
-            <a:ext cx="368519" cy="613"/>
-          </a:xfrm>
-          <a:prstGeom prst="bentConnector3">
-            <a:avLst>
-              <a:gd name="adj1" fmla="val 50000"/>
-            </a:avLst>
-          </a:prstGeom>
-          <a:ln w="12700">
-            <a:solidFill>
-              <a:schemeClr val="tx1"/>
-            </a:solidFill>
-          </a:ln>
-        </p:spPr>
-        <p:style>
-          <a:lnRef idx="1">
-            <a:schemeClr val="accent1"/>
-          </a:lnRef>
-          <a:fillRef idx="0">
-            <a:schemeClr val="accent1"/>
-          </a:fillRef>
-          <a:effectRef idx="0">
-            <a:schemeClr val="accent1"/>
-          </a:effectRef>
-          <a:fontRef idx="minor">
-            <a:schemeClr val="tx1"/>
-          </a:fontRef>
-        </p:style>
-      </p:cxnSp>
-      <p:cxnSp>
-        <p:nvCxnSpPr>
-          <p:cNvPr id="224" name="Conector angular 223"/>
-          <p:cNvCxnSpPr>
-            <a:stCxn id="150" idx="2"/>
-            <a:endCxn id="152" idx="0"/>
-          </p:cNvCxnSpPr>
-          <p:nvPr/>
-        </p:nvCxnSpPr>
-        <p:spPr>
-          <a:xfrm rot="16200000" flipH="1">
-            <a:off x="8375420" y="5456146"/>
-            <a:ext cx="134957" cy="479353"/>
-          </a:xfrm>
-          <a:prstGeom prst="bentConnector3">
-            <a:avLst>
-              <a:gd name="adj1" fmla="val 50000"/>
-            </a:avLst>
-          </a:prstGeom>
-          <a:ln w="12700">
-            <a:solidFill>
-              <a:schemeClr val="tx1"/>
-            </a:solidFill>
-          </a:ln>
-        </p:spPr>
-        <p:style>
-          <a:lnRef idx="1">
-            <a:schemeClr val="accent1"/>
-          </a:lnRef>
-          <a:fillRef idx="0">
-            <a:schemeClr val="accent1"/>
-          </a:fillRef>
-          <a:effectRef idx="0">
-            <a:schemeClr val="accent1"/>
-          </a:effectRef>
-          <a:fontRef idx="minor">
-            <a:schemeClr val="tx1"/>
-          </a:fontRef>
-        </p:style>
-      </p:cxnSp>
-      <p:cxnSp>
-        <p:nvCxnSpPr>
-          <p:cNvPr id="225" name="Conector angular 224"/>
-          <p:cNvCxnSpPr>
-            <a:stCxn id="159" idx="2"/>
-          </p:cNvCxnSpPr>
-          <p:nvPr/>
-        </p:nvCxnSpPr>
-        <p:spPr>
-          <a:xfrm rot="5400000">
-            <a:off x="7640230" y="3214521"/>
-            <a:ext cx="1905343" cy="436"/>
-          </a:xfrm>
-          <a:prstGeom prst="bentConnector3">
-            <a:avLst>
-              <a:gd name="adj1" fmla="val 50000"/>
-            </a:avLst>
-          </a:prstGeom>
-          <a:ln w="12700">
-            <a:solidFill>
-              <a:schemeClr val="tx1"/>
-            </a:solidFill>
-          </a:ln>
-        </p:spPr>
-        <p:style>
-          <a:lnRef idx="1">
-            <a:schemeClr val="accent1"/>
-          </a:lnRef>
-          <a:fillRef idx="0">
-            <a:schemeClr val="accent1"/>
-          </a:fillRef>
-          <a:effectRef idx="0">
-            <a:schemeClr val="accent1"/>
-          </a:effectRef>
-          <a:fontRef idx="minor">
-            <a:schemeClr val="tx1"/>
-          </a:fontRef>
-        </p:style>
-      </p:cxnSp>
-      <p:cxnSp>
-        <p:nvCxnSpPr>
-          <p:cNvPr id="226" name="Conector angular 225"/>
-          <p:cNvCxnSpPr>
-            <a:stCxn id="164" idx="0"/>
-            <a:endCxn id="163" idx="0"/>
-          </p:cNvCxnSpPr>
-          <p:nvPr/>
-        </p:nvCxnSpPr>
-        <p:spPr>
-          <a:xfrm rot="16200000" flipV="1">
-            <a:off x="8289178" y="3946303"/>
-            <a:ext cx="7928" cy="898919"/>
-          </a:xfrm>
-          <a:prstGeom prst="bentConnector3">
-            <a:avLst>
-              <a:gd name="adj1" fmla="val 2983451"/>
-            </a:avLst>
-          </a:prstGeom>
-          <a:ln w="12700">
-            <a:solidFill>
-              <a:schemeClr val="tx1"/>
-            </a:solidFill>
-          </a:ln>
-        </p:spPr>
-        <p:style>
-          <a:lnRef idx="1">
-            <a:schemeClr val="accent1"/>
-          </a:lnRef>
-          <a:fillRef idx="0">
-            <a:schemeClr val="accent1"/>
-          </a:fillRef>
-          <a:effectRef idx="0">
-            <a:schemeClr val="accent1"/>
-          </a:effectRef>
-          <a:fontRef idx="minor">
-            <a:schemeClr val="tx1"/>
-          </a:fontRef>
-        </p:style>
-      </p:cxnSp>
-      <p:cxnSp>
-        <p:nvCxnSpPr>
-          <p:cNvPr id="229" name="Conector angular 228"/>
-          <p:cNvCxnSpPr/>
-          <p:nvPr/>
-        </p:nvCxnSpPr>
-        <p:spPr>
-          <a:xfrm rot="5400000">
-            <a:off x="8727268" y="4624106"/>
-            <a:ext cx="79222" cy="876"/>
-          </a:xfrm>
-          <a:prstGeom prst="bentConnector3">
-            <a:avLst>
-              <a:gd name="adj1" fmla="val 50000"/>
-            </a:avLst>
-          </a:prstGeom>
-          <a:ln w="12700">
-            <a:solidFill>
-              <a:schemeClr val="tx1"/>
-            </a:solidFill>
-          </a:ln>
-        </p:spPr>
-        <p:style>
-          <a:lnRef idx="1">
-            <a:schemeClr val="accent1"/>
-          </a:lnRef>
-          <a:fillRef idx="0">
-            <a:schemeClr val="accent1"/>
-          </a:fillRef>
-          <a:effectRef idx="0">
-            <a:schemeClr val="accent1"/>
-          </a:effectRef>
-          <a:fontRef idx="minor">
-            <a:schemeClr val="tx1"/>
-          </a:fontRef>
-        </p:style>
-      </p:cxnSp>
-      <p:cxnSp>
-        <p:nvCxnSpPr>
-          <p:cNvPr id="230" name="Conector angular 229"/>
-          <p:cNvCxnSpPr/>
-          <p:nvPr/>
-        </p:nvCxnSpPr>
-        <p:spPr>
-          <a:xfrm rot="5400000">
-            <a:off x="7811362" y="4616292"/>
-            <a:ext cx="79222" cy="876"/>
-          </a:xfrm>
-          <a:prstGeom prst="bentConnector3">
-            <a:avLst>
-              <a:gd name="adj1" fmla="val 50000"/>
-            </a:avLst>
-          </a:prstGeom>
-          <a:ln w="12700">
-            <a:solidFill>
-              <a:schemeClr val="tx1"/>
-            </a:solidFill>
-          </a:ln>
-        </p:spPr>
-        <p:style>
-          <a:lnRef idx="1">
-            <a:schemeClr val="accent1"/>
-          </a:lnRef>
-          <a:fillRef idx="0">
-            <a:schemeClr val="accent1"/>
-          </a:fillRef>
-          <a:effectRef idx="0">
-            <a:schemeClr val="accent1"/>
-          </a:effectRef>
-          <a:fontRef idx="minor">
-            <a:schemeClr val="tx1"/>
-          </a:fontRef>
-        </p:style>
-      </p:cxnSp>
-      <p:cxnSp>
-        <p:nvCxnSpPr>
-          <p:cNvPr id="231" name="Conector angular 230"/>
-          <p:cNvCxnSpPr>
-            <a:stCxn id="151" idx="2"/>
-            <a:endCxn id="153" idx="0"/>
-          </p:cNvCxnSpPr>
-          <p:nvPr/>
-        </p:nvCxnSpPr>
-        <p:spPr>
-          <a:xfrm rot="5400000">
-            <a:off x="7719211" y="6021513"/>
-            <a:ext cx="56893" cy="565"/>
-          </a:xfrm>
-          <a:prstGeom prst="bentConnector3">
-            <a:avLst>
-              <a:gd name="adj1" fmla="val 50000"/>
-            </a:avLst>
-          </a:prstGeom>
-          <a:ln w="12700">
-            <a:solidFill>
-              <a:schemeClr val="tx1"/>
-            </a:solidFill>
-          </a:ln>
-        </p:spPr>
-        <p:style>
-          <a:lnRef idx="1">
-            <a:schemeClr val="accent1"/>
-          </a:lnRef>
-          <a:fillRef idx="0">
-            <a:schemeClr val="accent1"/>
-          </a:fillRef>
-          <a:effectRef idx="0">
-            <a:schemeClr val="accent1"/>
-          </a:effectRef>
-          <a:fontRef idx="minor">
-            <a:schemeClr val="tx1"/>
-          </a:fontRef>
-        </p:style>
-      </p:cxnSp>
-      <p:cxnSp>
-        <p:nvCxnSpPr>
-          <p:cNvPr id="233" name="Conector angular 232"/>
-          <p:cNvCxnSpPr>
-            <a:stCxn id="152" idx="2"/>
-            <a:endCxn id="154" idx="0"/>
-          </p:cNvCxnSpPr>
-          <p:nvPr/>
-        </p:nvCxnSpPr>
-        <p:spPr>
-          <a:xfrm rot="16200000" flipH="1">
-            <a:off x="8656039" y="6020670"/>
-            <a:ext cx="53606" cy="534"/>
-          </a:xfrm>
-          <a:prstGeom prst="bentConnector3">
-            <a:avLst>
-              <a:gd name="adj1" fmla="val 50000"/>
-            </a:avLst>
-          </a:prstGeom>
-          <a:ln w="12700">
-            <a:solidFill>
-              <a:schemeClr val="tx1"/>
-            </a:solidFill>
-          </a:ln>
-        </p:spPr>
-        <p:style>
-          <a:lnRef idx="1">
-            <a:schemeClr val="accent1"/>
-          </a:lnRef>
-          <a:fillRef idx="0">
-            <a:schemeClr val="accent1"/>
-          </a:fillRef>
-          <a:effectRef idx="0">
-            <a:schemeClr val="accent1"/>
-          </a:effectRef>
-          <a:fontRef idx="minor">
-            <a:schemeClr val="tx1"/>
-          </a:fontRef>
-        </p:style>
-      </p:cxnSp>
-      <p:cxnSp>
-        <p:nvCxnSpPr>
-          <p:cNvPr id="167" name="Conector angular 166"/>
-          <p:cNvCxnSpPr>
-            <a:stCxn id="339" idx="2"/>
-            <a:endCxn id="120" idx="0"/>
-          </p:cNvCxnSpPr>
-          <p:nvPr/>
-        </p:nvCxnSpPr>
-        <p:spPr>
-          <a:xfrm rot="5400000">
-            <a:off x="6124599" y="1775550"/>
-            <a:ext cx="286796" cy="324335"/>
-          </a:xfrm>
-          <a:prstGeom prst="bentConnector3">
-            <a:avLst>
-              <a:gd name="adj1" fmla="val 50000"/>
-            </a:avLst>
-          </a:prstGeom>
-          <a:ln w="12700">
-            <a:solidFill>
-              <a:schemeClr val="tx1"/>
-            </a:solidFill>
-          </a:ln>
-        </p:spPr>
-        <p:style>
-          <a:lnRef idx="1">
-            <a:schemeClr val="accent1"/>
-          </a:lnRef>
-          <a:fillRef idx="0">
-            <a:schemeClr val="accent1"/>
-          </a:fillRef>
-          <a:effectRef idx="0">
-            <a:schemeClr val="accent1"/>
-          </a:effectRef>
-          <a:fontRef idx="minor">
-            <a:schemeClr val="tx1"/>
-          </a:fontRef>
-        </p:style>
-      </p:cxnSp>
-      <p:cxnSp>
-        <p:nvCxnSpPr>
-          <p:cNvPr id="252" name="Conector angular 251"/>
-          <p:cNvCxnSpPr>
-            <a:stCxn id="335" idx="2"/>
-            <a:endCxn id="110" idx="0"/>
-          </p:cNvCxnSpPr>
-          <p:nvPr/>
-        </p:nvCxnSpPr>
-        <p:spPr>
-          <a:xfrm rot="5400000">
-            <a:off x="7161635" y="1301169"/>
-            <a:ext cx="270627" cy="726"/>
-          </a:xfrm>
-          <a:prstGeom prst="bentConnector3">
-            <a:avLst>
-              <a:gd name="adj1" fmla="val 50000"/>
-            </a:avLst>
-          </a:prstGeom>
-          <a:ln w="12700">
-            <a:solidFill>
-              <a:schemeClr val="tx1"/>
-            </a:solidFill>
-          </a:ln>
-        </p:spPr>
-        <p:style>
-          <a:lnRef idx="1">
-            <a:schemeClr val="accent1"/>
-          </a:lnRef>
-          <a:fillRef idx="0">
-            <a:schemeClr val="accent1"/>
-          </a:fillRef>
-          <a:effectRef idx="0">
-            <a:schemeClr val="accent1"/>
-          </a:effectRef>
-          <a:fontRef idx="minor">
-            <a:schemeClr val="tx1"/>
-          </a:fontRef>
-        </p:style>
-      </p:cxnSp>
-      <p:cxnSp>
-        <p:nvCxnSpPr>
-          <p:cNvPr id="255" name="Conector angular 254"/>
-          <p:cNvCxnSpPr>
-            <a:stCxn id="335" idx="2"/>
-            <a:endCxn id="109" idx="0"/>
-          </p:cNvCxnSpPr>
-          <p:nvPr/>
-        </p:nvCxnSpPr>
-        <p:spPr>
-          <a:xfrm rot="16200000" flipH="1">
-            <a:off x="7625053" y="838477"/>
-            <a:ext cx="270628" cy="926112"/>
-          </a:xfrm>
-          <a:prstGeom prst="bentConnector3">
-            <a:avLst>
-              <a:gd name="adj1" fmla="val 50000"/>
-            </a:avLst>
-          </a:prstGeom>
-          <a:ln w="12700">
-            <a:solidFill>
-              <a:schemeClr val="tx1"/>
-            </a:solidFill>
-          </a:ln>
-        </p:spPr>
-        <p:style>
-          <a:lnRef idx="1">
-            <a:schemeClr val="accent1"/>
-          </a:lnRef>
-          <a:fillRef idx="0">
-            <a:schemeClr val="accent1"/>
-          </a:fillRef>
-          <a:effectRef idx="0">
-            <a:schemeClr val="accent1"/>
-          </a:effectRef>
-          <a:fontRef idx="minor">
-            <a:schemeClr val="tx1"/>
-          </a:fontRef>
-        </p:style>
-      </p:cxnSp>
-      <p:cxnSp>
-        <p:nvCxnSpPr>
-          <p:cNvPr id="311" name="Conector angular 310"/>
-          <p:cNvCxnSpPr>
-            <a:stCxn id="158" idx="2"/>
-            <a:endCxn id="162" idx="0"/>
-          </p:cNvCxnSpPr>
-          <p:nvPr/>
-        </p:nvCxnSpPr>
-        <p:spPr>
-          <a:xfrm rot="16200000" flipH="1">
-            <a:off x="7882112" y="2329911"/>
-            <a:ext cx="130542" cy="436"/>
-          </a:xfrm>
-          <a:prstGeom prst="bentConnector3">
-            <a:avLst>
-              <a:gd name="adj1" fmla="val 50000"/>
-            </a:avLst>
-          </a:prstGeom>
-          <a:ln w="12700">
-            <a:solidFill>
-              <a:schemeClr val="tx1"/>
-            </a:solidFill>
-          </a:ln>
-        </p:spPr>
-        <p:style>
-          <a:lnRef idx="1">
-            <a:schemeClr val="accent1"/>
-          </a:lnRef>
-          <a:fillRef idx="0">
-            <a:schemeClr val="accent1"/>
-          </a:fillRef>
-          <a:effectRef idx="0">
-            <a:schemeClr val="accent1"/>
-          </a:effectRef>
-          <a:fontRef idx="minor">
-            <a:schemeClr val="tx1"/>
-          </a:fontRef>
-        </p:style>
-      </p:cxnSp>
-      <p:cxnSp>
-        <p:nvCxnSpPr>
-          <p:cNvPr id="367" name="Conector angular 366"/>
-          <p:cNvCxnSpPr>
-            <a:stCxn id="130" idx="0"/>
-            <a:endCxn id="125" idx="0"/>
-          </p:cNvCxnSpPr>
-          <p:nvPr/>
-        </p:nvCxnSpPr>
-        <p:spPr>
-          <a:xfrm rot="16200000" flipH="1" flipV="1">
-            <a:off x="6136472" y="3871462"/>
-            <a:ext cx="15087" cy="839074"/>
-          </a:xfrm>
-          <a:prstGeom prst="bentConnector3">
-            <a:avLst>
-              <a:gd name="adj1" fmla="val -1515212"/>
-            </a:avLst>
-          </a:prstGeom>
-          <a:ln w="12700">
-            <a:solidFill>
-              <a:schemeClr val="tx1"/>
-            </a:solidFill>
-          </a:ln>
-        </p:spPr>
-        <p:style>
-          <a:lnRef idx="1">
-            <a:schemeClr val="accent1"/>
-          </a:lnRef>
-          <a:fillRef idx="0">
-            <a:schemeClr val="accent1"/>
-          </a:fillRef>
-          <a:effectRef idx="0">
-            <a:schemeClr val="accent1"/>
-          </a:effectRef>
-          <a:fontRef idx="minor">
-            <a:schemeClr val="tx1"/>
-          </a:fontRef>
-        </p:style>
-      </p:cxnSp>
-      <p:cxnSp>
-        <p:nvCxnSpPr>
-          <p:cNvPr id="388" name="Conector angular 387"/>
-          <p:cNvCxnSpPr>
-            <a:stCxn id="297" idx="0"/>
-            <a:endCxn id="296" idx="0"/>
-          </p:cNvCxnSpPr>
-          <p:nvPr/>
-        </p:nvCxnSpPr>
-        <p:spPr>
-          <a:xfrm rot="16200000" flipV="1">
-            <a:off x="4720997" y="5664850"/>
-            <a:ext cx="240" cy="863474"/>
-          </a:xfrm>
-          <a:prstGeom prst="bentConnector3">
-            <a:avLst>
-              <a:gd name="adj1" fmla="val 95350000"/>
-            </a:avLst>
-          </a:prstGeom>
-          <a:ln w="12700">
-            <a:solidFill>
-              <a:schemeClr val="tx1"/>
-            </a:solidFill>
-          </a:ln>
-        </p:spPr>
-        <p:style>
-          <a:lnRef idx="1">
-            <a:schemeClr val="accent1"/>
-          </a:lnRef>
-          <a:fillRef idx="0">
-            <a:schemeClr val="accent1"/>
-          </a:fillRef>
-          <a:effectRef idx="0">
-            <a:schemeClr val="accent1"/>
-          </a:effectRef>
-          <a:fontRef idx="minor">
-            <a:schemeClr val="tx1"/>
-          </a:fontRef>
-        </p:style>
-      </p:cxnSp>
     </p:spTree>
     <p:extLst>
       <p:ext uri="{BB962C8B-B14F-4D97-AF65-F5344CB8AC3E}">
